--- a/Presentations/Mid Semester Review/Individual_Slides/Taylor/Tracking_Subsection.pptx
+++ b/Presentations/Mid Semester Review/Individual_Slides/Taylor/Tracking_Subsection.pptx
@@ -25,7 +25,6 @@
     <p:sldId id="265" r:id="rId19"/>
     <p:sldId id="259" r:id="rId20"/>
     <p:sldId id="269" r:id="rId21"/>
-    <p:sldId id="262" r:id="rId22"/>
   </p:sldIdLst>
   <p:sldSz cx="9144000" cy="6858000" type="screen4x3"/>
   <p:notesSz cx="6858000" cy="9144000"/>
@@ -18939,7 +18938,7 @@
         <p:spPr>
           <a:xfrm>
             <a:off x="571500" y="1158438"/>
-            <a:ext cx="7930013" cy="1477328"/>
+            <a:ext cx="7930013" cy="646331"/>
           </a:xfrm>
           <a:prstGeom prst="rect">
             <a:avLst/>
@@ -18967,56 +18966,8 @@
               <a:t>		Req. 2: The system shall track visually identified targets</a:t>
             </a:r>
           </a:p>
-          <a:p>
-            <a:endParaRPr lang="en-US" dirty="0"/>
-          </a:p>
-          <a:p>
-            <a:r>
-              <a:rPr lang="en-US" dirty="0" smtClean="0"/>
-              <a:t>Preliminary Sensor: Lepton 80x60 Pixel LWIR camera</a:t>
-            </a:r>
-          </a:p>
-          <a:p>
-            <a:pPr marL="742950" lvl="1" indent="-285750">
-              <a:buFont typeface="Arial"/>
-              <a:buChar char="•"/>
-            </a:pPr>
-            <a:r>
-              <a:rPr lang="en-US" dirty="0"/>
-              <a:t>	</a:t>
-            </a:r>
-            <a:r>
-              <a:rPr lang="en-US" dirty="0" smtClean="0"/>
-              <a:t>Provides contrast between human and background</a:t>
-            </a:r>
-            <a:endParaRPr lang="en-US" dirty="0"/>
-          </a:p>
         </p:txBody>
       </p:sp>
-      <p:pic>
-        <p:nvPicPr>
-          <p:cNvPr id="3" name="Picture 2"/>
-          <p:cNvPicPr>
-            <a:picLocks noChangeAspect="1"/>
-          </p:cNvPicPr>
-          <p:nvPr/>
-        </p:nvPicPr>
-        <p:blipFill>
-          <a:blip r:embed="rId4"/>
-          <a:stretch>
-            <a:fillRect/>
-          </a:stretch>
-        </p:blipFill>
-        <p:spPr>
-          <a:xfrm>
-            <a:off x="4515835" y="3162300"/>
-            <a:ext cx="3985678" cy="3060700"/>
-          </a:xfrm>
-          <a:prstGeom prst="rect">
-            <a:avLst/>
-          </a:prstGeom>
-        </p:spPr>
-      </p:pic>
     </p:spTree>
     <p:extLst>
       <p:ext uri="{BB962C8B-B14F-4D97-AF65-F5344CB8AC3E}">
@@ -23902,7 +23853,7 @@
                   <a:latin typeface="Candara"/>
                   <a:cs typeface="Candara"/>
                 </a:rPr>
-                <a:t>Multiple Hypothesis Tracking</a:t>
+                <a:t>Prune Feasible Tracks</a:t>
               </a:r>
               <a:endParaRPr lang="en-US" sz="2400" dirty="0">
                 <a:solidFill>
@@ -25555,7 +25506,7 @@
           <a:graphicData uri="http://schemas.openxmlformats.org/presentationml/2006/ole">
             <mc:AlternateContent xmlns:mc="http://schemas.openxmlformats.org/markup-compatibility/2006">
               <mc:Choice xmlns:v="urn:schemas-microsoft-com:vml" Requires="v">
-                <p:oleObj spid="_x0000_s1029" name="Equation" r:id="rId5" imgW="2425700" imgH="1651000" progId="Equation.3">
+                <p:oleObj spid="_x0000_s1031" name="Equation" r:id="rId5" imgW="2425700" imgH="1651000" progId="Equation.3">
                   <p:embed/>
                 </p:oleObj>
               </mc:Choice>
@@ -25897,7 +25848,7 @@
         <p:spPr>
           <a:xfrm>
             <a:off x="571500" y="1158438"/>
-            <a:ext cx="7930013" cy="2031325"/>
+            <a:ext cx="7930013" cy="2862323"/>
           </a:xfrm>
           <a:prstGeom prst="rect">
             <a:avLst/>
@@ -25938,6 +25889,10 @@
             </a:r>
           </a:p>
           <a:p>
+            <a:pPr marL="742950" lvl="1" indent="-285750">
+              <a:buFont typeface="Arial"/>
+              <a:buChar char="•"/>
+            </a:pPr>
             <a:endParaRPr lang="en-US" dirty="0"/>
           </a:p>
           <a:p>
@@ -25982,10 +25937,65 @@
               <a:rPr lang="en-US" dirty="0" smtClean="0"/>
               <a:t> Filtering will provide quick and accurate tracking solutions</a:t>
             </a:r>
+          </a:p>
+          <a:p>
+            <a:pPr marL="285750" indent="-285750">
+              <a:buFont typeface="Arial"/>
+              <a:buChar char="•"/>
+            </a:pPr>
+            <a:endParaRPr lang="en-US" dirty="0"/>
+          </a:p>
+          <a:p>
+            <a:pPr marL="285750" indent="-285750">
+              <a:buFont typeface="Arial"/>
+              <a:buChar char="•"/>
+            </a:pPr>
+            <a:r>
+              <a:rPr lang="en-US" dirty="0"/>
+              <a:t>Preliminary Sensor: Lepton 80x60 Pixel LWIR camera</a:t>
+            </a:r>
+          </a:p>
+          <a:p>
+            <a:pPr marL="742950" lvl="1" indent="-285750">
+              <a:buFont typeface="Arial"/>
+              <a:buChar char="•"/>
+            </a:pPr>
+            <a:r>
+              <a:rPr lang="en-US" dirty="0"/>
+              <a:t>	Provides contrast between human and </a:t>
+            </a:r>
+            <a:r>
+              <a:rPr lang="en-US" dirty="0" smtClean="0"/>
+              <a:t>background</a:t>
+            </a:r>
             <a:endParaRPr lang="en-US" dirty="0"/>
           </a:p>
         </p:txBody>
       </p:sp>
+      <p:pic>
+        <p:nvPicPr>
+          <p:cNvPr id="10" name="Picture 9"/>
+          <p:cNvPicPr>
+            <a:picLocks noChangeAspect="1"/>
+          </p:cNvPicPr>
+          <p:nvPr/>
+        </p:nvPicPr>
+        <p:blipFill>
+          <a:blip r:embed="rId4"/>
+          <a:stretch>
+            <a:fillRect/>
+          </a:stretch>
+        </p:blipFill>
+        <p:spPr>
+          <a:xfrm>
+            <a:off x="5231785" y="4020761"/>
+            <a:ext cx="3079228" cy="2364615"/>
+          </a:xfrm>
+          <a:prstGeom prst="rect">
+            <a:avLst/>
+          </a:prstGeom>
+        </p:spPr>
+      </p:pic>
     </p:spTree>
     <p:extLst>
       <p:ext uri="{BB962C8B-B14F-4D97-AF65-F5344CB8AC3E}">
@@ -26225,231 +26235,6 @@
     <p:extLst>
       <p:ext uri="{BB962C8B-B14F-4D97-AF65-F5344CB8AC3E}">
         <p14:creationId xmlns:p14="http://schemas.microsoft.com/office/powerpoint/2010/main" val="1583210203"/>
-      </p:ext>
-    </p:extLst>
-  </p:cSld>
-  <p:clrMapOvr>
-    <a:masterClrMapping/>
-  </p:clrMapOvr>
-</p:sld>
-</file>
-
-<file path=ppt/slides/slide21.xml><?xml version="1.0" encoding="utf-8"?>
-<p:sld xmlns:a="http://schemas.openxmlformats.org/drawingml/2006/main" xmlns:r="http://schemas.openxmlformats.org/officeDocument/2006/relationships" xmlns:p="http://schemas.openxmlformats.org/presentationml/2006/main">
-  <p:cSld>
-    <p:spTree>
-      <p:nvGrpSpPr>
-        <p:cNvPr id="1" name=""/>
-        <p:cNvGrpSpPr/>
-        <p:nvPr/>
-      </p:nvGrpSpPr>
-      <p:grpSpPr>
-        <a:xfrm>
-          <a:off x="0" y="0"/>
-          <a:ext cx="0" cy="0"/>
-          <a:chOff x="0" y="0"/>
-          <a:chExt cx="0" cy="0"/>
-        </a:xfrm>
-      </p:grpSpPr>
-      <p:grpSp>
-        <p:nvGrpSpPr>
-          <p:cNvPr id="4" name="Group 3"/>
-          <p:cNvGrpSpPr/>
-          <p:nvPr/>
-        </p:nvGrpSpPr>
-        <p:grpSpPr>
-          <a:xfrm>
-            <a:off x="0" y="1"/>
-            <a:ext cx="9144000" cy="844012"/>
-            <a:chOff x="0" y="1"/>
-            <a:chExt cx="9144000" cy="844012"/>
-          </a:xfrm>
-        </p:grpSpPr>
-        <p:cxnSp>
-          <p:nvCxnSpPr>
-            <p:cNvPr id="5" name="Straight Connector 4"/>
-            <p:cNvCxnSpPr/>
-            <p:nvPr/>
-          </p:nvCxnSpPr>
-          <p:spPr>
-            <a:xfrm>
-              <a:off x="0" y="844013"/>
-              <a:ext cx="9144000" cy="0"/>
-            </a:xfrm>
-            <a:prstGeom prst="line">
-              <a:avLst/>
-            </a:prstGeom>
-            <a:ln>
-              <a:solidFill>
-                <a:schemeClr val="tx1"/>
-              </a:solidFill>
-            </a:ln>
-            <a:effectLst/>
-          </p:spPr>
-          <p:style>
-            <a:lnRef idx="2">
-              <a:schemeClr val="accent1"/>
-            </a:lnRef>
-            <a:fillRef idx="0">
-              <a:schemeClr val="accent1"/>
-            </a:fillRef>
-            <a:effectRef idx="1">
-              <a:schemeClr val="accent1"/>
-            </a:effectRef>
-            <a:fontRef idx="minor">
-              <a:schemeClr val="tx1"/>
-            </a:fontRef>
-          </p:style>
-        </p:cxnSp>
-        <p:pic>
-          <p:nvPicPr>
-            <p:cNvPr id="6" name="Picture 5" descr="Screen Shot 2015-10-11 at 11.16.20 AM.png"/>
-            <p:cNvPicPr>
-              <a:picLocks noChangeAspect="1"/>
-            </p:cNvPicPr>
-            <p:nvPr/>
-          </p:nvPicPr>
-          <p:blipFill>
-            <a:blip r:embed="rId2">
-              <a:extLst>
-                <a:ext uri="{28A0092B-C50C-407E-A947-70E740481C1C}">
-                  <a14:useLocalDpi xmlns:a14="http://schemas.microsoft.com/office/drawing/2010/main" val="0"/>
-                </a:ext>
-              </a:extLst>
-            </a:blip>
-            <a:stretch>
-              <a:fillRect/>
-            </a:stretch>
-          </p:blipFill>
-          <p:spPr>
-            <a:xfrm>
-              <a:off x="0" y="1"/>
-              <a:ext cx="1151748" cy="844012"/>
-            </a:xfrm>
-            <a:prstGeom prst="rect">
-              <a:avLst/>
-            </a:prstGeom>
-          </p:spPr>
-        </p:pic>
-        <p:sp>
-          <p:nvSpPr>
-            <p:cNvPr id="7" name="Rectangle 6"/>
-            <p:cNvSpPr/>
-            <p:nvPr/>
-          </p:nvSpPr>
-          <p:spPr>
-            <a:xfrm>
-              <a:off x="1151748" y="2283"/>
-              <a:ext cx="7992252" cy="832104"/>
-            </a:xfrm>
-            <a:prstGeom prst="rect">
-              <a:avLst/>
-            </a:prstGeom>
-            <a:solidFill>
-              <a:schemeClr val="tx1"/>
-            </a:solidFill>
-            <a:ln>
-              <a:solidFill>
-                <a:schemeClr val="tx1"/>
-              </a:solidFill>
-            </a:ln>
-            <a:effectLst/>
-          </p:spPr>
-          <p:style>
-            <a:lnRef idx="1">
-              <a:schemeClr val="accent1"/>
-            </a:lnRef>
-            <a:fillRef idx="3">
-              <a:schemeClr val="accent1"/>
-            </a:fillRef>
-            <a:effectRef idx="2">
-              <a:schemeClr val="accent1"/>
-            </a:effectRef>
-            <a:fontRef idx="minor">
-              <a:schemeClr val="lt1"/>
-            </a:fontRef>
-          </p:style>
-          <p:txBody>
-            <a:bodyPr rtlCol="0" anchor="ctr"/>
-            <a:lstStyle/>
-            <a:p>
-              <a:pPr algn="ctr"/>
-              <a:endParaRPr lang="en-US"/>
-            </a:p>
-          </p:txBody>
-        </p:sp>
-        <p:pic>
-          <p:nvPicPr>
-            <p:cNvPr id="8" name="Picture 7"/>
-            <p:cNvPicPr>
-              <a:picLocks noChangeAspect="1"/>
-            </p:cNvPicPr>
-            <p:nvPr/>
-          </p:nvPicPr>
-          <p:blipFill>
-            <a:blip r:embed="rId3"/>
-            <a:stretch>
-              <a:fillRect/>
-            </a:stretch>
-          </p:blipFill>
-          <p:spPr>
-            <a:xfrm>
-              <a:off x="8311013" y="2283"/>
-              <a:ext cx="832987" cy="832987"/>
-            </a:xfrm>
-            <a:prstGeom prst="rect">
-              <a:avLst/>
-            </a:prstGeom>
-          </p:spPr>
-        </p:pic>
-        <p:sp>
-          <p:nvSpPr>
-            <p:cNvPr id="9" name="TextBox 8"/>
-            <p:cNvSpPr txBox="1"/>
-            <p:nvPr/>
-          </p:nvSpPr>
-          <p:spPr>
-            <a:xfrm>
-              <a:off x="1202040" y="188621"/>
-              <a:ext cx="6983237" cy="461665"/>
-            </a:xfrm>
-            <a:prstGeom prst="rect">
-              <a:avLst/>
-            </a:prstGeom>
-            <a:noFill/>
-          </p:spPr>
-          <p:txBody>
-            <a:bodyPr wrap="square" rtlCol="0">
-              <a:spAutoFit/>
-            </a:bodyPr>
-            <a:lstStyle/>
-            <a:p>
-              <a:pPr algn="ctr"/>
-              <a:r>
-                <a:rPr lang="en-US" sz="2400" dirty="0" smtClean="0">
-                  <a:solidFill>
-                    <a:srgbClr val="FFFFFF"/>
-                  </a:solidFill>
-                  <a:latin typeface="Candara"/>
-                  <a:cs typeface="Candara"/>
-                </a:rPr>
-                <a:t>Object Detection Algorithm</a:t>
-              </a:r>
-              <a:endParaRPr lang="en-US" sz="2400" dirty="0">
-                <a:solidFill>
-                  <a:srgbClr val="FFFFFF"/>
-                </a:solidFill>
-                <a:latin typeface="Candara"/>
-                <a:cs typeface="Candara"/>
-              </a:endParaRPr>
-            </a:p>
-          </p:txBody>
-        </p:sp>
-      </p:grpSp>
-    </p:spTree>
-    <p:extLst>
-      <p:ext uri="{BB962C8B-B14F-4D97-AF65-F5344CB8AC3E}">
-        <p14:creationId xmlns:p14="http://schemas.microsoft.com/office/powerpoint/2010/main" val="923512678"/>
       </p:ext>
     </p:extLst>
   </p:cSld>

--- a/Presentations/Mid Semester Review/Individual_Slides/Taylor/Tracking_Subsection.pptx
+++ b/Presentations/Mid Semester Review/Individual_Slides/Taylor/Tracking_Subsection.pptx
@@ -4,6 +4,9 @@
   <p:sldMasterIdLst>
     <p:sldMasterId id="2147483648" r:id="rId1"/>
   </p:sldMasterIdLst>
+  <p:notesMasterIdLst>
+    <p:notesMasterId r:id="rId22"/>
+  </p:notesMasterIdLst>
   <p:sldIdLst>
     <p:sldId id="256" r:id="rId2"/>
     <p:sldId id="257" r:id="rId3"/>
@@ -4208,6 +4211,13 @@
         </dgm:presLayoutVars>
       </dgm:prSet>
       <dgm:spPr/>
+      <dgm:t>
+        <a:bodyPr/>
+        <a:lstStyle/>
+        <a:p>
+          <a:endParaRPr lang="en-US"/>
+        </a:p>
+      </dgm:t>
     </dgm:pt>
     <dgm:pt modelId="{8B851955-06B3-1046-B361-D4679D584284}" type="pres">
       <dgm:prSet presAssocID="{B94AD876-A0D7-F048-8565-82AEC2C4D0AB}" presName="boxAndChildren" presStyleCnt="0"/>
@@ -4216,6 +4226,13 @@
     <dgm:pt modelId="{093605F2-CFE0-C64D-9084-CFEB9E8076FF}" type="pres">
       <dgm:prSet presAssocID="{B94AD876-A0D7-F048-8565-82AEC2C4D0AB}" presName="parentTextBox" presStyleLbl="node1" presStyleIdx="0" presStyleCnt="6"/>
       <dgm:spPr/>
+      <dgm:t>
+        <a:bodyPr/>
+        <a:lstStyle/>
+        <a:p>
+          <a:endParaRPr lang="en-US"/>
+        </a:p>
+      </dgm:t>
     </dgm:pt>
     <dgm:pt modelId="{DD0CA3B4-CDCC-FE49-8A5C-32BAEB6C66C3}" type="pres">
       <dgm:prSet presAssocID="{1273C465-46B5-1E4B-AD9C-ECE19EF5C27F}" presName="sp" presStyleCnt="0"/>
@@ -4314,19 +4331,19 @@
     </dgm:pt>
   </dgm:ptLst>
   <dgm:cxnLst>
+    <dgm:cxn modelId="{B561D08F-2218-C748-825D-B1265F5166FB}" type="presOf" srcId="{4DEF5D5F-E28C-6A41-BFCD-D4261C47502A}" destId="{A4E58538-D323-F641-A027-7E91DC44BEFA}" srcOrd="0" destOrd="0" presId="urn:microsoft.com/office/officeart/2005/8/layout/process4"/>
+    <dgm:cxn modelId="{D9581304-026C-1B47-8067-A90A72D76F14}" srcId="{B8E49854-7B3E-694C-B5AB-675F6F76D1A9}" destId="{E2F9C360-8A94-8844-809C-E2968762EC77}" srcOrd="1" destOrd="0" parTransId="{C5556571-4065-8044-9B7D-DA21F46E1870}" sibTransId="{66EA16EE-391B-F943-813D-F4947B05B283}"/>
+    <dgm:cxn modelId="{BED9F56F-B8F4-DC4F-AECD-52A4D1AFEA45}" type="presOf" srcId="{DA2B1826-2FA7-5045-A791-02B6F0F33864}" destId="{A09F1E75-F6B9-D245-9A49-59CFD1FB726E}" srcOrd="0" destOrd="0" presId="urn:microsoft.com/office/officeart/2005/8/layout/process4"/>
+    <dgm:cxn modelId="{ABB5F191-AD7C-6240-B2D4-8678CE92D73A}" srcId="{B8E49854-7B3E-694C-B5AB-675F6F76D1A9}" destId="{DA2B1826-2FA7-5045-A791-02B6F0F33864}" srcOrd="3" destOrd="0" parTransId="{4CF72866-EA39-8747-A7CB-1423FABDF70E}" sibTransId="{639AD0C3-4CE0-1547-AD95-490E575A9CA2}"/>
+    <dgm:cxn modelId="{3E2E0172-E883-584E-95AE-410C5F196391}" srcId="{B8E49854-7B3E-694C-B5AB-675F6F76D1A9}" destId="{49E26339-9125-F545-8917-B8A2BAD2FC48}" srcOrd="0" destOrd="0" parTransId="{7A9CCFCD-F0B1-C74A-AAF1-22717EF9B3C6}" sibTransId="{7CB990C3-7050-4E44-A0A6-32DE7248970C}"/>
+    <dgm:cxn modelId="{A6E9CB2B-C108-C74A-A263-4009DD620965}" srcId="{B8E49854-7B3E-694C-B5AB-675F6F76D1A9}" destId="{4DEF5D5F-E28C-6A41-BFCD-D4261C47502A}" srcOrd="2" destOrd="0" parTransId="{28469A86-EC68-A148-9227-05FAF46447CC}" sibTransId="{12677831-9445-1D40-A3EA-2CF8D6986F36}"/>
+    <dgm:cxn modelId="{DADD138D-7648-FA40-8868-51DB791595C8}" type="presOf" srcId="{49E26339-9125-F545-8917-B8A2BAD2FC48}" destId="{E026738D-1EFA-AD49-B384-C1351A2F5836}" srcOrd="0" destOrd="0" presId="urn:microsoft.com/office/officeart/2005/8/layout/process4"/>
     <dgm:cxn modelId="{19D222B2-3EAD-B641-A9D8-3FD84BA982B8}" type="presOf" srcId="{279BF39B-FBB4-BA45-8547-734A1369D34D}" destId="{863C6181-260E-D547-AE01-F9D96751C423}" srcOrd="0" destOrd="0" presId="urn:microsoft.com/office/officeart/2005/8/layout/process4"/>
+    <dgm:cxn modelId="{5C27B0B5-3456-874A-859C-9E89CFA559F6}" type="presOf" srcId="{B94AD876-A0D7-F048-8565-82AEC2C4D0AB}" destId="{093605F2-CFE0-C64D-9084-CFEB9E8076FF}" srcOrd="0" destOrd="0" presId="urn:microsoft.com/office/officeart/2005/8/layout/process4"/>
+    <dgm:cxn modelId="{FDC01F60-B2F1-2242-A141-13FCAE4AB82E}" type="presOf" srcId="{E2F9C360-8A94-8844-809C-E2968762EC77}" destId="{91902FAA-1B16-F54A-8B43-953A11034D87}" srcOrd="0" destOrd="0" presId="urn:microsoft.com/office/officeart/2005/8/layout/process4"/>
+    <dgm:cxn modelId="{F4A08234-7EDD-7D45-BF69-44B1195187D2}" type="presOf" srcId="{B8E49854-7B3E-694C-B5AB-675F6F76D1A9}" destId="{8C1B8100-1658-F24C-9DEB-73A131B67EE7}" srcOrd="0" destOrd="0" presId="urn:microsoft.com/office/officeart/2005/8/layout/process4"/>
     <dgm:cxn modelId="{602BE286-0805-9842-9861-507B7458080C}" srcId="{B8E49854-7B3E-694C-B5AB-675F6F76D1A9}" destId="{279BF39B-FBB4-BA45-8547-734A1369D34D}" srcOrd="4" destOrd="0" parTransId="{408A1DA4-9E0E-DF44-94EA-E77B3163F053}" sibTransId="{1273C465-46B5-1E4B-AD9C-ECE19EF5C27F}"/>
-    <dgm:cxn modelId="{F4A08234-7EDD-7D45-BF69-44B1195187D2}" type="presOf" srcId="{B8E49854-7B3E-694C-B5AB-675F6F76D1A9}" destId="{8C1B8100-1658-F24C-9DEB-73A131B67EE7}" srcOrd="0" destOrd="0" presId="urn:microsoft.com/office/officeart/2005/8/layout/process4"/>
-    <dgm:cxn modelId="{DADD138D-7648-FA40-8868-51DB791595C8}" type="presOf" srcId="{49E26339-9125-F545-8917-B8A2BAD2FC48}" destId="{E026738D-1EFA-AD49-B384-C1351A2F5836}" srcOrd="0" destOrd="0" presId="urn:microsoft.com/office/officeart/2005/8/layout/process4"/>
-    <dgm:cxn modelId="{A6E9CB2B-C108-C74A-A263-4009DD620965}" srcId="{B8E49854-7B3E-694C-B5AB-675F6F76D1A9}" destId="{4DEF5D5F-E28C-6A41-BFCD-D4261C47502A}" srcOrd="2" destOrd="0" parTransId="{28469A86-EC68-A148-9227-05FAF46447CC}" sibTransId="{12677831-9445-1D40-A3EA-2CF8D6986F36}"/>
-    <dgm:cxn modelId="{ABB5F191-AD7C-6240-B2D4-8678CE92D73A}" srcId="{B8E49854-7B3E-694C-B5AB-675F6F76D1A9}" destId="{DA2B1826-2FA7-5045-A791-02B6F0F33864}" srcOrd="3" destOrd="0" parTransId="{4CF72866-EA39-8747-A7CB-1423FABDF70E}" sibTransId="{639AD0C3-4CE0-1547-AD95-490E575A9CA2}"/>
-    <dgm:cxn modelId="{5C27B0B5-3456-874A-859C-9E89CFA559F6}" type="presOf" srcId="{B94AD876-A0D7-F048-8565-82AEC2C4D0AB}" destId="{093605F2-CFE0-C64D-9084-CFEB9E8076FF}" srcOrd="0" destOrd="0" presId="urn:microsoft.com/office/officeart/2005/8/layout/process4"/>
     <dgm:cxn modelId="{D5E0419E-7563-7249-8DCE-BB1DA5DA9B91}" srcId="{B8E49854-7B3E-694C-B5AB-675F6F76D1A9}" destId="{B94AD876-A0D7-F048-8565-82AEC2C4D0AB}" srcOrd="5" destOrd="0" parTransId="{DC2C565A-9C52-D94A-81D8-5072C7EDB884}" sibTransId="{D80B2766-D705-8C4F-BF12-E8BFD1B1404E}"/>
-    <dgm:cxn modelId="{BED9F56F-B8F4-DC4F-AECD-52A4D1AFEA45}" type="presOf" srcId="{DA2B1826-2FA7-5045-A791-02B6F0F33864}" destId="{A09F1E75-F6B9-D245-9A49-59CFD1FB726E}" srcOrd="0" destOrd="0" presId="urn:microsoft.com/office/officeart/2005/8/layout/process4"/>
-    <dgm:cxn modelId="{D9581304-026C-1B47-8067-A90A72D76F14}" srcId="{B8E49854-7B3E-694C-B5AB-675F6F76D1A9}" destId="{E2F9C360-8A94-8844-809C-E2968762EC77}" srcOrd="1" destOrd="0" parTransId="{C5556571-4065-8044-9B7D-DA21F46E1870}" sibTransId="{66EA16EE-391B-F943-813D-F4947B05B283}"/>
-    <dgm:cxn modelId="{FDC01F60-B2F1-2242-A141-13FCAE4AB82E}" type="presOf" srcId="{E2F9C360-8A94-8844-809C-E2968762EC77}" destId="{91902FAA-1B16-F54A-8B43-953A11034D87}" srcOrd="0" destOrd="0" presId="urn:microsoft.com/office/officeart/2005/8/layout/process4"/>
-    <dgm:cxn modelId="{3E2E0172-E883-584E-95AE-410C5F196391}" srcId="{B8E49854-7B3E-694C-B5AB-675F6F76D1A9}" destId="{49E26339-9125-F545-8917-B8A2BAD2FC48}" srcOrd="0" destOrd="0" parTransId="{7A9CCFCD-F0B1-C74A-AAF1-22717EF9B3C6}" sibTransId="{7CB990C3-7050-4E44-A0A6-32DE7248970C}"/>
-    <dgm:cxn modelId="{B561D08F-2218-C748-825D-B1265F5166FB}" type="presOf" srcId="{4DEF5D5F-E28C-6A41-BFCD-D4261C47502A}" destId="{A4E58538-D323-F641-A027-7E91DC44BEFA}" srcOrd="0" destOrd="0" presId="urn:microsoft.com/office/officeart/2005/8/layout/process4"/>
     <dgm:cxn modelId="{6246B29F-5AEF-F843-A9A9-5B4BFD8E7BA6}" type="presParOf" srcId="{8C1B8100-1658-F24C-9DEB-73A131B67EE7}" destId="{8B851955-06B3-1046-B361-D4679D584284}" srcOrd="0" destOrd="0" presId="urn:microsoft.com/office/officeart/2005/8/layout/process4"/>
     <dgm:cxn modelId="{561C1A29-23F8-C14D-8B3D-FFFFB90C3C6D}" type="presParOf" srcId="{8B851955-06B3-1046-B361-D4679D584284}" destId="{093605F2-CFE0-C64D-9084-CFEB9E8076FF}" srcOrd="0" destOrd="0" presId="urn:microsoft.com/office/officeart/2005/8/layout/process4"/>
     <dgm:cxn modelId="{6A6E9B7B-D8BF-604C-8FF0-4429B354F395}" type="presParOf" srcId="{8C1B8100-1658-F24C-9DEB-73A131B67EE7}" destId="{DD0CA3B4-CDCC-FE49-8A5C-32BAEB6C66C3}" srcOrd="1" destOrd="0" presId="urn:microsoft.com/office/officeart/2005/8/layout/process4"/>
@@ -4712,6 +4729,13 @@
         </dgm:presLayoutVars>
       </dgm:prSet>
       <dgm:spPr/>
+      <dgm:t>
+        <a:bodyPr/>
+        <a:lstStyle/>
+        <a:p>
+          <a:endParaRPr lang="en-US"/>
+        </a:p>
+      </dgm:t>
     </dgm:pt>
     <dgm:pt modelId="{8B851955-06B3-1046-B361-D4679D584284}" type="pres">
       <dgm:prSet presAssocID="{B94AD876-A0D7-F048-8565-82AEC2C4D0AB}" presName="boxAndChildren" presStyleCnt="0"/>
@@ -4720,6 +4744,13 @@
     <dgm:pt modelId="{093605F2-CFE0-C64D-9084-CFEB9E8076FF}" type="pres">
       <dgm:prSet presAssocID="{B94AD876-A0D7-F048-8565-82AEC2C4D0AB}" presName="parentTextBox" presStyleLbl="node1" presStyleIdx="0" presStyleCnt="6"/>
       <dgm:spPr/>
+      <dgm:t>
+        <a:bodyPr/>
+        <a:lstStyle/>
+        <a:p>
+          <a:endParaRPr lang="en-US"/>
+        </a:p>
+      </dgm:t>
     </dgm:pt>
     <dgm:pt modelId="{DD0CA3B4-CDCC-FE49-8A5C-32BAEB6C66C3}" type="pres">
       <dgm:prSet presAssocID="{1273C465-46B5-1E4B-AD9C-ECE19EF5C27F}" presName="sp" presStyleCnt="0"/>
@@ -5208,6 +5239,13 @@
         </dgm:presLayoutVars>
       </dgm:prSet>
       <dgm:spPr/>
+      <dgm:t>
+        <a:bodyPr/>
+        <a:lstStyle/>
+        <a:p>
+          <a:endParaRPr lang="en-US"/>
+        </a:p>
+      </dgm:t>
     </dgm:pt>
     <dgm:pt modelId="{8B851955-06B3-1046-B361-D4679D584284}" type="pres">
       <dgm:prSet presAssocID="{B94AD876-A0D7-F048-8565-82AEC2C4D0AB}" presName="boxAndChildren" presStyleCnt="0"/>
@@ -5216,6 +5254,13 @@
     <dgm:pt modelId="{093605F2-CFE0-C64D-9084-CFEB9E8076FF}" type="pres">
       <dgm:prSet presAssocID="{B94AD876-A0D7-F048-8565-82AEC2C4D0AB}" presName="parentTextBox" presStyleLbl="node1" presStyleIdx="0" presStyleCnt="6"/>
       <dgm:spPr/>
+      <dgm:t>
+        <a:bodyPr/>
+        <a:lstStyle/>
+        <a:p>
+          <a:endParaRPr lang="en-US"/>
+        </a:p>
+      </dgm:t>
     </dgm:pt>
     <dgm:pt modelId="{DD0CA3B4-CDCC-FE49-8A5C-32BAEB6C66C3}" type="pres">
       <dgm:prSet presAssocID="{1273C465-46B5-1E4B-AD9C-ECE19EF5C27F}" presName="sp" presStyleCnt="0"/>
@@ -5314,8 +5359,8 @@
     </dgm:pt>
   </dgm:ptLst>
   <dgm:cxnLst>
+    <dgm:cxn modelId="{13BA24A9-FF22-E14A-9C11-A7DDEABBFC8D}" type="presOf" srcId="{B8E49854-7B3E-694C-B5AB-675F6F76D1A9}" destId="{8C1B8100-1658-F24C-9DEB-73A131B67EE7}" srcOrd="0" destOrd="0" presId="urn:microsoft.com/office/officeart/2005/8/layout/process4"/>
     <dgm:cxn modelId="{D9581304-026C-1B47-8067-A90A72D76F14}" srcId="{B8E49854-7B3E-694C-B5AB-675F6F76D1A9}" destId="{E2F9C360-8A94-8844-809C-E2968762EC77}" srcOrd="1" destOrd="0" parTransId="{C5556571-4065-8044-9B7D-DA21F46E1870}" sibTransId="{66EA16EE-391B-F943-813D-F4947B05B283}"/>
-    <dgm:cxn modelId="{13BA24A9-FF22-E14A-9C11-A7DDEABBFC8D}" type="presOf" srcId="{B8E49854-7B3E-694C-B5AB-675F6F76D1A9}" destId="{8C1B8100-1658-F24C-9DEB-73A131B67EE7}" srcOrd="0" destOrd="0" presId="urn:microsoft.com/office/officeart/2005/8/layout/process4"/>
     <dgm:cxn modelId="{5679A20E-34FD-7B41-8DE4-A8DCC997B663}" type="presOf" srcId="{DA2B1826-2FA7-5045-A791-02B6F0F33864}" destId="{A09F1E75-F6B9-D245-9A49-59CFD1FB726E}" srcOrd="0" destOrd="0" presId="urn:microsoft.com/office/officeart/2005/8/layout/process4"/>
     <dgm:cxn modelId="{ABB5F191-AD7C-6240-B2D4-8678CE92D73A}" srcId="{B8E49854-7B3E-694C-B5AB-675F6F76D1A9}" destId="{DA2B1826-2FA7-5045-A791-02B6F0F33864}" srcOrd="3" destOrd="0" parTransId="{4CF72866-EA39-8747-A7CB-1423FABDF70E}" sibTransId="{639AD0C3-4CE0-1547-AD95-490E575A9CA2}"/>
     <dgm:cxn modelId="{3E2E0172-E883-584E-95AE-410C5F196391}" srcId="{B8E49854-7B3E-694C-B5AB-675F6F76D1A9}" destId="{49E26339-9125-F545-8917-B8A2BAD2FC48}" srcOrd="0" destOrd="0" parTransId="{7A9CCFCD-F0B1-C74A-AAF1-22717EF9B3C6}" sibTransId="{7CB990C3-7050-4E44-A0A6-32DE7248970C}"/>
@@ -5704,6 +5749,13 @@
         </dgm:presLayoutVars>
       </dgm:prSet>
       <dgm:spPr/>
+      <dgm:t>
+        <a:bodyPr/>
+        <a:lstStyle/>
+        <a:p>
+          <a:endParaRPr lang="en-US"/>
+        </a:p>
+      </dgm:t>
     </dgm:pt>
     <dgm:pt modelId="{8B851955-06B3-1046-B361-D4679D584284}" type="pres">
       <dgm:prSet presAssocID="{B94AD876-A0D7-F048-8565-82AEC2C4D0AB}" presName="boxAndChildren" presStyleCnt="0"/>
@@ -5712,6 +5764,13 @@
     <dgm:pt modelId="{093605F2-CFE0-C64D-9084-CFEB9E8076FF}" type="pres">
       <dgm:prSet presAssocID="{B94AD876-A0D7-F048-8565-82AEC2C4D0AB}" presName="parentTextBox" presStyleLbl="node1" presStyleIdx="0" presStyleCnt="6"/>
       <dgm:spPr/>
+      <dgm:t>
+        <a:bodyPr/>
+        <a:lstStyle/>
+        <a:p>
+          <a:endParaRPr lang="en-US"/>
+        </a:p>
+      </dgm:t>
     </dgm:pt>
     <dgm:pt modelId="{DD0CA3B4-CDCC-FE49-8A5C-32BAEB6C66C3}" type="pres">
       <dgm:prSet presAssocID="{1273C465-46B5-1E4B-AD9C-ECE19EF5C27F}" presName="sp" presStyleCnt="0"/>
@@ -5812,9 +5871,9 @@
   <dgm:cxnLst>
     <dgm:cxn modelId="{52546E6E-B074-EE44-8D32-D73C6F6B6C1B}" type="presOf" srcId="{4DEF5D5F-E28C-6A41-BFCD-D4261C47502A}" destId="{A4E58538-D323-F641-A027-7E91DC44BEFA}" srcOrd="0" destOrd="0" presId="urn:microsoft.com/office/officeart/2005/8/layout/process4"/>
     <dgm:cxn modelId="{D9581304-026C-1B47-8067-A90A72D76F14}" srcId="{B8E49854-7B3E-694C-B5AB-675F6F76D1A9}" destId="{E2F9C360-8A94-8844-809C-E2968762EC77}" srcOrd="1" destOrd="0" parTransId="{C5556571-4065-8044-9B7D-DA21F46E1870}" sibTransId="{66EA16EE-391B-F943-813D-F4947B05B283}"/>
+    <dgm:cxn modelId="{3D1B7160-0259-3F4E-9127-CB50F57B4229}" type="presOf" srcId="{DA2B1826-2FA7-5045-A791-02B6F0F33864}" destId="{A09F1E75-F6B9-D245-9A49-59CFD1FB726E}" srcOrd="0" destOrd="0" presId="urn:microsoft.com/office/officeart/2005/8/layout/process4"/>
+    <dgm:cxn modelId="{42EE93DC-06CF-FA4D-9682-B0184061A43F}" type="presOf" srcId="{49E26339-9125-F545-8917-B8A2BAD2FC48}" destId="{E026738D-1EFA-AD49-B384-C1351A2F5836}" srcOrd="0" destOrd="0" presId="urn:microsoft.com/office/officeart/2005/8/layout/process4"/>
     <dgm:cxn modelId="{504C9C34-08A7-7F41-B943-5F49239451F8}" type="presOf" srcId="{B94AD876-A0D7-F048-8565-82AEC2C4D0AB}" destId="{093605F2-CFE0-C64D-9084-CFEB9E8076FF}" srcOrd="0" destOrd="0" presId="urn:microsoft.com/office/officeart/2005/8/layout/process4"/>
-    <dgm:cxn modelId="{42EE93DC-06CF-FA4D-9682-B0184061A43F}" type="presOf" srcId="{49E26339-9125-F545-8917-B8A2BAD2FC48}" destId="{E026738D-1EFA-AD49-B384-C1351A2F5836}" srcOrd="0" destOrd="0" presId="urn:microsoft.com/office/officeart/2005/8/layout/process4"/>
-    <dgm:cxn modelId="{3D1B7160-0259-3F4E-9127-CB50F57B4229}" type="presOf" srcId="{DA2B1826-2FA7-5045-A791-02B6F0F33864}" destId="{A09F1E75-F6B9-D245-9A49-59CFD1FB726E}" srcOrd="0" destOrd="0" presId="urn:microsoft.com/office/officeart/2005/8/layout/process4"/>
     <dgm:cxn modelId="{ABB5F191-AD7C-6240-B2D4-8678CE92D73A}" srcId="{B8E49854-7B3E-694C-B5AB-675F6F76D1A9}" destId="{DA2B1826-2FA7-5045-A791-02B6F0F33864}" srcOrd="3" destOrd="0" parTransId="{4CF72866-EA39-8747-A7CB-1423FABDF70E}" sibTransId="{639AD0C3-4CE0-1547-AD95-490E575A9CA2}"/>
     <dgm:cxn modelId="{3E2E0172-E883-584E-95AE-410C5F196391}" srcId="{B8E49854-7B3E-694C-B5AB-675F6F76D1A9}" destId="{49E26339-9125-F545-8917-B8A2BAD2FC48}" srcOrd="0" destOrd="0" parTransId="{7A9CCFCD-F0B1-C74A-AAF1-22717EF9B3C6}" sibTransId="{7CB990C3-7050-4E44-A0A6-32DE7248970C}"/>
     <dgm:cxn modelId="{A6E9CB2B-C108-C74A-A263-4009DD620965}" srcId="{B8E49854-7B3E-694C-B5AB-675F6F76D1A9}" destId="{4DEF5D5F-E28C-6A41-BFCD-D4261C47502A}" srcOrd="2" destOrd="0" parTransId="{28469A86-EC68-A148-9227-05FAF46447CC}" sibTransId="{12677831-9445-1D40-A3EA-2CF8D6986F36}"/>
@@ -6200,6 +6259,13 @@
         </dgm:presLayoutVars>
       </dgm:prSet>
       <dgm:spPr/>
+      <dgm:t>
+        <a:bodyPr/>
+        <a:lstStyle/>
+        <a:p>
+          <a:endParaRPr lang="en-US"/>
+        </a:p>
+      </dgm:t>
     </dgm:pt>
     <dgm:pt modelId="{8B851955-06B3-1046-B361-D4679D584284}" type="pres">
       <dgm:prSet presAssocID="{B94AD876-A0D7-F048-8565-82AEC2C4D0AB}" presName="boxAndChildren" presStyleCnt="0"/>
@@ -6208,6 +6274,13 @@
     <dgm:pt modelId="{093605F2-CFE0-C64D-9084-CFEB9E8076FF}" type="pres">
       <dgm:prSet presAssocID="{B94AD876-A0D7-F048-8565-82AEC2C4D0AB}" presName="parentTextBox" presStyleLbl="node1" presStyleIdx="0" presStyleCnt="6"/>
       <dgm:spPr/>
+      <dgm:t>
+        <a:bodyPr/>
+        <a:lstStyle/>
+        <a:p>
+          <a:endParaRPr lang="en-US"/>
+        </a:p>
+      </dgm:t>
     </dgm:pt>
     <dgm:pt modelId="{DD0CA3B4-CDCC-FE49-8A5C-32BAEB6C66C3}" type="pres">
       <dgm:prSet presAssocID="{1273C465-46B5-1E4B-AD9C-ECE19EF5C27F}" presName="sp" presStyleCnt="0"/>
@@ -15746,6 +15819,962 @@
 </dgm:styleDef>
 </file>
 
+<file path=ppt/notesMasters/notesMaster1.xml><?xml version="1.0" encoding="utf-8"?>
+<p:notesMaster xmlns:a="http://schemas.openxmlformats.org/drawingml/2006/main" xmlns:r="http://schemas.openxmlformats.org/officeDocument/2006/relationships" xmlns:p="http://schemas.openxmlformats.org/presentationml/2006/main">
+  <p:cSld>
+    <p:bg>
+      <p:bgRef idx="1001">
+        <a:schemeClr val="bg1"/>
+      </p:bgRef>
+    </p:bg>
+    <p:spTree>
+      <p:nvGrpSpPr>
+        <p:cNvPr id="1" name=""/>
+        <p:cNvGrpSpPr/>
+        <p:nvPr/>
+      </p:nvGrpSpPr>
+      <p:grpSpPr>
+        <a:xfrm>
+          <a:off x="0" y="0"/>
+          <a:ext cx="0" cy="0"/>
+          <a:chOff x="0" y="0"/>
+          <a:chExt cx="0" cy="0"/>
+        </a:xfrm>
+      </p:grpSpPr>
+      <p:sp>
+        <p:nvSpPr>
+          <p:cNvPr id="2" name="Header Placeholder 1"/>
+          <p:cNvSpPr>
+            <a:spLocks noGrp="1"/>
+          </p:cNvSpPr>
+          <p:nvPr>
+            <p:ph type="hdr" sz="quarter"/>
+          </p:nvPr>
+        </p:nvSpPr>
+        <p:spPr>
+          <a:xfrm>
+            <a:off x="0" y="0"/>
+            <a:ext cx="2971800" cy="457200"/>
+          </a:xfrm>
+          <a:prstGeom prst="rect">
+            <a:avLst/>
+          </a:prstGeom>
+        </p:spPr>
+        <p:txBody>
+          <a:bodyPr vert="horz" lIns="91440" tIns="45720" rIns="91440" bIns="45720" rtlCol="0"/>
+          <a:lstStyle>
+            <a:lvl1pPr algn="l">
+              <a:defRPr sz="1200"/>
+            </a:lvl1pPr>
+          </a:lstStyle>
+          <a:p>
+            <a:endParaRPr lang="en-US"/>
+          </a:p>
+        </p:txBody>
+      </p:sp>
+      <p:sp>
+        <p:nvSpPr>
+          <p:cNvPr id="3" name="Date Placeholder 2"/>
+          <p:cNvSpPr>
+            <a:spLocks noGrp="1"/>
+          </p:cNvSpPr>
+          <p:nvPr>
+            <p:ph type="dt" idx="1"/>
+          </p:nvPr>
+        </p:nvSpPr>
+        <p:spPr>
+          <a:xfrm>
+            <a:off x="3884613" y="0"/>
+            <a:ext cx="2971800" cy="457200"/>
+          </a:xfrm>
+          <a:prstGeom prst="rect">
+            <a:avLst/>
+          </a:prstGeom>
+        </p:spPr>
+        <p:txBody>
+          <a:bodyPr vert="horz" lIns="91440" tIns="45720" rIns="91440" bIns="45720" rtlCol="0"/>
+          <a:lstStyle>
+            <a:lvl1pPr algn="r">
+              <a:defRPr sz="1200"/>
+            </a:lvl1pPr>
+          </a:lstStyle>
+          <a:p>
+            <a:fld id="{2DF2ABB0-5914-B444-B878-BAA158786831}" type="datetimeFigureOut">
+              <a:rPr lang="en-US" smtClean="0"/>
+              <a:t>10/19/15</a:t>
+            </a:fld>
+            <a:endParaRPr lang="en-US"/>
+          </a:p>
+        </p:txBody>
+      </p:sp>
+      <p:sp>
+        <p:nvSpPr>
+          <p:cNvPr id="4" name="Slide Image Placeholder 3"/>
+          <p:cNvSpPr>
+            <a:spLocks noGrp="1" noRot="1" noChangeAspect="1"/>
+          </p:cNvSpPr>
+          <p:nvPr>
+            <p:ph type="sldImg" idx="2"/>
+          </p:nvPr>
+        </p:nvSpPr>
+        <p:spPr>
+          <a:xfrm>
+            <a:off x="1143000" y="685800"/>
+            <a:ext cx="4572000" cy="3429000"/>
+          </a:xfrm>
+          <a:prstGeom prst="rect">
+            <a:avLst/>
+          </a:prstGeom>
+          <a:noFill/>
+          <a:ln w="12700">
+            <a:solidFill>
+              <a:prstClr val="black"/>
+            </a:solidFill>
+          </a:ln>
+        </p:spPr>
+        <p:txBody>
+          <a:bodyPr vert="horz" lIns="91440" tIns="45720" rIns="91440" bIns="45720" rtlCol="0" anchor="ctr"/>
+          <a:lstStyle/>
+          <a:p>
+            <a:endParaRPr lang="en-US"/>
+          </a:p>
+        </p:txBody>
+      </p:sp>
+      <p:sp>
+        <p:nvSpPr>
+          <p:cNvPr id="5" name="Notes Placeholder 4"/>
+          <p:cNvSpPr>
+            <a:spLocks noGrp="1"/>
+          </p:cNvSpPr>
+          <p:nvPr>
+            <p:ph type="body" sz="quarter" idx="3"/>
+          </p:nvPr>
+        </p:nvSpPr>
+        <p:spPr>
+          <a:xfrm>
+            <a:off x="685800" y="4343400"/>
+            <a:ext cx="5486400" cy="4114800"/>
+          </a:xfrm>
+          <a:prstGeom prst="rect">
+            <a:avLst/>
+          </a:prstGeom>
+        </p:spPr>
+        <p:txBody>
+          <a:bodyPr vert="horz" lIns="91440" tIns="45720" rIns="91440" bIns="45720" rtlCol="0"/>
+          <a:lstStyle/>
+          <a:p>
+            <a:pPr lvl="0"/>
+            <a:r>
+              <a:rPr lang="en-US" smtClean="0"/>
+              <a:t>Click to edit Master text styles</a:t>
+            </a:r>
+          </a:p>
+          <a:p>
+            <a:pPr lvl="1"/>
+            <a:r>
+              <a:rPr lang="en-US" smtClean="0"/>
+              <a:t>Second level</a:t>
+            </a:r>
+          </a:p>
+          <a:p>
+            <a:pPr lvl="2"/>
+            <a:r>
+              <a:rPr lang="en-US" smtClean="0"/>
+              <a:t>Third level</a:t>
+            </a:r>
+          </a:p>
+          <a:p>
+            <a:pPr lvl="3"/>
+            <a:r>
+              <a:rPr lang="en-US" smtClean="0"/>
+              <a:t>Fourth level</a:t>
+            </a:r>
+          </a:p>
+          <a:p>
+            <a:pPr lvl="4"/>
+            <a:r>
+              <a:rPr lang="en-US" smtClean="0"/>
+              <a:t>Fifth level</a:t>
+            </a:r>
+            <a:endParaRPr lang="en-US"/>
+          </a:p>
+        </p:txBody>
+      </p:sp>
+      <p:sp>
+        <p:nvSpPr>
+          <p:cNvPr id="6" name="Footer Placeholder 5"/>
+          <p:cNvSpPr>
+            <a:spLocks noGrp="1"/>
+          </p:cNvSpPr>
+          <p:nvPr>
+            <p:ph type="ftr" sz="quarter" idx="4"/>
+          </p:nvPr>
+        </p:nvSpPr>
+        <p:spPr>
+          <a:xfrm>
+            <a:off x="0" y="8685213"/>
+            <a:ext cx="2971800" cy="457200"/>
+          </a:xfrm>
+          <a:prstGeom prst="rect">
+            <a:avLst/>
+          </a:prstGeom>
+        </p:spPr>
+        <p:txBody>
+          <a:bodyPr vert="horz" lIns="91440" tIns="45720" rIns="91440" bIns="45720" rtlCol="0" anchor="b"/>
+          <a:lstStyle>
+            <a:lvl1pPr algn="l">
+              <a:defRPr sz="1200"/>
+            </a:lvl1pPr>
+          </a:lstStyle>
+          <a:p>
+            <a:endParaRPr lang="en-US"/>
+          </a:p>
+        </p:txBody>
+      </p:sp>
+      <p:sp>
+        <p:nvSpPr>
+          <p:cNvPr id="7" name="Slide Number Placeholder 6"/>
+          <p:cNvSpPr>
+            <a:spLocks noGrp="1"/>
+          </p:cNvSpPr>
+          <p:nvPr>
+            <p:ph type="sldNum" sz="quarter" idx="5"/>
+          </p:nvPr>
+        </p:nvSpPr>
+        <p:spPr>
+          <a:xfrm>
+            <a:off x="3884613" y="8685213"/>
+            <a:ext cx="2971800" cy="457200"/>
+          </a:xfrm>
+          <a:prstGeom prst="rect">
+            <a:avLst/>
+          </a:prstGeom>
+        </p:spPr>
+        <p:txBody>
+          <a:bodyPr vert="horz" lIns="91440" tIns="45720" rIns="91440" bIns="45720" rtlCol="0" anchor="b"/>
+          <a:lstStyle>
+            <a:lvl1pPr algn="r">
+              <a:defRPr sz="1200"/>
+            </a:lvl1pPr>
+          </a:lstStyle>
+          <a:p>
+            <a:fld id="{A56A3AAA-B52B-1D4B-8B42-39743F8BBAF3}" type="slidenum">
+              <a:rPr lang="en-US" smtClean="0"/>
+              <a:t>‹#›</a:t>
+            </a:fld>
+            <a:endParaRPr lang="en-US"/>
+          </a:p>
+        </p:txBody>
+      </p:sp>
+    </p:spTree>
+    <p:extLst>
+      <p:ext uri="{BB962C8B-B14F-4D97-AF65-F5344CB8AC3E}">
+        <p14:creationId xmlns:p14="http://schemas.microsoft.com/office/powerpoint/2010/main" val="2061404298"/>
+      </p:ext>
+    </p:extLst>
+  </p:cSld>
+  <p:clrMap bg1="lt1" tx1="dk1" bg2="lt2" tx2="dk2" accent1="accent1" accent2="accent2" accent3="accent3" accent4="accent4" accent5="accent5" accent6="accent6" hlink="hlink" folHlink="folHlink"/>
+  <p:notesStyle>
+    <a:lvl1pPr marL="0" algn="l" defTabSz="457200" rtl="0" eaLnBrk="1" latinLnBrk="0" hangingPunct="1">
+      <a:defRPr sz="1200" kern="1200">
+        <a:solidFill>
+          <a:schemeClr val="tx1"/>
+        </a:solidFill>
+        <a:latin typeface="+mn-lt"/>
+        <a:ea typeface="+mn-ea"/>
+        <a:cs typeface="+mn-cs"/>
+      </a:defRPr>
+    </a:lvl1pPr>
+    <a:lvl2pPr marL="457200" algn="l" defTabSz="457200" rtl="0" eaLnBrk="1" latinLnBrk="0" hangingPunct="1">
+      <a:defRPr sz="1200" kern="1200">
+        <a:solidFill>
+          <a:schemeClr val="tx1"/>
+        </a:solidFill>
+        <a:latin typeface="+mn-lt"/>
+        <a:ea typeface="+mn-ea"/>
+        <a:cs typeface="+mn-cs"/>
+      </a:defRPr>
+    </a:lvl2pPr>
+    <a:lvl3pPr marL="914400" algn="l" defTabSz="457200" rtl="0" eaLnBrk="1" latinLnBrk="0" hangingPunct="1">
+      <a:defRPr sz="1200" kern="1200">
+        <a:solidFill>
+          <a:schemeClr val="tx1"/>
+        </a:solidFill>
+        <a:latin typeface="+mn-lt"/>
+        <a:ea typeface="+mn-ea"/>
+        <a:cs typeface="+mn-cs"/>
+      </a:defRPr>
+    </a:lvl3pPr>
+    <a:lvl4pPr marL="1371600" algn="l" defTabSz="457200" rtl="0" eaLnBrk="1" latinLnBrk="0" hangingPunct="1">
+      <a:defRPr sz="1200" kern="1200">
+        <a:solidFill>
+          <a:schemeClr val="tx1"/>
+        </a:solidFill>
+        <a:latin typeface="+mn-lt"/>
+        <a:ea typeface="+mn-ea"/>
+        <a:cs typeface="+mn-cs"/>
+      </a:defRPr>
+    </a:lvl4pPr>
+    <a:lvl5pPr marL="1828800" algn="l" defTabSz="457200" rtl="0" eaLnBrk="1" latinLnBrk="0" hangingPunct="1">
+      <a:defRPr sz="1200" kern="1200">
+        <a:solidFill>
+          <a:schemeClr val="tx1"/>
+        </a:solidFill>
+        <a:latin typeface="+mn-lt"/>
+        <a:ea typeface="+mn-ea"/>
+        <a:cs typeface="+mn-cs"/>
+      </a:defRPr>
+    </a:lvl5pPr>
+    <a:lvl6pPr marL="2286000" algn="l" defTabSz="457200" rtl="0" eaLnBrk="1" latinLnBrk="0" hangingPunct="1">
+      <a:defRPr sz="1200" kern="1200">
+        <a:solidFill>
+          <a:schemeClr val="tx1"/>
+        </a:solidFill>
+        <a:latin typeface="+mn-lt"/>
+        <a:ea typeface="+mn-ea"/>
+        <a:cs typeface="+mn-cs"/>
+      </a:defRPr>
+    </a:lvl6pPr>
+    <a:lvl7pPr marL="2743200" algn="l" defTabSz="457200" rtl="0" eaLnBrk="1" latinLnBrk="0" hangingPunct="1">
+      <a:defRPr sz="1200" kern="1200">
+        <a:solidFill>
+          <a:schemeClr val="tx1"/>
+        </a:solidFill>
+        <a:latin typeface="+mn-lt"/>
+        <a:ea typeface="+mn-ea"/>
+        <a:cs typeface="+mn-cs"/>
+      </a:defRPr>
+    </a:lvl7pPr>
+    <a:lvl8pPr marL="3200400" algn="l" defTabSz="457200" rtl="0" eaLnBrk="1" latinLnBrk="0" hangingPunct="1">
+      <a:defRPr sz="1200" kern="1200">
+        <a:solidFill>
+          <a:schemeClr val="tx1"/>
+        </a:solidFill>
+        <a:latin typeface="+mn-lt"/>
+        <a:ea typeface="+mn-ea"/>
+        <a:cs typeface="+mn-cs"/>
+      </a:defRPr>
+    </a:lvl8pPr>
+    <a:lvl9pPr marL="3657600" algn="l" defTabSz="457200" rtl="0" eaLnBrk="1" latinLnBrk="0" hangingPunct="1">
+      <a:defRPr sz="1200" kern="1200">
+        <a:solidFill>
+          <a:schemeClr val="tx1"/>
+        </a:solidFill>
+        <a:latin typeface="+mn-lt"/>
+        <a:ea typeface="+mn-ea"/>
+        <a:cs typeface="+mn-cs"/>
+      </a:defRPr>
+    </a:lvl9pPr>
+  </p:notesStyle>
+</p:notesMaster>
+</file>
+
+<file path=ppt/notesSlides/notesSlide1.xml><?xml version="1.0" encoding="utf-8"?>
+<p:notes xmlns:a="http://schemas.openxmlformats.org/drawingml/2006/main" xmlns:r="http://schemas.openxmlformats.org/officeDocument/2006/relationships" xmlns:p="http://schemas.openxmlformats.org/presentationml/2006/main">
+  <p:cSld>
+    <p:spTree>
+      <p:nvGrpSpPr>
+        <p:cNvPr id="1" name=""/>
+        <p:cNvGrpSpPr/>
+        <p:nvPr/>
+      </p:nvGrpSpPr>
+      <p:grpSpPr>
+        <a:xfrm>
+          <a:off x="0" y="0"/>
+          <a:ext cx="0" cy="0"/>
+          <a:chOff x="0" y="0"/>
+          <a:chExt cx="0" cy="0"/>
+        </a:xfrm>
+      </p:grpSpPr>
+      <p:sp>
+        <p:nvSpPr>
+          <p:cNvPr id="2" name="Slide Image Placeholder 1"/>
+          <p:cNvSpPr>
+            <a:spLocks noGrp="1" noRot="1" noChangeAspect="1"/>
+          </p:cNvSpPr>
+          <p:nvPr>
+            <p:ph type="sldImg"/>
+          </p:nvPr>
+        </p:nvSpPr>
+        <p:spPr/>
+      </p:sp>
+      <p:sp>
+        <p:nvSpPr>
+          <p:cNvPr id="3" name="Notes Placeholder 2"/>
+          <p:cNvSpPr>
+            <a:spLocks noGrp="1"/>
+          </p:cNvSpPr>
+          <p:nvPr>
+            <p:ph type="body" idx="1"/>
+          </p:nvPr>
+        </p:nvSpPr>
+        <p:spPr/>
+        <p:txBody>
+          <a:bodyPr/>
+          <a:lstStyle/>
+          <a:p>
+            <a:endParaRPr lang="en-US"/>
+          </a:p>
+          <a:p>
+            <a:r>
+              <a:rPr lang="en-US"/>
+              <a:t>----- Meeting Notes (10/14/15 11:42) -----</a:t>
+            </a:r>
+          </a:p>
+          <a:p>
+            <a:r>
+              <a:rPr lang="en-US"/>
+              <a:t>  </a:t>
+            </a:r>
+          </a:p>
+        </p:txBody>
+      </p:sp>
+      <p:sp>
+        <p:nvSpPr>
+          <p:cNvPr id="4" name="Slide Number Placeholder 3"/>
+          <p:cNvSpPr>
+            <a:spLocks noGrp="1"/>
+          </p:cNvSpPr>
+          <p:nvPr>
+            <p:ph type="sldNum" sz="quarter" idx="10"/>
+          </p:nvPr>
+        </p:nvSpPr>
+        <p:spPr/>
+        <p:txBody>
+          <a:bodyPr/>
+          <a:lstStyle/>
+          <a:p>
+            <a:fld id="{A56A3AAA-B52B-1D4B-8B42-39743F8BBAF3}" type="slidenum">
+              <a:rPr lang="en-US" smtClean="0"/>
+              <a:t>1</a:t>
+            </a:fld>
+            <a:endParaRPr lang="en-US"/>
+          </a:p>
+        </p:txBody>
+      </p:sp>
+    </p:spTree>
+    <p:extLst>
+      <p:ext uri="{BB962C8B-B14F-4D97-AF65-F5344CB8AC3E}">
+        <p14:creationId xmlns:p14="http://schemas.microsoft.com/office/powerpoint/2010/main" val="1493794259"/>
+      </p:ext>
+    </p:extLst>
+  </p:cSld>
+  <p:clrMapOvr>
+    <a:masterClrMapping/>
+  </p:clrMapOvr>
+</p:notes>
+</file>
+
+<file path=ppt/notesSlides/notesSlide2.xml><?xml version="1.0" encoding="utf-8"?>
+<p:notes xmlns:a="http://schemas.openxmlformats.org/drawingml/2006/main" xmlns:r="http://schemas.openxmlformats.org/officeDocument/2006/relationships" xmlns:p="http://schemas.openxmlformats.org/presentationml/2006/main">
+  <p:cSld>
+    <p:spTree>
+      <p:nvGrpSpPr>
+        <p:cNvPr id="1" name=""/>
+        <p:cNvGrpSpPr/>
+        <p:nvPr/>
+      </p:nvGrpSpPr>
+      <p:grpSpPr>
+        <a:xfrm>
+          <a:off x="0" y="0"/>
+          <a:ext cx="0" cy="0"/>
+          <a:chOff x="0" y="0"/>
+          <a:chExt cx="0" cy="0"/>
+        </a:xfrm>
+      </p:grpSpPr>
+      <p:sp>
+        <p:nvSpPr>
+          <p:cNvPr id="2" name="Slide Image Placeholder 1"/>
+          <p:cNvSpPr>
+            <a:spLocks noGrp="1" noRot="1" noChangeAspect="1"/>
+          </p:cNvSpPr>
+          <p:nvPr>
+            <p:ph type="sldImg"/>
+          </p:nvPr>
+        </p:nvSpPr>
+        <p:spPr/>
+      </p:sp>
+      <p:sp>
+        <p:nvSpPr>
+          <p:cNvPr id="3" name="Notes Placeholder 2"/>
+          <p:cNvSpPr>
+            <a:spLocks noGrp="1"/>
+          </p:cNvSpPr>
+          <p:nvPr>
+            <p:ph type="body" idx="1"/>
+          </p:nvPr>
+        </p:nvSpPr>
+        <p:spPr/>
+        <p:txBody>
+          <a:bodyPr/>
+          <a:lstStyle/>
+          <a:p>
+            <a:endParaRPr lang="en-US"/>
+          </a:p>
+          <a:p>
+            <a:r>
+              <a:rPr lang="en-US"/>
+              <a:t>----- Meeting Notes (10/14/15 11:42) -----</a:t>
+            </a:r>
+          </a:p>
+          <a:p>
+            <a:r>
+              <a:rPr lang="en-US"/>
+              <a:t>Export controlled version is only 9Hz</a:t>
+            </a:r>
+          </a:p>
+          <a:p>
+            <a:r>
+              <a:rPr lang="en-US"/>
+              <a:t>Change req to 5Hz</a:t>
+            </a:r>
+          </a:p>
+          <a:p>
+            <a:r>
+              <a:rPr lang="en-US"/>
+              <a:t>Temp range of FLiR</a:t>
+            </a:r>
+          </a:p>
+          <a:p>
+            <a:r>
+              <a:rPr lang="en-US"/>
+              <a:t>Dynamic Ranging?</a:t>
+            </a:r>
+          </a:p>
+          <a:p>
+            <a:r>
+              <a:rPr lang="en-US"/>
+              <a:t>Screenshot sparkfun video</a:t>
+            </a:r>
+          </a:p>
+          <a:p>
+            <a:r>
+              <a:rPr lang="en-US"/>
+              <a:t>Body movement</a:t>
+            </a:r>
+          </a:p>
+        </p:txBody>
+      </p:sp>
+      <p:sp>
+        <p:nvSpPr>
+          <p:cNvPr id="4" name="Slide Number Placeholder 3"/>
+          <p:cNvSpPr>
+            <a:spLocks noGrp="1"/>
+          </p:cNvSpPr>
+          <p:nvPr>
+            <p:ph type="sldNum" sz="quarter" idx="10"/>
+          </p:nvPr>
+        </p:nvSpPr>
+        <p:spPr/>
+        <p:txBody>
+          <a:bodyPr/>
+          <a:lstStyle/>
+          <a:p>
+            <a:fld id="{A56A3AAA-B52B-1D4B-8B42-39743F8BBAF3}" type="slidenum">
+              <a:rPr lang="en-US" smtClean="0"/>
+              <a:t>2</a:t>
+            </a:fld>
+            <a:endParaRPr lang="en-US"/>
+          </a:p>
+        </p:txBody>
+      </p:sp>
+    </p:spTree>
+    <p:extLst>
+      <p:ext uri="{BB962C8B-B14F-4D97-AF65-F5344CB8AC3E}">
+        <p14:creationId xmlns:p14="http://schemas.microsoft.com/office/powerpoint/2010/main" val="2594295014"/>
+      </p:ext>
+    </p:extLst>
+  </p:cSld>
+  <p:clrMapOvr>
+    <a:masterClrMapping/>
+  </p:clrMapOvr>
+</p:notes>
+</file>
+
+<file path=ppt/notesSlides/notesSlide3.xml><?xml version="1.0" encoding="utf-8"?>
+<p:notes xmlns:a="http://schemas.openxmlformats.org/drawingml/2006/main" xmlns:r="http://schemas.openxmlformats.org/officeDocument/2006/relationships" xmlns:p="http://schemas.openxmlformats.org/presentationml/2006/main">
+  <p:cSld>
+    <p:spTree>
+      <p:nvGrpSpPr>
+        <p:cNvPr id="1" name=""/>
+        <p:cNvGrpSpPr/>
+        <p:nvPr/>
+      </p:nvGrpSpPr>
+      <p:grpSpPr>
+        <a:xfrm>
+          <a:off x="0" y="0"/>
+          <a:ext cx="0" cy="0"/>
+          <a:chOff x="0" y="0"/>
+          <a:chExt cx="0" cy="0"/>
+        </a:xfrm>
+      </p:grpSpPr>
+      <p:sp>
+        <p:nvSpPr>
+          <p:cNvPr id="2" name="Slide Image Placeholder 1"/>
+          <p:cNvSpPr>
+            <a:spLocks noGrp="1" noRot="1" noChangeAspect="1"/>
+          </p:cNvSpPr>
+          <p:nvPr>
+            <p:ph type="sldImg"/>
+          </p:nvPr>
+        </p:nvSpPr>
+        <p:spPr/>
+      </p:sp>
+      <p:sp>
+        <p:nvSpPr>
+          <p:cNvPr id="3" name="Notes Placeholder 2"/>
+          <p:cNvSpPr>
+            <a:spLocks noGrp="1"/>
+          </p:cNvSpPr>
+          <p:nvPr>
+            <p:ph type="body" idx="1"/>
+          </p:nvPr>
+        </p:nvSpPr>
+        <p:spPr/>
+        <p:txBody>
+          <a:bodyPr/>
+          <a:lstStyle/>
+          <a:p>
+            <a:endParaRPr lang="en-US"/>
+          </a:p>
+          <a:p>
+            <a:r>
+              <a:rPr lang="en-US"/>
+              <a:t>----- Meeting Notes (10/14/15 11:42) -----</a:t>
+            </a:r>
+          </a:p>
+          <a:p>
+            <a:r>
+              <a:rPr lang="en-US"/>
+              <a:t>Mahalanobis distance equation</a:t>
+            </a:r>
+          </a:p>
+        </p:txBody>
+      </p:sp>
+      <p:sp>
+        <p:nvSpPr>
+          <p:cNvPr id="4" name="Slide Number Placeholder 3"/>
+          <p:cNvSpPr>
+            <a:spLocks noGrp="1"/>
+          </p:cNvSpPr>
+          <p:nvPr>
+            <p:ph type="sldNum" sz="quarter" idx="10"/>
+          </p:nvPr>
+        </p:nvSpPr>
+        <p:spPr/>
+        <p:txBody>
+          <a:bodyPr/>
+          <a:lstStyle/>
+          <a:p>
+            <a:fld id="{A56A3AAA-B52B-1D4B-8B42-39743F8BBAF3}" type="slidenum">
+              <a:rPr lang="en-US" smtClean="0"/>
+              <a:t>14</a:t>
+            </a:fld>
+            <a:endParaRPr lang="en-US"/>
+          </a:p>
+        </p:txBody>
+      </p:sp>
+    </p:spTree>
+    <p:extLst>
+      <p:ext uri="{BB962C8B-B14F-4D97-AF65-F5344CB8AC3E}">
+        <p14:creationId xmlns:p14="http://schemas.microsoft.com/office/powerpoint/2010/main" val="2882580831"/>
+      </p:ext>
+    </p:extLst>
+  </p:cSld>
+  <p:clrMapOvr>
+    <a:masterClrMapping/>
+  </p:clrMapOvr>
+</p:notes>
+</file>
+
+<file path=ppt/notesSlides/notesSlide4.xml><?xml version="1.0" encoding="utf-8"?>
+<p:notes xmlns:a="http://schemas.openxmlformats.org/drawingml/2006/main" xmlns:r="http://schemas.openxmlformats.org/officeDocument/2006/relationships" xmlns:p="http://schemas.openxmlformats.org/presentationml/2006/main">
+  <p:cSld>
+    <p:spTree>
+      <p:nvGrpSpPr>
+        <p:cNvPr id="1" name=""/>
+        <p:cNvGrpSpPr/>
+        <p:nvPr/>
+      </p:nvGrpSpPr>
+      <p:grpSpPr>
+        <a:xfrm>
+          <a:off x="0" y="0"/>
+          <a:ext cx="0" cy="0"/>
+          <a:chOff x="0" y="0"/>
+          <a:chExt cx="0" cy="0"/>
+        </a:xfrm>
+      </p:grpSpPr>
+      <p:sp>
+        <p:nvSpPr>
+          <p:cNvPr id="2" name="Slide Image Placeholder 1"/>
+          <p:cNvSpPr>
+            <a:spLocks noGrp="1" noRot="1" noChangeAspect="1"/>
+          </p:cNvSpPr>
+          <p:nvPr>
+            <p:ph type="sldImg"/>
+          </p:nvPr>
+        </p:nvSpPr>
+        <p:spPr/>
+      </p:sp>
+      <p:sp>
+        <p:nvSpPr>
+          <p:cNvPr id="3" name="Notes Placeholder 2"/>
+          <p:cNvSpPr>
+            <a:spLocks noGrp="1"/>
+          </p:cNvSpPr>
+          <p:nvPr>
+            <p:ph type="body" idx="1"/>
+          </p:nvPr>
+        </p:nvSpPr>
+        <p:spPr/>
+        <p:txBody>
+          <a:bodyPr/>
+          <a:lstStyle/>
+          <a:p>
+            <a:endParaRPr lang="en-US"/>
+          </a:p>
+          <a:p>
+            <a:r>
+              <a:rPr lang="en-US"/>
+              <a:t>----- Meeting Notes (10/14/15 11:42) -----</a:t>
+            </a:r>
+          </a:p>
+          <a:p>
+            <a:r>
+              <a:rPr lang="en-US"/>
+              <a:t>Better colors</a:t>
+            </a:r>
+          </a:p>
+        </p:txBody>
+      </p:sp>
+      <p:sp>
+        <p:nvSpPr>
+          <p:cNvPr id="4" name="Slide Number Placeholder 3"/>
+          <p:cNvSpPr>
+            <a:spLocks noGrp="1"/>
+          </p:cNvSpPr>
+          <p:nvPr>
+            <p:ph type="sldNum" sz="quarter" idx="10"/>
+          </p:nvPr>
+        </p:nvSpPr>
+        <p:spPr/>
+        <p:txBody>
+          <a:bodyPr/>
+          <a:lstStyle/>
+          <a:p>
+            <a:fld id="{A56A3AAA-B52B-1D4B-8B42-39743F8BBAF3}" type="slidenum">
+              <a:rPr lang="en-US" smtClean="0"/>
+              <a:t>18</a:t>
+            </a:fld>
+            <a:endParaRPr lang="en-US"/>
+          </a:p>
+        </p:txBody>
+      </p:sp>
+    </p:spTree>
+    <p:extLst>
+      <p:ext uri="{BB962C8B-B14F-4D97-AF65-F5344CB8AC3E}">
+        <p14:creationId xmlns:p14="http://schemas.microsoft.com/office/powerpoint/2010/main" val="2496546600"/>
+      </p:ext>
+    </p:extLst>
+  </p:cSld>
+  <p:clrMapOvr>
+    <a:masterClrMapping/>
+  </p:clrMapOvr>
+</p:notes>
+</file>
+
+<file path=ppt/notesSlides/notesSlide5.xml><?xml version="1.0" encoding="utf-8"?>
+<p:notes xmlns:a="http://schemas.openxmlformats.org/drawingml/2006/main" xmlns:r="http://schemas.openxmlformats.org/officeDocument/2006/relationships" xmlns:p="http://schemas.openxmlformats.org/presentationml/2006/main">
+  <p:cSld>
+    <p:spTree>
+      <p:nvGrpSpPr>
+        <p:cNvPr id="1" name=""/>
+        <p:cNvGrpSpPr/>
+        <p:nvPr/>
+      </p:nvGrpSpPr>
+      <p:grpSpPr>
+        <a:xfrm>
+          <a:off x="0" y="0"/>
+          <a:ext cx="0" cy="0"/>
+          <a:chOff x="0" y="0"/>
+          <a:chExt cx="0" cy="0"/>
+        </a:xfrm>
+      </p:grpSpPr>
+      <p:sp>
+        <p:nvSpPr>
+          <p:cNvPr id="2" name="Slide Image Placeholder 1"/>
+          <p:cNvSpPr>
+            <a:spLocks noGrp="1" noRot="1" noChangeAspect="1"/>
+          </p:cNvSpPr>
+          <p:nvPr>
+            <p:ph type="sldImg"/>
+          </p:nvPr>
+        </p:nvSpPr>
+        <p:spPr/>
+      </p:sp>
+      <p:sp>
+        <p:nvSpPr>
+          <p:cNvPr id="3" name="Notes Placeholder 2"/>
+          <p:cNvSpPr>
+            <a:spLocks noGrp="1"/>
+          </p:cNvSpPr>
+          <p:nvPr>
+            <p:ph type="body" idx="1"/>
+          </p:nvPr>
+        </p:nvSpPr>
+        <p:spPr/>
+        <p:txBody>
+          <a:bodyPr/>
+          <a:lstStyle/>
+          <a:p>
+            <a:endParaRPr lang="en-US"/>
+          </a:p>
+          <a:p>
+            <a:r>
+              <a:rPr lang="en-US"/>
+              <a:t>----- Meeting Notes (10/14/15 11:42) -----</a:t>
+            </a:r>
+          </a:p>
+          <a:p>
+            <a:r>
+              <a:rPr lang="en-US"/>
+              <a:t>Put in state prop slide </a:t>
+            </a:r>
+          </a:p>
+        </p:txBody>
+      </p:sp>
+      <p:sp>
+        <p:nvSpPr>
+          <p:cNvPr id="4" name="Slide Number Placeholder 3"/>
+          <p:cNvSpPr>
+            <a:spLocks noGrp="1"/>
+          </p:cNvSpPr>
+          <p:nvPr>
+            <p:ph type="sldNum" sz="quarter" idx="10"/>
+          </p:nvPr>
+        </p:nvSpPr>
+        <p:spPr/>
+        <p:txBody>
+          <a:bodyPr/>
+          <a:lstStyle/>
+          <a:p>
+            <a:fld id="{A56A3AAA-B52B-1D4B-8B42-39743F8BBAF3}" type="slidenum">
+              <a:rPr lang="en-US" smtClean="0"/>
+              <a:t>19</a:t>
+            </a:fld>
+            <a:endParaRPr lang="en-US"/>
+          </a:p>
+        </p:txBody>
+      </p:sp>
+    </p:spTree>
+    <p:extLst>
+      <p:ext uri="{BB962C8B-B14F-4D97-AF65-F5344CB8AC3E}">
+        <p14:creationId xmlns:p14="http://schemas.microsoft.com/office/powerpoint/2010/main" val="49462720"/>
+      </p:ext>
+    </p:extLst>
+  </p:cSld>
+  <p:clrMapOvr>
+    <a:masterClrMapping/>
+  </p:clrMapOvr>
+</p:notes>
+</file>
+
+<file path=ppt/notesSlides/notesSlide6.xml><?xml version="1.0" encoding="utf-8"?>
+<p:notes xmlns:a="http://schemas.openxmlformats.org/drawingml/2006/main" xmlns:r="http://schemas.openxmlformats.org/officeDocument/2006/relationships" xmlns:p="http://schemas.openxmlformats.org/presentationml/2006/main">
+  <p:cSld>
+    <p:spTree>
+      <p:nvGrpSpPr>
+        <p:cNvPr id="1" name=""/>
+        <p:cNvGrpSpPr/>
+        <p:nvPr/>
+      </p:nvGrpSpPr>
+      <p:grpSpPr>
+        <a:xfrm>
+          <a:off x="0" y="0"/>
+          <a:ext cx="0" cy="0"/>
+          <a:chOff x="0" y="0"/>
+          <a:chExt cx="0" cy="0"/>
+        </a:xfrm>
+      </p:grpSpPr>
+      <p:sp>
+        <p:nvSpPr>
+          <p:cNvPr id="2" name="Slide Image Placeholder 1"/>
+          <p:cNvSpPr>
+            <a:spLocks noGrp="1" noRot="1" noChangeAspect="1"/>
+          </p:cNvSpPr>
+          <p:nvPr>
+            <p:ph type="sldImg"/>
+          </p:nvPr>
+        </p:nvSpPr>
+        <p:spPr/>
+      </p:sp>
+      <p:sp>
+        <p:nvSpPr>
+          <p:cNvPr id="3" name="Notes Placeholder 2"/>
+          <p:cNvSpPr>
+            <a:spLocks noGrp="1"/>
+          </p:cNvSpPr>
+          <p:nvPr>
+            <p:ph type="body" idx="1"/>
+          </p:nvPr>
+        </p:nvSpPr>
+        <p:spPr/>
+        <p:txBody>
+          <a:bodyPr/>
+          <a:lstStyle/>
+          <a:p>
+            <a:endParaRPr lang="en-US"/>
+          </a:p>
+          <a:p>
+            <a:r>
+              <a:rPr lang="en-US"/>
+              <a:t>----- Meeting Notes (10/14/15 11:42) -----</a:t>
+            </a:r>
+          </a:p>
+          <a:p>
+            <a:r>
+              <a:rPr lang="en-US"/>
+              <a:t>Characterize flir</a:t>
+            </a:r>
+          </a:p>
+        </p:txBody>
+      </p:sp>
+      <p:sp>
+        <p:nvSpPr>
+          <p:cNvPr id="4" name="Slide Number Placeholder 3"/>
+          <p:cNvSpPr>
+            <a:spLocks noGrp="1"/>
+          </p:cNvSpPr>
+          <p:nvPr>
+            <p:ph type="sldNum" sz="quarter" idx="10"/>
+          </p:nvPr>
+        </p:nvSpPr>
+        <p:spPr/>
+        <p:txBody>
+          <a:bodyPr/>
+          <a:lstStyle/>
+          <a:p>
+            <a:fld id="{A56A3AAA-B52B-1D4B-8B42-39743F8BBAF3}" type="slidenum">
+              <a:rPr lang="en-US" smtClean="0"/>
+              <a:t>20</a:t>
+            </a:fld>
+            <a:endParaRPr lang="en-US"/>
+          </a:p>
+        </p:txBody>
+      </p:sp>
+    </p:spTree>
+    <p:extLst>
+      <p:ext uri="{BB962C8B-B14F-4D97-AF65-F5344CB8AC3E}">
+        <p14:creationId xmlns:p14="http://schemas.microsoft.com/office/powerpoint/2010/main" val="2525857507"/>
+      </p:ext>
+    </p:extLst>
+  </p:cSld>
+  <p:clrMapOvr>
+    <a:masterClrMapping/>
+  </p:clrMapOvr>
+</p:notes>
+</file>
+
 <file path=ppt/slideLayouts/slideLayout1.xml><?xml version="1.0" encoding="utf-8"?>
 <p:sldLayout xmlns:a="http://schemas.openxmlformats.org/drawingml/2006/main" xmlns:r="http://schemas.openxmlformats.org/officeDocument/2006/relationships" xmlns:p="http://schemas.openxmlformats.org/presentationml/2006/main" type="title" preserve="1">
   <p:cSld name="Title Slide">
@@ -15927,7 +16956,7 @@
           <a:p>
             <a:fld id="{A8193F1D-56DB-E44D-9849-55B52730CCEA}" type="datetimeFigureOut">
               <a:rPr lang="en-US" smtClean="0"/>
-              <a:t>10/12/15</a:t>
+              <a:t>10/19/15</a:t>
             </a:fld>
             <a:endParaRPr lang="en-US"/>
           </a:p>
@@ -16097,7 +17126,7 @@
           <a:p>
             <a:fld id="{A8193F1D-56DB-E44D-9849-55B52730CCEA}" type="datetimeFigureOut">
               <a:rPr lang="en-US" smtClean="0"/>
-              <a:t>10/12/15</a:t>
+              <a:t>10/19/15</a:t>
             </a:fld>
             <a:endParaRPr lang="en-US"/>
           </a:p>
@@ -16277,7 +17306,7 @@
           <a:p>
             <a:fld id="{A8193F1D-56DB-E44D-9849-55B52730CCEA}" type="datetimeFigureOut">
               <a:rPr lang="en-US" smtClean="0"/>
-              <a:t>10/12/15</a:t>
+              <a:t>10/19/15</a:t>
             </a:fld>
             <a:endParaRPr lang="en-US"/>
           </a:p>
@@ -16447,7 +17476,7 @@
           <a:p>
             <a:fld id="{A8193F1D-56DB-E44D-9849-55B52730CCEA}" type="datetimeFigureOut">
               <a:rPr lang="en-US" smtClean="0"/>
-              <a:t>10/12/15</a:t>
+              <a:t>10/19/15</a:t>
             </a:fld>
             <a:endParaRPr lang="en-US"/>
           </a:p>
@@ -16693,7 +17722,7 @@
           <a:p>
             <a:fld id="{A8193F1D-56DB-E44D-9849-55B52730CCEA}" type="datetimeFigureOut">
               <a:rPr lang="en-US" smtClean="0"/>
-              <a:t>10/12/15</a:t>
+              <a:t>10/19/15</a:t>
             </a:fld>
             <a:endParaRPr lang="en-US"/>
           </a:p>
@@ -16981,7 +18010,7 @@
           <a:p>
             <a:fld id="{A8193F1D-56DB-E44D-9849-55B52730CCEA}" type="datetimeFigureOut">
               <a:rPr lang="en-US" smtClean="0"/>
-              <a:t>10/12/15</a:t>
+              <a:t>10/19/15</a:t>
             </a:fld>
             <a:endParaRPr lang="en-US"/>
           </a:p>
@@ -17403,7 +18432,7 @@
           <a:p>
             <a:fld id="{A8193F1D-56DB-E44D-9849-55B52730CCEA}" type="datetimeFigureOut">
               <a:rPr lang="en-US" smtClean="0"/>
-              <a:t>10/12/15</a:t>
+              <a:t>10/19/15</a:t>
             </a:fld>
             <a:endParaRPr lang="en-US"/>
           </a:p>
@@ -17521,7 +18550,7 @@
           <a:p>
             <a:fld id="{A8193F1D-56DB-E44D-9849-55B52730CCEA}" type="datetimeFigureOut">
               <a:rPr lang="en-US" smtClean="0"/>
-              <a:t>10/12/15</a:t>
+              <a:t>10/19/15</a:t>
             </a:fld>
             <a:endParaRPr lang="en-US"/>
           </a:p>
@@ -17616,7 +18645,7 @@
           <a:p>
             <a:fld id="{A8193F1D-56DB-E44D-9849-55B52730CCEA}" type="datetimeFigureOut">
               <a:rPr lang="en-US" smtClean="0"/>
-              <a:t>10/12/15</a:t>
+              <a:t>10/19/15</a:t>
             </a:fld>
             <a:endParaRPr lang="en-US"/>
           </a:p>
@@ -17893,7 +18922,7 @@
           <a:p>
             <a:fld id="{A8193F1D-56DB-E44D-9849-55B52730CCEA}" type="datetimeFigureOut">
               <a:rPr lang="en-US" smtClean="0"/>
-              <a:t>10/12/15</a:t>
+              <a:t>10/19/15</a:t>
             </a:fld>
             <a:endParaRPr lang="en-US"/>
           </a:p>
@@ -18146,7 +19175,7 @@
           <a:p>
             <a:fld id="{A8193F1D-56DB-E44D-9849-55B52730CCEA}" type="datetimeFigureOut">
               <a:rPr lang="en-US" smtClean="0"/>
-              <a:t>10/12/15</a:t>
+              <a:t>10/19/15</a:t>
             </a:fld>
             <a:endParaRPr lang="en-US"/>
           </a:p>
@@ -18359,7 +19388,7 @@
           <a:p>
             <a:fld id="{A8193F1D-56DB-E44D-9849-55B52730CCEA}" type="datetimeFigureOut">
               <a:rPr lang="en-US" smtClean="0"/>
-              <a:t>10/12/15</a:t>
+              <a:t>10/19/15</a:t>
             </a:fld>
             <a:endParaRPr lang="en-US"/>
           </a:p>
@@ -18793,7 +19822,7 @@
             <p:nvPr/>
           </p:nvPicPr>
           <p:blipFill>
-            <a:blip r:embed="rId2">
+            <a:blip r:embed="rId3">
               <a:extLst>
                 <a:ext uri="{28A0092B-C50C-407E-A947-70E740481C1C}">
                   <a14:useLocalDpi xmlns:a14="http://schemas.microsoft.com/office/drawing/2010/main" val="0"/>
@@ -18870,7 +19899,7 @@
             <p:nvPr/>
           </p:nvPicPr>
           <p:blipFill>
-            <a:blip r:embed="rId3"/>
+            <a:blip r:embed="rId4"/>
             <a:stretch>
               <a:fillRect/>
             </a:stretch>
@@ -18978,6 +20007,13 @@
   <p:clrMapOvr>
     <a:masterClrMapping/>
   </p:clrMapOvr>
+  <p:timing>
+    <p:tnLst>
+      <p:par>
+        <p:cTn xmlns:p14="http://schemas.microsoft.com/office/powerpoint/2010/main" id="1" dur="indefinite" restart="never" nodeType="tmRoot"/>
+      </p:par>
+    </p:tnLst>
+  </p:timing>
 </p:sld>
 </file>
 
@@ -19717,6 +20753,13 @@
   <p:clrMapOvr>
     <a:masterClrMapping/>
   </p:clrMapOvr>
+  <p:timing>
+    <p:tnLst>
+      <p:par>
+        <p:cTn xmlns:p14="http://schemas.microsoft.com/office/powerpoint/2010/main" id="1" dur="indefinite" restart="never" nodeType="tmRoot"/>
+      </p:par>
+    </p:tnLst>
+  </p:timing>
 </p:sld>
 </file>
 
@@ -19921,13 +20964,6 @@
                 </a:rPr>
                 <a:t>Pruning Hypotheses</a:t>
               </a:r>
-              <a:endParaRPr lang="en-US" sz="2400" dirty="0">
-                <a:solidFill>
-                  <a:srgbClr val="FFFFFF"/>
-                </a:solidFill>
-                <a:latin typeface="Candara"/>
-                <a:cs typeface="Candara"/>
-              </a:endParaRPr>
             </a:p>
           </p:txBody>
         </p:sp>
@@ -20002,6 +21038,13 @@
   <p:clrMapOvr>
     <a:masterClrMapping/>
   </p:clrMapOvr>
+  <p:timing>
+    <p:tnLst>
+      <p:par>
+        <p:cTn xmlns:p14="http://schemas.microsoft.com/office/powerpoint/2010/main" id="1" dur="indefinite" restart="never" nodeType="tmRoot"/>
+      </p:par>
+    </p:tnLst>
+  </p:timing>
 </p:sld>
 </file>
 
@@ -20081,7 +21124,7 @@
             <p:nvPr/>
           </p:nvPicPr>
           <p:blipFill>
-            <a:blip r:embed="rId2">
+            <a:blip r:embed="rId3">
               <a:extLst>
                 <a:ext uri="{28A0092B-C50C-407E-A947-70E740481C1C}">
                   <a14:useLocalDpi xmlns:a14="http://schemas.microsoft.com/office/drawing/2010/main" val="0"/>
@@ -20158,7 +21201,7 @@
             <p:nvPr/>
           </p:nvPicPr>
           <p:blipFill>
-            <a:blip r:embed="rId3"/>
+            <a:blip r:embed="rId4"/>
             <a:stretch>
               <a:fillRect/>
             </a:stretch>
@@ -20206,13 +21249,6 @@
                 </a:rPr>
                 <a:t>Pruning Hypotheses</a:t>
               </a:r>
-              <a:endParaRPr lang="en-US" sz="2400" dirty="0">
-                <a:solidFill>
-                  <a:srgbClr val="FFFFFF"/>
-                </a:solidFill>
-                <a:latin typeface="Candara"/>
-                <a:cs typeface="Candara"/>
-              </a:endParaRPr>
             </a:p>
           </p:txBody>
         </p:sp>
@@ -20419,6 +21455,93 @@
           </a:p>
         </p:txBody>
       </p:sp>
+      <p:graphicFrame>
+        <p:nvGraphicFramePr>
+          <p:cNvPr id="14" name="Object 13"/>
+          <p:cNvGraphicFramePr>
+            <a:graphicFrameLocks noChangeAspect="1"/>
+          </p:cNvGraphicFramePr>
+          <p:nvPr>
+            <p:extLst>
+              <p:ext uri="{D42A27DB-BD31-4B8C-83A1-F6EECF244321}">
+                <p14:modId xmlns:p14="http://schemas.microsoft.com/office/powerpoint/2010/main" val="3358105861"/>
+              </p:ext>
+            </p:extLst>
+          </p:nvPr>
+        </p:nvGraphicFramePr>
+        <p:xfrm>
+          <a:off x="5993816" y="2451100"/>
+          <a:ext cx="2493769" cy="1697330"/>
+        </p:xfrm>
+        <a:graphic>
+          <a:graphicData uri="http://schemas.openxmlformats.org/presentationml/2006/ole">
+            <mc:AlternateContent xmlns:mc="http://schemas.openxmlformats.org/markup-compatibility/2006">
+              <mc:Choice xmlns:v="urn:schemas-microsoft-com:vml" Requires="v">
+                <p:oleObj spid="_x0000_s2049" name="Equation" r:id="rId5" imgW="2425700" imgH="1651000" progId="Equation.3">
+                  <p:embed/>
+                </p:oleObj>
+              </mc:Choice>
+              <mc:Fallback>
+                <p:oleObj name="Equation" r:id="rId5" imgW="2425700" imgH="1651000" progId="Equation.3">
+                  <p:embed/>
+                  <p:pic>
+                    <p:nvPicPr>
+                      <p:cNvPr id="0" name=""/>
+                      <p:cNvPicPr/>
+                      <p:nvPr/>
+                    </p:nvPicPr>
+                    <p:blipFill>
+                      <a:blip r:embed="rId6"/>
+                      <a:stretch>
+                        <a:fillRect/>
+                      </a:stretch>
+                    </p:blipFill>
+                    <p:spPr>
+                      <a:xfrm>
+                        <a:off x="5993816" y="2451100"/>
+                        <a:ext cx="2493769" cy="1697330"/>
+                      </a:xfrm>
+                      <a:prstGeom prst="rect">
+                        <a:avLst/>
+                      </a:prstGeom>
+                    </p:spPr>
+                  </p:pic>
+                </p:oleObj>
+              </mc:Fallback>
+            </mc:AlternateContent>
+          </a:graphicData>
+        </a:graphic>
+      </p:graphicFrame>
+      <p:sp>
+        <p:nvSpPr>
+          <p:cNvPr id="2" name="TextBox 1"/>
+          <p:cNvSpPr txBox="1"/>
+          <p:nvPr/>
+        </p:nvSpPr>
+        <p:spPr>
+          <a:xfrm>
+            <a:off x="5926983" y="2077207"/>
+            <a:ext cx="2395270" cy="369332"/>
+          </a:xfrm>
+          <a:prstGeom prst="rect">
+            <a:avLst/>
+          </a:prstGeom>
+          <a:noFill/>
+        </p:spPr>
+        <p:txBody>
+          <a:bodyPr wrap="none" rtlCol="0">
+            <a:spAutoFit/>
+          </a:bodyPr>
+          <a:lstStyle/>
+          <a:p>
+            <a:r>
+              <a:rPr lang="en-US" dirty="0" smtClean="0"/>
+              <a:t>State Transition Matrix:</a:t>
+            </a:r>
+            <a:endParaRPr lang="en-US" dirty="0"/>
+          </a:p>
+        </p:txBody>
+      </p:sp>
     </p:spTree>
     <p:extLst>
       <p:ext uri="{BB962C8B-B14F-4D97-AF65-F5344CB8AC3E}">
@@ -20429,6 +21552,13 @@
   <p:clrMapOvr>
     <a:masterClrMapping/>
   </p:clrMapOvr>
+  <p:timing>
+    <p:tnLst>
+      <p:par>
+        <p:cTn xmlns:p14="http://schemas.microsoft.com/office/powerpoint/2010/main" id="1" dur="indefinite" restart="never" nodeType="tmRoot"/>
+      </p:par>
+    </p:tnLst>
+  </p:timing>
 </p:sld>
 </file>
 
@@ -20633,13 +21763,6 @@
                 </a:rPr>
                 <a:t>Pruning Hypotheses</a:t>
               </a:r>
-              <a:endParaRPr lang="en-US" sz="2400" dirty="0">
-                <a:solidFill>
-                  <a:srgbClr val="FFFFFF"/>
-                </a:solidFill>
-                <a:latin typeface="Candara"/>
-                <a:cs typeface="Candara"/>
-              </a:endParaRPr>
             </a:p>
           </p:txBody>
         </p:sp>
@@ -20944,6 +22067,13 @@
   <p:clrMapOvr>
     <a:masterClrMapping/>
   </p:clrMapOvr>
+  <p:timing>
+    <p:tnLst>
+      <p:par>
+        <p:cTn xmlns:p14="http://schemas.microsoft.com/office/powerpoint/2010/main" id="1" dur="indefinite" restart="never" nodeType="tmRoot"/>
+      </p:par>
+    </p:tnLst>
+  </p:timing>
 </p:sld>
 </file>
 
@@ -21023,7 +22153,7 @@
             <p:nvPr/>
           </p:nvPicPr>
           <p:blipFill>
-            <a:blip r:embed="rId2">
+            <a:blip r:embed="rId3">
               <a:extLst>
                 <a:ext uri="{28A0092B-C50C-407E-A947-70E740481C1C}">
                   <a14:useLocalDpi xmlns:a14="http://schemas.microsoft.com/office/drawing/2010/main" val="0"/>
@@ -21100,7 +22230,7 @@
             <p:nvPr/>
           </p:nvPicPr>
           <p:blipFill>
-            <a:blip r:embed="rId3"/>
+            <a:blip r:embed="rId4"/>
             <a:stretch>
               <a:fillRect/>
             </a:stretch>
@@ -21148,13 +22278,6 @@
                 </a:rPr>
                 <a:t>Pruning Hypotheses</a:t>
               </a:r>
-              <a:endParaRPr lang="en-US" sz="2400" dirty="0">
-                <a:solidFill>
-                  <a:srgbClr val="FFFFFF"/>
-                </a:solidFill>
-                <a:latin typeface="Candara"/>
-                <a:cs typeface="Candara"/>
-              </a:endParaRPr>
             </a:p>
           </p:txBody>
         </p:sp>
@@ -21577,7 +22700,11 @@
           <a:p>
             <a:r>
               <a:rPr lang="en-US" dirty="0" smtClean="0"/>
-              <a:t>Prune hypotheses down to those that fit within velocity constraint</a:t>
+              <a:t>Prune hypotheses down to those that fit within velocity </a:t>
+            </a:r>
+            <a:r>
+              <a:rPr lang="en-US" dirty="0" smtClean="0"/>
+              <a:t>constraint</a:t>
             </a:r>
             <a:endParaRPr lang="en-US" dirty="0"/>
           </a:p>
@@ -21761,6 +22888,64 @@
           </a:p>
         </p:txBody>
       </p:sp>
+      <p:pic>
+        <p:nvPicPr>
+          <p:cNvPr id="2" name="Picture 1"/>
+          <p:cNvPicPr>
+            <a:picLocks noChangeAspect="1"/>
+          </p:cNvPicPr>
+          <p:nvPr/>
+        </p:nvPicPr>
+        <p:blipFill>
+          <a:blip r:embed="rId5"/>
+          <a:stretch>
+            <a:fillRect/>
+          </a:stretch>
+        </p:blipFill>
+        <p:spPr>
+          <a:xfrm>
+            <a:off x="5020485" y="2254250"/>
+            <a:ext cx="3467100" cy="393700"/>
+          </a:xfrm>
+          <a:prstGeom prst="rect">
+            <a:avLst/>
+          </a:prstGeom>
+        </p:spPr>
+      </p:pic>
+      <p:sp>
+        <p:nvSpPr>
+          <p:cNvPr id="3" name="TextBox 2"/>
+          <p:cNvSpPr txBox="1"/>
+          <p:nvPr/>
+        </p:nvSpPr>
+        <p:spPr>
+          <a:xfrm>
+            <a:off x="5020485" y="1607919"/>
+            <a:ext cx="3467100" cy="646331"/>
+          </a:xfrm>
+          <a:prstGeom prst="rect">
+            <a:avLst/>
+          </a:prstGeom>
+          <a:noFill/>
+        </p:spPr>
+        <p:txBody>
+          <a:bodyPr wrap="square" rtlCol="0">
+            <a:spAutoFit/>
+          </a:bodyPr>
+          <a:lstStyle/>
+          <a:p>
+            <a:r>
+              <a:rPr lang="en-US" dirty="0" err="1" smtClean="0"/>
+              <a:t>Mahalanobis</a:t>
+            </a:r>
+            <a:r>
+              <a:rPr lang="en-US" dirty="0" smtClean="0"/>
+              <a:t> distance can be used to score possible matches:</a:t>
+            </a:r>
+            <a:endParaRPr lang="en-US" dirty="0"/>
+          </a:p>
+        </p:txBody>
+      </p:sp>
     </p:spTree>
     <p:extLst>
       <p:ext uri="{BB962C8B-B14F-4D97-AF65-F5344CB8AC3E}">
@@ -21771,6 +22956,13 @@
   <p:clrMapOvr>
     <a:masterClrMapping/>
   </p:clrMapOvr>
+  <p:timing>
+    <p:tnLst>
+      <p:par>
+        <p:cTn xmlns:p14="http://schemas.microsoft.com/office/powerpoint/2010/main" id="1" dur="indefinite" restart="never" nodeType="tmRoot"/>
+      </p:par>
+    </p:tnLst>
+  </p:timing>
 </p:sld>
 </file>
 
@@ -22121,6 +23313,13 @@
   <p:clrMapOvr>
     <a:masterClrMapping/>
   </p:clrMapOvr>
+  <p:timing>
+    <p:tnLst>
+      <p:par>
+        <p:cTn xmlns:p14="http://schemas.microsoft.com/office/powerpoint/2010/main" id="1" dur="indefinite" restart="never" nodeType="tmRoot"/>
+      </p:par>
+    </p:tnLst>
+  </p:timing>
 </p:sld>
 </file>
 
@@ -23301,6 +24500,13 @@
   <p:clrMapOvr>
     <a:masterClrMapping/>
   </p:clrMapOvr>
+  <p:timing>
+    <p:tnLst>
+      <p:par>
+        <p:cTn xmlns:p14="http://schemas.microsoft.com/office/powerpoint/2010/main" id="1" dur="indefinite" restart="never" nodeType="tmRoot"/>
+      </p:par>
+    </p:tnLst>
+  </p:timing>
 </p:sld>
 </file>
 
@@ -23651,1671 +24857,17 @@
   <p:clrMapOvr>
     <a:masterClrMapping/>
   </p:clrMapOvr>
+  <p:timing>
+    <p:tnLst>
+      <p:par>
+        <p:cTn xmlns:p14="http://schemas.microsoft.com/office/powerpoint/2010/main" id="1" dur="indefinite" restart="never" nodeType="tmRoot"/>
+      </p:par>
+    </p:tnLst>
+  </p:timing>
 </p:sld>
 </file>
 
 <file path=ppt/slides/slide18.xml><?xml version="1.0" encoding="utf-8"?>
-<p:sld xmlns:a="http://schemas.openxmlformats.org/drawingml/2006/main" xmlns:r="http://schemas.openxmlformats.org/officeDocument/2006/relationships" xmlns:p="http://schemas.openxmlformats.org/presentationml/2006/main">
-  <p:cSld>
-    <p:spTree>
-      <p:nvGrpSpPr>
-        <p:cNvPr id="1" name=""/>
-        <p:cNvGrpSpPr/>
-        <p:nvPr/>
-      </p:nvGrpSpPr>
-      <p:grpSpPr>
-        <a:xfrm>
-          <a:off x="0" y="0"/>
-          <a:ext cx="0" cy="0"/>
-          <a:chOff x="0" y="0"/>
-          <a:chExt cx="0" cy="0"/>
-        </a:xfrm>
-      </p:grpSpPr>
-      <p:grpSp>
-        <p:nvGrpSpPr>
-          <p:cNvPr id="4" name="Group 3"/>
-          <p:cNvGrpSpPr/>
-          <p:nvPr/>
-        </p:nvGrpSpPr>
-        <p:grpSpPr>
-          <a:xfrm>
-            <a:off x="0" y="1"/>
-            <a:ext cx="9144000" cy="844012"/>
-            <a:chOff x="0" y="1"/>
-            <a:chExt cx="9144000" cy="844012"/>
-          </a:xfrm>
-        </p:grpSpPr>
-        <p:cxnSp>
-          <p:nvCxnSpPr>
-            <p:cNvPr id="5" name="Straight Connector 4"/>
-            <p:cNvCxnSpPr/>
-            <p:nvPr/>
-          </p:nvCxnSpPr>
-          <p:spPr>
-            <a:xfrm>
-              <a:off x="0" y="844013"/>
-              <a:ext cx="9144000" cy="0"/>
-            </a:xfrm>
-            <a:prstGeom prst="line">
-              <a:avLst/>
-            </a:prstGeom>
-            <a:ln>
-              <a:solidFill>
-                <a:schemeClr val="tx1"/>
-              </a:solidFill>
-            </a:ln>
-            <a:effectLst/>
-          </p:spPr>
-          <p:style>
-            <a:lnRef idx="2">
-              <a:schemeClr val="accent1"/>
-            </a:lnRef>
-            <a:fillRef idx="0">
-              <a:schemeClr val="accent1"/>
-            </a:fillRef>
-            <a:effectRef idx="1">
-              <a:schemeClr val="accent1"/>
-            </a:effectRef>
-            <a:fontRef idx="minor">
-              <a:schemeClr val="tx1"/>
-            </a:fontRef>
-          </p:style>
-        </p:cxnSp>
-        <p:pic>
-          <p:nvPicPr>
-            <p:cNvPr id="6" name="Picture 5" descr="Screen Shot 2015-10-11 at 11.16.20 AM.png"/>
-            <p:cNvPicPr>
-              <a:picLocks noChangeAspect="1"/>
-            </p:cNvPicPr>
-            <p:nvPr/>
-          </p:nvPicPr>
-          <p:blipFill>
-            <a:blip r:embed="rId2">
-              <a:extLst>
-                <a:ext uri="{28A0092B-C50C-407E-A947-70E740481C1C}">
-                  <a14:useLocalDpi xmlns:a14="http://schemas.microsoft.com/office/drawing/2010/main" val="0"/>
-                </a:ext>
-              </a:extLst>
-            </a:blip>
-            <a:stretch>
-              <a:fillRect/>
-            </a:stretch>
-          </p:blipFill>
-          <p:spPr>
-            <a:xfrm>
-              <a:off x="0" y="1"/>
-              <a:ext cx="1151748" cy="844012"/>
-            </a:xfrm>
-            <a:prstGeom prst="rect">
-              <a:avLst/>
-            </a:prstGeom>
-          </p:spPr>
-        </p:pic>
-        <p:sp>
-          <p:nvSpPr>
-            <p:cNvPr id="7" name="Rectangle 6"/>
-            <p:cNvSpPr/>
-            <p:nvPr/>
-          </p:nvSpPr>
-          <p:spPr>
-            <a:xfrm>
-              <a:off x="1151748" y="2283"/>
-              <a:ext cx="7992252" cy="832104"/>
-            </a:xfrm>
-            <a:prstGeom prst="rect">
-              <a:avLst/>
-            </a:prstGeom>
-            <a:solidFill>
-              <a:schemeClr val="tx1"/>
-            </a:solidFill>
-            <a:ln>
-              <a:solidFill>
-                <a:schemeClr val="tx1"/>
-              </a:solidFill>
-            </a:ln>
-            <a:effectLst/>
-          </p:spPr>
-          <p:style>
-            <a:lnRef idx="1">
-              <a:schemeClr val="accent1"/>
-            </a:lnRef>
-            <a:fillRef idx="3">
-              <a:schemeClr val="accent1"/>
-            </a:fillRef>
-            <a:effectRef idx="2">
-              <a:schemeClr val="accent1"/>
-            </a:effectRef>
-            <a:fontRef idx="minor">
-              <a:schemeClr val="lt1"/>
-            </a:fontRef>
-          </p:style>
-          <p:txBody>
-            <a:bodyPr rtlCol="0" anchor="ctr"/>
-            <a:lstStyle/>
-            <a:p>
-              <a:pPr algn="ctr"/>
-              <a:endParaRPr lang="en-US"/>
-            </a:p>
-          </p:txBody>
-        </p:sp>
-        <p:pic>
-          <p:nvPicPr>
-            <p:cNvPr id="8" name="Picture 7"/>
-            <p:cNvPicPr>
-              <a:picLocks noChangeAspect="1"/>
-            </p:cNvPicPr>
-            <p:nvPr/>
-          </p:nvPicPr>
-          <p:blipFill>
-            <a:blip r:embed="rId3"/>
-            <a:stretch>
-              <a:fillRect/>
-            </a:stretch>
-          </p:blipFill>
-          <p:spPr>
-            <a:xfrm>
-              <a:off x="8311013" y="2283"/>
-              <a:ext cx="832987" cy="832987"/>
-            </a:xfrm>
-            <a:prstGeom prst="rect">
-              <a:avLst/>
-            </a:prstGeom>
-          </p:spPr>
-        </p:pic>
-        <p:sp>
-          <p:nvSpPr>
-            <p:cNvPr id="9" name="TextBox 8"/>
-            <p:cNvSpPr txBox="1"/>
-            <p:nvPr/>
-          </p:nvSpPr>
-          <p:spPr>
-            <a:xfrm>
-              <a:off x="1202040" y="188621"/>
-              <a:ext cx="6983237" cy="461665"/>
-            </a:xfrm>
-            <a:prstGeom prst="rect">
-              <a:avLst/>
-            </a:prstGeom>
-            <a:noFill/>
-          </p:spPr>
-          <p:txBody>
-            <a:bodyPr wrap="square" rtlCol="0">
-              <a:spAutoFit/>
-            </a:bodyPr>
-            <a:lstStyle/>
-            <a:p>
-              <a:pPr algn="ctr"/>
-              <a:r>
-                <a:rPr lang="en-US" sz="2400" dirty="0" smtClean="0">
-                  <a:solidFill>
-                    <a:srgbClr val="FFFFFF"/>
-                  </a:solidFill>
-                  <a:latin typeface="Candara"/>
-                  <a:cs typeface="Candara"/>
-                </a:rPr>
-                <a:t>Prune Feasible Tracks</a:t>
-              </a:r>
-              <a:endParaRPr lang="en-US" sz="2400" dirty="0">
-                <a:solidFill>
-                  <a:srgbClr val="FFFFFF"/>
-                </a:solidFill>
-                <a:latin typeface="Candara"/>
-                <a:cs typeface="Candara"/>
-              </a:endParaRPr>
-            </a:p>
-          </p:txBody>
-        </p:sp>
-      </p:grpSp>
-      <p:sp>
-        <p:nvSpPr>
-          <p:cNvPr id="10" name="Oval 9"/>
-          <p:cNvSpPr/>
-          <p:nvPr/>
-        </p:nvSpPr>
-        <p:spPr>
-          <a:xfrm>
-            <a:off x="1016000" y="2451100"/>
-            <a:ext cx="279400" cy="279400"/>
-          </a:xfrm>
-          <a:prstGeom prst="ellipse">
-            <a:avLst/>
-          </a:prstGeom>
-          <a:ln>
-            <a:noFill/>
-          </a:ln>
-        </p:spPr>
-        <p:style>
-          <a:lnRef idx="1">
-            <a:schemeClr val="accent1"/>
-          </a:lnRef>
-          <a:fillRef idx="3">
-            <a:schemeClr val="accent1"/>
-          </a:fillRef>
-          <a:effectRef idx="2">
-            <a:schemeClr val="accent1"/>
-          </a:effectRef>
-          <a:fontRef idx="minor">
-            <a:schemeClr val="lt1"/>
-          </a:fontRef>
-        </p:style>
-        <p:txBody>
-          <a:bodyPr rtlCol="0" anchor="ctr"/>
-          <a:lstStyle/>
-          <a:p>
-            <a:pPr algn="ctr"/>
-            <a:endParaRPr lang="en-US"/>
-          </a:p>
-        </p:txBody>
-      </p:sp>
-      <p:sp>
-        <p:nvSpPr>
-          <p:cNvPr id="11" name="Oval 10"/>
-          <p:cNvSpPr/>
-          <p:nvPr/>
-        </p:nvSpPr>
-        <p:spPr>
-          <a:xfrm>
-            <a:off x="1803400" y="4203700"/>
-            <a:ext cx="279400" cy="279400"/>
-          </a:xfrm>
-          <a:prstGeom prst="ellipse">
-            <a:avLst/>
-          </a:prstGeom>
-          <a:ln>
-            <a:noFill/>
-          </a:ln>
-        </p:spPr>
-        <p:style>
-          <a:lnRef idx="1">
-            <a:schemeClr val="accent1"/>
-          </a:lnRef>
-          <a:fillRef idx="3">
-            <a:schemeClr val="accent1"/>
-          </a:fillRef>
-          <a:effectRef idx="2">
-            <a:schemeClr val="accent1"/>
-          </a:effectRef>
-          <a:fontRef idx="minor">
-            <a:schemeClr val="lt1"/>
-          </a:fontRef>
-        </p:style>
-        <p:txBody>
-          <a:bodyPr rtlCol="0" anchor="ctr"/>
-          <a:lstStyle/>
-          <a:p>
-            <a:pPr algn="ctr"/>
-            <a:endParaRPr lang="en-US"/>
-          </a:p>
-        </p:txBody>
-      </p:sp>
-      <p:sp>
-        <p:nvSpPr>
-          <p:cNvPr id="12" name="Oval 11"/>
-          <p:cNvSpPr/>
-          <p:nvPr/>
-        </p:nvSpPr>
-        <p:spPr>
-          <a:xfrm>
-            <a:off x="1460500" y="2171700"/>
-            <a:ext cx="279400" cy="279400"/>
-          </a:xfrm>
-          <a:prstGeom prst="ellipse">
-            <a:avLst/>
-          </a:prstGeom>
-          <a:solidFill>
-            <a:srgbClr val="C0504D"/>
-          </a:solidFill>
-          <a:ln>
-            <a:noFill/>
-          </a:ln>
-        </p:spPr>
-        <p:style>
-          <a:lnRef idx="1">
-            <a:schemeClr val="accent1"/>
-          </a:lnRef>
-          <a:fillRef idx="3">
-            <a:schemeClr val="accent1"/>
-          </a:fillRef>
-          <a:effectRef idx="2">
-            <a:schemeClr val="accent1"/>
-          </a:effectRef>
-          <a:fontRef idx="minor">
-            <a:schemeClr val="lt1"/>
-          </a:fontRef>
-        </p:style>
-        <p:txBody>
-          <a:bodyPr rtlCol="0" anchor="ctr"/>
-          <a:lstStyle/>
-          <a:p>
-            <a:pPr algn="ctr"/>
-            <a:endParaRPr lang="en-US"/>
-          </a:p>
-        </p:txBody>
-      </p:sp>
-      <p:sp>
-        <p:nvSpPr>
-          <p:cNvPr id="13" name="Oval 12"/>
-          <p:cNvSpPr/>
-          <p:nvPr/>
-        </p:nvSpPr>
-        <p:spPr>
-          <a:xfrm>
-            <a:off x="4419600" y="3327400"/>
-            <a:ext cx="279400" cy="279400"/>
-          </a:xfrm>
-          <a:prstGeom prst="ellipse">
-            <a:avLst/>
-          </a:prstGeom>
-          <a:solidFill>
-            <a:srgbClr val="C0504D"/>
-          </a:solidFill>
-          <a:ln>
-            <a:noFill/>
-          </a:ln>
-        </p:spPr>
-        <p:style>
-          <a:lnRef idx="1">
-            <a:schemeClr val="accent1"/>
-          </a:lnRef>
-          <a:fillRef idx="3">
-            <a:schemeClr val="accent1"/>
-          </a:fillRef>
-          <a:effectRef idx="2">
-            <a:schemeClr val="accent1"/>
-          </a:effectRef>
-          <a:fontRef idx="minor">
-            <a:schemeClr val="lt1"/>
-          </a:fontRef>
-        </p:style>
-        <p:txBody>
-          <a:bodyPr rtlCol="0" anchor="ctr"/>
-          <a:lstStyle/>
-          <a:p>
-            <a:pPr algn="ctr"/>
-            <a:endParaRPr lang="en-US"/>
-          </a:p>
-        </p:txBody>
-      </p:sp>
-      <p:sp>
-        <p:nvSpPr>
-          <p:cNvPr id="14" name="Oval 13"/>
-          <p:cNvSpPr/>
-          <p:nvPr/>
-        </p:nvSpPr>
-        <p:spPr>
-          <a:xfrm>
-            <a:off x="2082800" y="4686300"/>
-            <a:ext cx="279400" cy="279400"/>
-          </a:xfrm>
-          <a:prstGeom prst="ellipse">
-            <a:avLst/>
-          </a:prstGeom>
-          <a:solidFill>
-            <a:srgbClr val="C0504D"/>
-          </a:solidFill>
-          <a:ln>
-            <a:noFill/>
-          </a:ln>
-        </p:spPr>
-        <p:style>
-          <a:lnRef idx="1">
-            <a:schemeClr val="accent1"/>
-          </a:lnRef>
-          <a:fillRef idx="3">
-            <a:schemeClr val="accent1"/>
-          </a:fillRef>
-          <a:effectRef idx="2">
-            <a:schemeClr val="accent1"/>
-          </a:effectRef>
-          <a:fontRef idx="minor">
-            <a:schemeClr val="lt1"/>
-          </a:fontRef>
-        </p:style>
-        <p:txBody>
-          <a:bodyPr rtlCol="0" anchor="ctr"/>
-          <a:lstStyle/>
-          <a:p>
-            <a:pPr algn="ctr"/>
-            <a:endParaRPr lang="en-US"/>
-          </a:p>
-        </p:txBody>
-      </p:sp>
-      <p:sp>
-        <p:nvSpPr>
-          <p:cNvPr id="15" name="Oval 14"/>
-          <p:cNvSpPr/>
-          <p:nvPr/>
-        </p:nvSpPr>
-        <p:spPr>
-          <a:xfrm>
-            <a:off x="736600" y="3606800"/>
-            <a:ext cx="279400" cy="279400"/>
-          </a:xfrm>
-          <a:prstGeom prst="ellipse">
-            <a:avLst/>
-          </a:prstGeom>
-          <a:solidFill>
-            <a:srgbClr val="C0504D"/>
-          </a:solidFill>
-          <a:ln>
-            <a:noFill/>
-          </a:ln>
-        </p:spPr>
-        <p:style>
-          <a:lnRef idx="1">
-            <a:schemeClr val="accent1"/>
-          </a:lnRef>
-          <a:fillRef idx="3">
-            <a:schemeClr val="accent1"/>
-          </a:fillRef>
-          <a:effectRef idx="2">
-            <a:schemeClr val="accent1"/>
-          </a:effectRef>
-          <a:fontRef idx="minor">
-            <a:schemeClr val="lt1"/>
-          </a:fontRef>
-        </p:style>
-        <p:txBody>
-          <a:bodyPr rtlCol="0" anchor="ctr"/>
-          <a:lstStyle/>
-          <a:p>
-            <a:pPr algn="ctr"/>
-            <a:endParaRPr lang="en-US">
-              <a:solidFill>
-                <a:srgbClr val="FF0000"/>
-              </a:solidFill>
-            </a:endParaRPr>
-          </a:p>
-        </p:txBody>
-      </p:sp>
-      <p:sp>
-        <p:nvSpPr>
-          <p:cNvPr id="16" name="Oval 15"/>
-          <p:cNvSpPr/>
-          <p:nvPr/>
-        </p:nvSpPr>
-        <p:spPr>
-          <a:xfrm>
-            <a:off x="3365500" y="5753100"/>
-            <a:ext cx="279400" cy="279400"/>
-          </a:xfrm>
-          <a:prstGeom prst="ellipse">
-            <a:avLst/>
-          </a:prstGeom>
-          <a:solidFill>
-            <a:srgbClr val="C0504D"/>
-          </a:solidFill>
-          <a:ln>
-            <a:noFill/>
-          </a:ln>
-        </p:spPr>
-        <p:style>
-          <a:lnRef idx="1">
-            <a:schemeClr val="accent1"/>
-          </a:lnRef>
-          <a:fillRef idx="3">
-            <a:schemeClr val="accent1"/>
-          </a:fillRef>
-          <a:effectRef idx="2">
-            <a:schemeClr val="accent1"/>
-          </a:effectRef>
-          <a:fontRef idx="minor">
-            <a:schemeClr val="lt1"/>
-          </a:fontRef>
-        </p:style>
-        <p:txBody>
-          <a:bodyPr rtlCol="0" anchor="ctr"/>
-          <a:lstStyle/>
-          <a:p>
-            <a:pPr algn="ctr"/>
-            <a:endParaRPr lang="en-US"/>
-          </a:p>
-        </p:txBody>
-      </p:sp>
-      <p:sp>
-        <p:nvSpPr>
-          <p:cNvPr id="17" name="Oval 16"/>
-          <p:cNvSpPr/>
-          <p:nvPr/>
-        </p:nvSpPr>
-        <p:spPr>
-          <a:xfrm>
-            <a:off x="3644900" y="1727200"/>
-            <a:ext cx="279400" cy="279400"/>
-          </a:xfrm>
-          <a:prstGeom prst="ellipse">
-            <a:avLst/>
-          </a:prstGeom>
-          <a:solidFill>
-            <a:srgbClr val="C0504D"/>
-          </a:solidFill>
-          <a:ln>
-            <a:noFill/>
-          </a:ln>
-        </p:spPr>
-        <p:style>
-          <a:lnRef idx="1">
-            <a:schemeClr val="accent1"/>
-          </a:lnRef>
-          <a:fillRef idx="3">
-            <a:schemeClr val="accent1"/>
-          </a:fillRef>
-          <a:effectRef idx="2">
-            <a:schemeClr val="accent1"/>
-          </a:effectRef>
-          <a:fontRef idx="minor">
-            <a:schemeClr val="lt1"/>
-          </a:fontRef>
-        </p:style>
-        <p:txBody>
-          <a:bodyPr rtlCol="0" anchor="ctr"/>
-          <a:lstStyle/>
-          <a:p>
-            <a:pPr algn="ctr"/>
-            <a:endParaRPr lang="en-US"/>
-          </a:p>
-        </p:txBody>
-      </p:sp>
-      <p:sp>
-        <p:nvSpPr>
-          <p:cNvPr id="18" name="Oval 17"/>
-          <p:cNvSpPr/>
-          <p:nvPr/>
-        </p:nvSpPr>
-        <p:spPr>
-          <a:xfrm>
-            <a:off x="4902200" y="5892800"/>
-            <a:ext cx="279400" cy="279400"/>
-          </a:xfrm>
-          <a:prstGeom prst="ellipse">
-            <a:avLst/>
-          </a:prstGeom>
-          <a:solidFill>
-            <a:srgbClr val="C0504D"/>
-          </a:solidFill>
-          <a:ln>
-            <a:noFill/>
-          </a:ln>
-        </p:spPr>
-        <p:style>
-          <a:lnRef idx="1">
-            <a:schemeClr val="accent1"/>
-          </a:lnRef>
-          <a:fillRef idx="3">
-            <a:schemeClr val="accent1"/>
-          </a:fillRef>
-          <a:effectRef idx="2">
-            <a:schemeClr val="accent1"/>
-          </a:effectRef>
-          <a:fontRef idx="minor">
-            <a:schemeClr val="lt1"/>
-          </a:fontRef>
-        </p:style>
-        <p:txBody>
-          <a:bodyPr rtlCol="0" anchor="ctr"/>
-          <a:lstStyle/>
-          <a:p>
-            <a:pPr algn="ctr"/>
-            <a:endParaRPr lang="en-US"/>
-          </a:p>
-        </p:txBody>
-      </p:sp>
-      <p:sp>
-        <p:nvSpPr>
-          <p:cNvPr id="19" name="Oval 18"/>
-          <p:cNvSpPr/>
-          <p:nvPr/>
-        </p:nvSpPr>
-        <p:spPr>
-          <a:xfrm>
-            <a:off x="2670519" y="4546600"/>
-            <a:ext cx="279400" cy="279400"/>
-          </a:xfrm>
-          <a:prstGeom prst="ellipse">
-            <a:avLst/>
-          </a:prstGeom>
-          <a:solidFill>
-            <a:srgbClr val="008000"/>
-          </a:solidFill>
-          <a:ln>
-            <a:noFill/>
-          </a:ln>
-        </p:spPr>
-        <p:style>
-          <a:lnRef idx="1">
-            <a:schemeClr val="accent1"/>
-          </a:lnRef>
-          <a:fillRef idx="3">
-            <a:schemeClr val="accent1"/>
-          </a:fillRef>
-          <a:effectRef idx="2">
-            <a:schemeClr val="accent1"/>
-          </a:effectRef>
-          <a:fontRef idx="minor">
-            <a:schemeClr val="lt1"/>
-          </a:fontRef>
-        </p:style>
-        <p:txBody>
-          <a:bodyPr rtlCol="0" anchor="ctr"/>
-          <a:lstStyle/>
-          <a:p>
-            <a:pPr algn="ctr"/>
-            <a:endParaRPr lang="en-US"/>
-          </a:p>
-        </p:txBody>
-      </p:sp>
-      <p:sp>
-        <p:nvSpPr>
-          <p:cNvPr id="20" name="Oval 19"/>
-          <p:cNvSpPr/>
-          <p:nvPr/>
-        </p:nvSpPr>
-        <p:spPr>
-          <a:xfrm>
-            <a:off x="6755298" y="1447800"/>
-            <a:ext cx="279400" cy="279400"/>
-          </a:xfrm>
-          <a:prstGeom prst="ellipse">
-            <a:avLst/>
-          </a:prstGeom>
-          <a:solidFill>
-            <a:srgbClr val="008000"/>
-          </a:solidFill>
-          <a:ln>
-            <a:noFill/>
-          </a:ln>
-        </p:spPr>
-        <p:style>
-          <a:lnRef idx="1">
-            <a:schemeClr val="accent1"/>
-          </a:lnRef>
-          <a:fillRef idx="3">
-            <a:schemeClr val="accent1"/>
-          </a:fillRef>
-          <a:effectRef idx="2">
-            <a:schemeClr val="accent1"/>
-          </a:effectRef>
-          <a:fontRef idx="minor">
-            <a:schemeClr val="lt1"/>
-          </a:fontRef>
-        </p:style>
-        <p:txBody>
-          <a:bodyPr rtlCol="0" anchor="ctr"/>
-          <a:lstStyle/>
-          <a:p>
-            <a:pPr algn="ctr"/>
-            <a:endParaRPr lang="en-US"/>
-          </a:p>
-        </p:txBody>
-      </p:sp>
-      <p:sp>
-        <p:nvSpPr>
-          <p:cNvPr id="21" name="Oval 20"/>
-          <p:cNvSpPr/>
-          <p:nvPr/>
-        </p:nvSpPr>
-        <p:spPr>
-          <a:xfrm>
-            <a:off x="7274068" y="3327400"/>
-            <a:ext cx="279400" cy="279400"/>
-          </a:xfrm>
-          <a:prstGeom prst="ellipse">
-            <a:avLst/>
-          </a:prstGeom>
-          <a:solidFill>
-            <a:srgbClr val="008000"/>
-          </a:solidFill>
-          <a:ln>
-            <a:noFill/>
-          </a:ln>
-        </p:spPr>
-        <p:style>
-          <a:lnRef idx="1">
-            <a:schemeClr val="accent1"/>
-          </a:lnRef>
-          <a:fillRef idx="3">
-            <a:schemeClr val="accent1"/>
-          </a:fillRef>
-          <a:effectRef idx="2">
-            <a:schemeClr val="accent1"/>
-          </a:effectRef>
-          <a:fontRef idx="minor">
-            <a:schemeClr val="lt1"/>
-          </a:fontRef>
-        </p:style>
-        <p:txBody>
-          <a:bodyPr rtlCol="0" anchor="ctr"/>
-          <a:lstStyle/>
-          <a:p>
-            <a:pPr algn="ctr"/>
-            <a:endParaRPr lang="en-US"/>
-          </a:p>
-        </p:txBody>
-      </p:sp>
-      <p:sp>
-        <p:nvSpPr>
-          <p:cNvPr id="22" name="Oval 21"/>
-          <p:cNvSpPr/>
-          <p:nvPr/>
-        </p:nvSpPr>
-        <p:spPr>
-          <a:xfrm>
-            <a:off x="221180" y="5373008"/>
-            <a:ext cx="279400" cy="279400"/>
-          </a:xfrm>
-          <a:prstGeom prst="ellipse">
-            <a:avLst/>
-          </a:prstGeom>
-          <a:solidFill>
-            <a:srgbClr val="008000"/>
-          </a:solidFill>
-          <a:ln>
-            <a:noFill/>
-          </a:ln>
-        </p:spPr>
-        <p:style>
-          <a:lnRef idx="1">
-            <a:schemeClr val="accent1"/>
-          </a:lnRef>
-          <a:fillRef idx="3">
-            <a:schemeClr val="accent1"/>
-          </a:fillRef>
-          <a:effectRef idx="2">
-            <a:schemeClr val="accent1"/>
-          </a:effectRef>
-          <a:fontRef idx="minor">
-            <a:schemeClr val="lt1"/>
-          </a:fontRef>
-        </p:style>
-        <p:txBody>
-          <a:bodyPr rtlCol="0" anchor="ctr"/>
-          <a:lstStyle/>
-          <a:p>
-            <a:pPr algn="ctr"/>
-            <a:endParaRPr lang="en-US"/>
-          </a:p>
-        </p:txBody>
-      </p:sp>
-      <p:sp>
-        <p:nvSpPr>
-          <p:cNvPr id="23" name="Oval 22"/>
-          <p:cNvSpPr/>
-          <p:nvPr/>
-        </p:nvSpPr>
-        <p:spPr>
-          <a:xfrm>
-            <a:off x="5539405" y="2324100"/>
-            <a:ext cx="279400" cy="279400"/>
-          </a:xfrm>
-          <a:prstGeom prst="ellipse">
-            <a:avLst/>
-          </a:prstGeom>
-          <a:solidFill>
-            <a:srgbClr val="008000"/>
-          </a:solidFill>
-          <a:ln>
-            <a:noFill/>
-          </a:ln>
-        </p:spPr>
-        <p:style>
-          <a:lnRef idx="1">
-            <a:schemeClr val="accent1"/>
-          </a:lnRef>
-          <a:fillRef idx="3">
-            <a:schemeClr val="accent1"/>
-          </a:fillRef>
-          <a:effectRef idx="2">
-            <a:schemeClr val="accent1"/>
-          </a:effectRef>
-          <a:fontRef idx="minor">
-            <a:schemeClr val="lt1"/>
-          </a:fontRef>
-        </p:style>
-        <p:txBody>
-          <a:bodyPr rtlCol="0" anchor="ctr"/>
-          <a:lstStyle/>
-          <a:p>
-            <a:pPr algn="ctr"/>
-            <a:endParaRPr lang="en-US"/>
-          </a:p>
-        </p:txBody>
-      </p:sp>
-      <p:sp>
-        <p:nvSpPr>
-          <p:cNvPr id="24" name="Oval 23"/>
-          <p:cNvSpPr/>
-          <p:nvPr/>
-        </p:nvSpPr>
-        <p:spPr>
-          <a:xfrm>
-            <a:off x="5972689" y="4826000"/>
-            <a:ext cx="279400" cy="279400"/>
-          </a:xfrm>
-          <a:prstGeom prst="ellipse">
-            <a:avLst/>
-          </a:prstGeom>
-          <a:solidFill>
-            <a:srgbClr val="008000"/>
-          </a:solidFill>
-          <a:ln>
-            <a:noFill/>
-          </a:ln>
-        </p:spPr>
-        <p:style>
-          <a:lnRef idx="1">
-            <a:schemeClr val="accent1"/>
-          </a:lnRef>
-          <a:fillRef idx="3">
-            <a:schemeClr val="accent1"/>
-          </a:fillRef>
-          <a:effectRef idx="2">
-            <a:schemeClr val="accent1"/>
-          </a:effectRef>
-          <a:fontRef idx="minor">
-            <a:schemeClr val="lt1"/>
-          </a:fontRef>
-        </p:style>
-        <p:txBody>
-          <a:bodyPr rtlCol="0" anchor="ctr"/>
-          <a:lstStyle/>
-          <a:p>
-            <a:pPr algn="ctr"/>
-            <a:endParaRPr lang="en-US"/>
-          </a:p>
-        </p:txBody>
-      </p:sp>
-      <p:sp>
-        <p:nvSpPr>
-          <p:cNvPr id="25" name="Oval 24"/>
-          <p:cNvSpPr/>
-          <p:nvPr/>
-        </p:nvSpPr>
-        <p:spPr>
-          <a:xfrm>
-            <a:off x="2033315" y="2171700"/>
-            <a:ext cx="279400" cy="279400"/>
-          </a:xfrm>
-          <a:prstGeom prst="ellipse">
-            <a:avLst/>
-          </a:prstGeom>
-          <a:solidFill>
-            <a:srgbClr val="008000"/>
-          </a:solidFill>
-          <a:ln>
-            <a:noFill/>
-          </a:ln>
-        </p:spPr>
-        <p:style>
-          <a:lnRef idx="1">
-            <a:schemeClr val="accent1"/>
-          </a:lnRef>
-          <a:fillRef idx="3">
-            <a:schemeClr val="accent1"/>
-          </a:fillRef>
-          <a:effectRef idx="2">
-            <a:schemeClr val="accent1"/>
-          </a:effectRef>
-          <a:fontRef idx="minor">
-            <a:schemeClr val="lt1"/>
-          </a:fontRef>
-        </p:style>
-        <p:txBody>
-          <a:bodyPr rtlCol="0" anchor="ctr"/>
-          <a:lstStyle/>
-          <a:p>
-            <a:pPr algn="ctr"/>
-            <a:endParaRPr lang="en-US"/>
-          </a:p>
-        </p:txBody>
-      </p:sp>
-      <p:sp>
-        <p:nvSpPr>
-          <p:cNvPr id="26" name="Oval 25"/>
-          <p:cNvSpPr/>
-          <p:nvPr/>
-        </p:nvSpPr>
-        <p:spPr>
-          <a:xfrm>
-            <a:off x="2235200" y="5233308"/>
-            <a:ext cx="279400" cy="279400"/>
-          </a:xfrm>
-          <a:prstGeom prst="ellipse">
-            <a:avLst/>
-          </a:prstGeom>
-          <a:solidFill>
-            <a:srgbClr val="008000"/>
-          </a:solidFill>
-          <a:ln>
-            <a:noFill/>
-          </a:ln>
-        </p:spPr>
-        <p:style>
-          <a:lnRef idx="1">
-            <a:schemeClr val="accent1"/>
-          </a:lnRef>
-          <a:fillRef idx="3">
-            <a:schemeClr val="accent1"/>
-          </a:fillRef>
-          <a:effectRef idx="2">
-            <a:schemeClr val="accent1"/>
-          </a:effectRef>
-          <a:fontRef idx="minor">
-            <a:schemeClr val="lt1"/>
-          </a:fontRef>
-        </p:style>
-        <p:txBody>
-          <a:bodyPr rtlCol="0" anchor="ctr"/>
-          <a:lstStyle/>
-          <a:p>
-            <a:pPr algn="ctr"/>
-            <a:endParaRPr lang="en-US"/>
-          </a:p>
-        </p:txBody>
-      </p:sp>
-      <p:sp>
-        <p:nvSpPr>
-          <p:cNvPr id="27" name="Oval 26"/>
-          <p:cNvSpPr/>
-          <p:nvPr/>
-        </p:nvSpPr>
-        <p:spPr>
-          <a:xfrm>
-            <a:off x="2120900" y="5716176"/>
-            <a:ext cx="279400" cy="279400"/>
-          </a:xfrm>
-          <a:prstGeom prst="ellipse">
-            <a:avLst/>
-          </a:prstGeom>
-          <a:solidFill>
-            <a:srgbClr val="000000"/>
-          </a:solidFill>
-          <a:ln>
-            <a:noFill/>
-          </a:ln>
-        </p:spPr>
-        <p:style>
-          <a:lnRef idx="1">
-            <a:schemeClr val="accent1"/>
-          </a:lnRef>
-          <a:fillRef idx="3">
-            <a:schemeClr val="accent1"/>
-          </a:fillRef>
-          <a:effectRef idx="2">
-            <a:schemeClr val="accent1"/>
-          </a:effectRef>
-          <a:fontRef idx="minor">
-            <a:schemeClr val="lt1"/>
-          </a:fontRef>
-        </p:style>
-        <p:txBody>
-          <a:bodyPr rtlCol="0" anchor="ctr"/>
-          <a:lstStyle/>
-          <a:p>
-            <a:pPr algn="ctr"/>
-            <a:endParaRPr lang="en-US"/>
-          </a:p>
-        </p:txBody>
-      </p:sp>
-      <p:sp>
-        <p:nvSpPr>
-          <p:cNvPr id="28" name="Oval 27"/>
-          <p:cNvSpPr/>
-          <p:nvPr/>
-        </p:nvSpPr>
-        <p:spPr>
-          <a:xfrm>
-            <a:off x="525344" y="1727200"/>
-            <a:ext cx="279400" cy="279400"/>
-          </a:xfrm>
-          <a:prstGeom prst="ellipse">
-            <a:avLst/>
-          </a:prstGeom>
-          <a:solidFill>
-            <a:schemeClr val="tx1"/>
-          </a:solidFill>
-          <a:ln>
-            <a:noFill/>
-          </a:ln>
-        </p:spPr>
-        <p:style>
-          <a:lnRef idx="1">
-            <a:schemeClr val="accent1"/>
-          </a:lnRef>
-          <a:fillRef idx="3">
-            <a:schemeClr val="accent1"/>
-          </a:fillRef>
-          <a:effectRef idx="2">
-            <a:schemeClr val="accent1"/>
-          </a:effectRef>
-          <a:fontRef idx="minor">
-            <a:schemeClr val="lt1"/>
-          </a:fontRef>
-        </p:style>
-        <p:txBody>
-          <a:bodyPr rtlCol="0" anchor="ctr"/>
-          <a:lstStyle/>
-          <a:p>
-            <a:pPr algn="ctr"/>
-            <a:endParaRPr lang="en-US"/>
-          </a:p>
-        </p:txBody>
-      </p:sp>
-      <p:sp>
-        <p:nvSpPr>
-          <p:cNvPr id="29" name="Oval 28"/>
-          <p:cNvSpPr/>
-          <p:nvPr/>
-        </p:nvSpPr>
-        <p:spPr>
-          <a:xfrm>
-            <a:off x="596900" y="5995576"/>
-            <a:ext cx="279400" cy="279400"/>
-          </a:xfrm>
-          <a:prstGeom prst="ellipse">
-            <a:avLst/>
-          </a:prstGeom>
-          <a:solidFill>
-            <a:srgbClr val="000000"/>
-          </a:solidFill>
-          <a:ln>
-            <a:noFill/>
-          </a:ln>
-        </p:spPr>
-        <p:style>
-          <a:lnRef idx="1">
-            <a:schemeClr val="accent1"/>
-          </a:lnRef>
-          <a:fillRef idx="3">
-            <a:schemeClr val="accent1"/>
-          </a:fillRef>
-          <a:effectRef idx="2">
-            <a:schemeClr val="accent1"/>
-          </a:effectRef>
-          <a:fontRef idx="minor">
-            <a:schemeClr val="lt1"/>
-          </a:fontRef>
-        </p:style>
-        <p:txBody>
-          <a:bodyPr rtlCol="0" anchor="ctr"/>
-          <a:lstStyle/>
-          <a:p>
-            <a:pPr algn="ctr"/>
-            <a:endParaRPr lang="en-US"/>
-          </a:p>
-        </p:txBody>
-      </p:sp>
-      <p:sp>
-        <p:nvSpPr>
-          <p:cNvPr id="30" name="Oval 29"/>
-          <p:cNvSpPr/>
-          <p:nvPr/>
-        </p:nvSpPr>
-        <p:spPr>
-          <a:xfrm>
-            <a:off x="2530819" y="2006600"/>
-            <a:ext cx="279400" cy="279400"/>
-          </a:xfrm>
-          <a:prstGeom prst="ellipse">
-            <a:avLst/>
-          </a:prstGeom>
-          <a:solidFill>
-            <a:srgbClr val="000000"/>
-          </a:solidFill>
-          <a:ln>
-            <a:noFill/>
-          </a:ln>
-        </p:spPr>
-        <p:style>
-          <a:lnRef idx="1">
-            <a:schemeClr val="accent1"/>
-          </a:lnRef>
-          <a:fillRef idx="3">
-            <a:schemeClr val="accent1"/>
-          </a:fillRef>
-          <a:effectRef idx="2">
-            <a:schemeClr val="accent1"/>
-          </a:effectRef>
-          <a:fontRef idx="minor">
-            <a:schemeClr val="lt1"/>
-          </a:fontRef>
-        </p:style>
-        <p:txBody>
-          <a:bodyPr rtlCol="0" anchor="ctr"/>
-          <a:lstStyle/>
-          <a:p>
-            <a:pPr algn="ctr"/>
-            <a:endParaRPr lang="en-US"/>
-          </a:p>
-        </p:txBody>
-      </p:sp>
-      <p:sp>
-        <p:nvSpPr>
-          <p:cNvPr id="31" name="Oval 30"/>
-          <p:cNvSpPr/>
-          <p:nvPr/>
-        </p:nvSpPr>
-        <p:spPr>
-          <a:xfrm>
-            <a:off x="5832989" y="3467100"/>
-            <a:ext cx="279400" cy="279400"/>
-          </a:xfrm>
-          <a:prstGeom prst="ellipse">
-            <a:avLst/>
-          </a:prstGeom>
-          <a:solidFill>
-            <a:srgbClr val="000000"/>
-          </a:solidFill>
-          <a:ln>
-            <a:noFill/>
-          </a:ln>
-        </p:spPr>
-        <p:style>
-          <a:lnRef idx="1">
-            <a:schemeClr val="accent1"/>
-          </a:lnRef>
-          <a:fillRef idx="3">
-            <a:schemeClr val="accent1"/>
-          </a:fillRef>
-          <a:effectRef idx="2">
-            <a:schemeClr val="accent1"/>
-          </a:effectRef>
-          <a:fontRef idx="minor">
-            <a:schemeClr val="lt1"/>
-          </a:fontRef>
-        </p:style>
-        <p:txBody>
-          <a:bodyPr rtlCol="0" anchor="ctr"/>
-          <a:lstStyle/>
-          <a:p>
-            <a:pPr algn="ctr"/>
-            <a:endParaRPr lang="en-US"/>
-          </a:p>
-        </p:txBody>
-      </p:sp>
-      <p:sp>
-        <p:nvSpPr>
-          <p:cNvPr id="32" name="Oval 31"/>
-          <p:cNvSpPr/>
-          <p:nvPr/>
-        </p:nvSpPr>
-        <p:spPr>
-          <a:xfrm>
-            <a:off x="3410363" y="2900015"/>
-            <a:ext cx="279400" cy="279400"/>
-          </a:xfrm>
-          <a:prstGeom prst="ellipse">
-            <a:avLst/>
-          </a:prstGeom>
-          <a:solidFill>
-            <a:srgbClr val="000000"/>
-          </a:solidFill>
-          <a:ln>
-            <a:noFill/>
-          </a:ln>
-        </p:spPr>
-        <p:style>
-          <a:lnRef idx="1">
-            <a:schemeClr val="accent1"/>
-          </a:lnRef>
-          <a:fillRef idx="3">
-            <a:schemeClr val="accent1"/>
-          </a:fillRef>
-          <a:effectRef idx="2">
-            <a:schemeClr val="accent1"/>
-          </a:effectRef>
-          <a:fontRef idx="minor">
-            <a:schemeClr val="lt1"/>
-          </a:fontRef>
-        </p:style>
-        <p:txBody>
-          <a:bodyPr rtlCol="0" anchor="ctr"/>
-          <a:lstStyle/>
-          <a:p>
-            <a:pPr algn="ctr"/>
-            <a:endParaRPr lang="en-US"/>
-          </a:p>
-        </p:txBody>
-      </p:sp>
-      <p:sp>
-        <p:nvSpPr>
-          <p:cNvPr id="33" name="Oval 32"/>
-          <p:cNvSpPr/>
-          <p:nvPr/>
-        </p:nvSpPr>
-        <p:spPr>
-          <a:xfrm>
-            <a:off x="6748259" y="6032500"/>
-            <a:ext cx="279400" cy="279400"/>
-          </a:xfrm>
-          <a:prstGeom prst="ellipse">
-            <a:avLst/>
-          </a:prstGeom>
-          <a:solidFill>
-            <a:srgbClr val="000000"/>
-          </a:solidFill>
-          <a:ln>
-            <a:noFill/>
-          </a:ln>
-        </p:spPr>
-        <p:style>
-          <a:lnRef idx="1">
-            <a:schemeClr val="accent1"/>
-          </a:lnRef>
-          <a:fillRef idx="3">
-            <a:schemeClr val="accent1"/>
-          </a:fillRef>
-          <a:effectRef idx="2">
-            <a:schemeClr val="accent1"/>
-          </a:effectRef>
-          <a:fontRef idx="minor">
-            <a:schemeClr val="lt1"/>
-          </a:fontRef>
-        </p:style>
-        <p:txBody>
-          <a:bodyPr rtlCol="0" anchor="ctr"/>
-          <a:lstStyle/>
-          <a:p>
-            <a:pPr algn="ctr"/>
-            <a:endParaRPr lang="en-US"/>
-          </a:p>
-        </p:txBody>
-      </p:sp>
-      <p:sp>
-        <p:nvSpPr>
-          <p:cNvPr id="34" name="Oval 33"/>
-          <p:cNvSpPr/>
-          <p:nvPr/>
-        </p:nvSpPr>
-        <p:spPr>
-          <a:xfrm>
-            <a:off x="4418413" y="4630375"/>
-            <a:ext cx="279400" cy="279400"/>
-          </a:xfrm>
-          <a:prstGeom prst="ellipse">
-            <a:avLst/>
-          </a:prstGeom>
-          <a:solidFill>
-            <a:srgbClr val="000000"/>
-          </a:solidFill>
-          <a:ln>
-            <a:noFill/>
-          </a:ln>
-        </p:spPr>
-        <p:style>
-          <a:lnRef idx="1">
-            <a:schemeClr val="accent1"/>
-          </a:lnRef>
-          <a:fillRef idx="3">
-            <a:schemeClr val="accent1"/>
-          </a:fillRef>
-          <a:effectRef idx="2">
-            <a:schemeClr val="accent1"/>
-          </a:effectRef>
-          <a:fontRef idx="minor">
-            <a:schemeClr val="lt1"/>
-          </a:fontRef>
-        </p:style>
-        <p:txBody>
-          <a:bodyPr rtlCol="0" anchor="ctr"/>
-          <a:lstStyle/>
-          <a:p>
-            <a:pPr algn="ctr"/>
-            <a:endParaRPr lang="en-US"/>
-          </a:p>
-        </p:txBody>
-      </p:sp>
-      <p:cxnSp>
-        <p:nvCxnSpPr>
-          <p:cNvPr id="35" name="Straight Connector 34"/>
-          <p:cNvCxnSpPr/>
-          <p:nvPr/>
-        </p:nvCxnSpPr>
-        <p:spPr>
-          <a:xfrm flipV="1">
-            <a:off x="1151748" y="2324100"/>
-            <a:ext cx="448070" cy="279400"/>
-          </a:xfrm>
-          <a:prstGeom prst="line">
-            <a:avLst/>
-          </a:prstGeom>
-        </p:spPr>
-        <p:style>
-          <a:lnRef idx="2">
-            <a:schemeClr val="accent1"/>
-          </a:lnRef>
-          <a:fillRef idx="0">
-            <a:schemeClr val="accent1"/>
-          </a:fillRef>
-          <a:effectRef idx="1">
-            <a:schemeClr val="accent1"/>
-          </a:effectRef>
-          <a:fontRef idx="minor">
-            <a:schemeClr val="tx1"/>
-          </a:fontRef>
-        </p:style>
-      </p:cxnSp>
-      <p:cxnSp>
-        <p:nvCxnSpPr>
-          <p:cNvPr id="36" name="Straight Connector 35"/>
-          <p:cNvCxnSpPr/>
-          <p:nvPr/>
-        </p:nvCxnSpPr>
-        <p:spPr>
-          <a:xfrm flipV="1">
-            <a:off x="1599818" y="2286000"/>
-            <a:ext cx="521082" cy="38100"/>
-          </a:xfrm>
-          <a:prstGeom prst="line">
-            <a:avLst/>
-          </a:prstGeom>
-        </p:spPr>
-        <p:style>
-          <a:lnRef idx="2">
-            <a:schemeClr val="accent1"/>
-          </a:lnRef>
-          <a:fillRef idx="0">
-            <a:schemeClr val="accent1"/>
-          </a:fillRef>
-          <a:effectRef idx="1">
-            <a:schemeClr val="accent1"/>
-          </a:effectRef>
-          <a:fontRef idx="minor">
-            <a:schemeClr val="tx1"/>
-          </a:fontRef>
-        </p:style>
-      </p:cxnSp>
-      <p:cxnSp>
-        <p:nvCxnSpPr>
-          <p:cNvPr id="37" name="Straight Connector 36"/>
-          <p:cNvCxnSpPr/>
-          <p:nvPr/>
-        </p:nvCxnSpPr>
-        <p:spPr>
-          <a:xfrm flipV="1">
-            <a:off x="2120900" y="2171700"/>
-            <a:ext cx="549619" cy="152400"/>
-          </a:xfrm>
-          <a:prstGeom prst="line">
-            <a:avLst/>
-          </a:prstGeom>
-        </p:spPr>
-        <p:style>
-          <a:lnRef idx="2">
-            <a:schemeClr val="accent1"/>
-          </a:lnRef>
-          <a:fillRef idx="0">
-            <a:schemeClr val="accent1"/>
-          </a:fillRef>
-          <a:effectRef idx="1">
-            <a:schemeClr val="accent1"/>
-          </a:effectRef>
-          <a:fontRef idx="minor">
-            <a:schemeClr val="tx1"/>
-          </a:fontRef>
-        </p:style>
-      </p:cxnSp>
-      <p:cxnSp>
-        <p:nvCxnSpPr>
-          <p:cNvPr id="38" name="Straight Connector 37"/>
-          <p:cNvCxnSpPr/>
-          <p:nvPr/>
-        </p:nvCxnSpPr>
-        <p:spPr>
-          <a:xfrm>
-            <a:off x="1941764" y="4359326"/>
-            <a:ext cx="293436" cy="466674"/>
-          </a:xfrm>
-          <a:prstGeom prst="line">
-            <a:avLst/>
-          </a:prstGeom>
-        </p:spPr>
-        <p:style>
-          <a:lnRef idx="2">
-            <a:schemeClr val="accent1"/>
-          </a:lnRef>
-          <a:fillRef idx="0">
-            <a:schemeClr val="accent1"/>
-          </a:fillRef>
-          <a:effectRef idx="1">
-            <a:schemeClr val="accent1"/>
-          </a:effectRef>
-          <a:fontRef idx="minor">
-            <a:schemeClr val="tx1"/>
-          </a:fontRef>
-        </p:style>
-      </p:cxnSp>
-      <p:cxnSp>
-        <p:nvCxnSpPr>
-          <p:cNvPr id="39" name="Straight Connector 38"/>
-          <p:cNvCxnSpPr/>
-          <p:nvPr/>
-        </p:nvCxnSpPr>
-        <p:spPr>
-          <a:xfrm>
-            <a:off x="2235200" y="4826000"/>
-            <a:ext cx="127000" cy="547008"/>
-          </a:xfrm>
-          <a:prstGeom prst="line">
-            <a:avLst/>
-          </a:prstGeom>
-        </p:spPr>
-        <p:style>
-          <a:lnRef idx="2">
-            <a:schemeClr val="accent1"/>
-          </a:lnRef>
-          <a:fillRef idx="0">
-            <a:schemeClr val="accent1"/>
-          </a:fillRef>
-          <a:effectRef idx="1">
-            <a:schemeClr val="accent1"/>
-          </a:effectRef>
-          <a:fontRef idx="minor">
-            <a:schemeClr val="tx1"/>
-          </a:fontRef>
-        </p:style>
-      </p:cxnSp>
-      <p:cxnSp>
-        <p:nvCxnSpPr>
-          <p:cNvPr id="40" name="Straight Connector 39"/>
-          <p:cNvCxnSpPr/>
-          <p:nvPr/>
-        </p:nvCxnSpPr>
-        <p:spPr>
-          <a:xfrm flipH="1">
-            <a:off x="2235200" y="5373008"/>
-            <a:ext cx="165100" cy="519792"/>
-          </a:xfrm>
-          <a:prstGeom prst="line">
-            <a:avLst/>
-          </a:prstGeom>
-        </p:spPr>
-        <p:style>
-          <a:lnRef idx="2">
-            <a:schemeClr val="accent1"/>
-          </a:lnRef>
-          <a:fillRef idx="0">
-            <a:schemeClr val="accent1"/>
-          </a:fillRef>
-          <a:effectRef idx="1">
-            <a:schemeClr val="accent1"/>
-          </a:effectRef>
-          <a:fontRef idx="minor">
-            <a:schemeClr val="tx1"/>
-          </a:fontRef>
-        </p:style>
-      </p:cxnSp>
-      <p:cxnSp>
-        <p:nvCxnSpPr>
-          <p:cNvPr id="42" name="Straight Connector 41"/>
-          <p:cNvCxnSpPr/>
-          <p:nvPr/>
-        </p:nvCxnSpPr>
-        <p:spPr>
-          <a:xfrm>
-            <a:off x="378583" y="5512708"/>
-            <a:ext cx="358017" cy="659492"/>
-          </a:xfrm>
-          <a:prstGeom prst="line">
-            <a:avLst/>
-          </a:prstGeom>
-        </p:spPr>
-        <p:style>
-          <a:lnRef idx="2">
-            <a:schemeClr val="accent1"/>
-          </a:lnRef>
-          <a:fillRef idx="0">
-            <a:schemeClr val="accent1"/>
-          </a:fillRef>
-          <a:effectRef idx="1">
-            <a:schemeClr val="accent1"/>
-          </a:effectRef>
-          <a:fontRef idx="minor">
-            <a:schemeClr val="tx1"/>
-          </a:fontRef>
-        </p:style>
-      </p:cxnSp>
-      <p:sp>
-        <p:nvSpPr>
-          <p:cNvPr id="53" name="TextBox 52"/>
-          <p:cNvSpPr txBox="1"/>
-          <p:nvPr/>
-        </p:nvSpPr>
-        <p:spPr>
-          <a:xfrm>
-            <a:off x="8487585" y="1111201"/>
-            <a:ext cx="378980" cy="369332"/>
-          </a:xfrm>
-          <a:prstGeom prst="rect">
-            <a:avLst/>
-          </a:prstGeom>
-          <a:noFill/>
-        </p:spPr>
-        <p:txBody>
-          <a:bodyPr wrap="none" rtlCol="0">
-            <a:spAutoFit/>
-          </a:bodyPr>
-          <a:lstStyle/>
-          <a:p>
-            <a:r>
-              <a:rPr lang="en-US" dirty="0" smtClean="0"/>
-              <a:t>t3</a:t>
-            </a:r>
-            <a:endParaRPr lang="en-US" dirty="0"/>
-          </a:p>
-        </p:txBody>
-      </p:sp>
-      <p:cxnSp>
-        <p:nvCxnSpPr>
-          <p:cNvPr id="56" name="Straight Connector 55"/>
-          <p:cNvCxnSpPr/>
-          <p:nvPr/>
-        </p:nvCxnSpPr>
-        <p:spPr>
-          <a:xfrm flipV="1">
-            <a:off x="2235200" y="4686300"/>
-            <a:ext cx="575019" cy="139700"/>
-          </a:xfrm>
-          <a:prstGeom prst="line">
-            <a:avLst/>
-          </a:prstGeom>
-          <a:ln>
-            <a:solidFill>
-              <a:srgbClr val="FF0000"/>
-            </a:solidFill>
-          </a:ln>
-        </p:spPr>
-        <p:style>
-          <a:lnRef idx="2">
-            <a:schemeClr val="accent1"/>
-          </a:lnRef>
-          <a:fillRef idx="0">
-            <a:schemeClr val="accent1"/>
-          </a:fillRef>
-          <a:effectRef idx="1">
-            <a:schemeClr val="accent1"/>
-          </a:effectRef>
-          <a:fontRef idx="minor">
-            <a:schemeClr val="tx1"/>
-          </a:fontRef>
-        </p:style>
-      </p:cxnSp>
-      <p:cxnSp>
-        <p:nvCxnSpPr>
-          <p:cNvPr id="60" name="Straight Arrow Connector 59"/>
-          <p:cNvCxnSpPr/>
-          <p:nvPr/>
-        </p:nvCxnSpPr>
-        <p:spPr>
-          <a:xfrm flipH="1">
-            <a:off x="2530819" y="1330998"/>
-            <a:ext cx="879544" cy="3355302"/>
-          </a:xfrm>
-          <a:prstGeom prst="straightConnector1">
-            <a:avLst/>
-          </a:prstGeom>
-          <a:ln>
-            <a:tailEnd type="arrow"/>
-          </a:ln>
-        </p:spPr>
-        <p:style>
-          <a:lnRef idx="2">
-            <a:schemeClr val="accent1"/>
-          </a:lnRef>
-          <a:fillRef idx="0">
-            <a:schemeClr val="accent1"/>
-          </a:fillRef>
-          <a:effectRef idx="1">
-            <a:schemeClr val="accent1"/>
-          </a:effectRef>
-          <a:fontRef idx="minor">
-            <a:schemeClr val="tx1"/>
-          </a:fontRef>
-        </p:style>
-      </p:cxnSp>
-      <p:sp>
-        <p:nvSpPr>
-          <p:cNvPr id="62" name="TextBox 61"/>
-          <p:cNvSpPr txBox="1"/>
-          <p:nvPr/>
-        </p:nvSpPr>
-        <p:spPr>
-          <a:xfrm>
-            <a:off x="3410363" y="961666"/>
-            <a:ext cx="4969705" cy="369332"/>
-          </a:xfrm>
-          <a:prstGeom prst="rect">
-            <a:avLst/>
-          </a:prstGeom>
-          <a:noFill/>
-        </p:spPr>
-        <p:txBody>
-          <a:bodyPr wrap="none" rtlCol="0">
-            <a:spAutoFit/>
-          </a:bodyPr>
-          <a:lstStyle/>
-          <a:p>
-            <a:r>
-              <a:rPr lang="en-US" dirty="0" smtClean="0"/>
-              <a:t>Track is terminated after no new correlated objects</a:t>
-            </a:r>
-            <a:endParaRPr lang="en-US" dirty="0"/>
-          </a:p>
-        </p:txBody>
-      </p:sp>
-    </p:spTree>
-    <p:extLst>
-      <p:ext uri="{BB962C8B-B14F-4D97-AF65-F5344CB8AC3E}">
-        <p14:creationId xmlns:p14="http://schemas.microsoft.com/office/powerpoint/2010/main" val="807140009"/>
-      </p:ext>
-    </p:extLst>
-  </p:cSld>
-  <p:clrMapOvr>
-    <a:masterClrMapping/>
-  </p:clrMapOvr>
-</p:sld>
-</file>
-
-<file path=ppt/slides/slide19.xml><?xml version="1.0" encoding="utf-8"?>
 <p:sld xmlns:a="http://schemas.openxmlformats.org/drawingml/2006/main" xmlns:r="http://schemas.openxmlformats.org/officeDocument/2006/relationships" xmlns:p="http://schemas.openxmlformats.org/presentationml/2006/main">
   <p:cSld>
     <p:spTree>
@@ -25483,6 +25035,1692 @@
             </a:prstGeom>
           </p:spPr>
         </p:pic>
+        <p:sp>
+          <p:nvSpPr>
+            <p:cNvPr id="9" name="TextBox 8"/>
+            <p:cNvSpPr txBox="1"/>
+            <p:nvPr/>
+          </p:nvSpPr>
+          <p:spPr>
+            <a:xfrm>
+              <a:off x="1202040" y="188621"/>
+              <a:ext cx="6983237" cy="461665"/>
+            </a:xfrm>
+            <a:prstGeom prst="rect">
+              <a:avLst/>
+            </a:prstGeom>
+            <a:noFill/>
+          </p:spPr>
+          <p:txBody>
+            <a:bodyPr wrap="square" rtlCol="0">
+              <a:spAutoFit/>
+            </a:bodyPr>
+            <a:lstStyle/>
+            <a:p>
+              <a:pPr algn="ctr"/>
+              <a:r>
+                <a:rPr lang="en-US" sz="2400" dirty="0" smtClean="0">
+                  <a:solidFill>
+                    <a:srgbClr val="FFFFFF"/>
+                  </a:solidFill>
+                  <a:latin typeface="Candara"/>
+                  <a:cs typeface="Candara"/>
+                </a:rPr>
+                <a:t>Prune Feasible Tracks</a:t>
+              </a:r>
+              <a:endParaRPr lang="en-US" sz="2400" dirty="0">
+                <a:solidFill>
+                  <a:srgbClr val="FFFFFF"/>
+                </a:solidFill>
+                <a:latin typeface="Candara"/>
+                <a:cs typeface="Candara"/>
+              </a:endParaRPr>
+            </a:p>
+          </p:txBody>
+        </p:sp>
+      </p:grpSp>
+      <p:sp>
+        <p:nvSpPr>
+          <p:cNvPr id="10" name="Oval 9"/>
+          <p:cNvSpPr/>
+          <p:nvPr/>
+        </p:nvSpPr>
+        <p:spPr>
+          <a:xfrm>
+            <a:off x="1016000" y="2451100"/>
+            <a:ext cx="279400" cy="279400"/>
+          </a:xfrm>
+          <a:prstGeom prst="ellipse">
+            <a:avLst/>
+          </a:prstGeom>
+          <a:ln>
+            <a:noFill/>
+          </a:ln>
+        </p:spPr>
+        <p:style>
+          <a:lnRef idx="1">
+            <a:schemeClr val="accent1"/>
+          </a:lnRef>
+          <a:fillRef idx="3">
+            <a:schemeClr val="accent1"/>
+          </a:fillRef>
+          <a:effectRef idx="2">
+            <a:schemeClr val="accent1"/>
+          </a:effectRef>
+          <a:fontRef idx="minor">
+            <a:schemeClr val="lt1"/>
+          </a:fontRef>
+        </p:style>
+        <p:txBody>
+          <a:bodyPr rtlCol="0" anchor="ctr"/>
+          <a:lstStyle/>
+          <a:p>
+            <a:pPr algn="ctr"/>
+            <a:endParaRPr lang="en-US"/>
+          </a:p>
+        </p:txBody>
+      </p:sp>
+      <p:sp>
+        <p:nvSpPr>
+          <p:cNvPr id="11" name="Oval 10"/>
+          <p:cNvSpPr/>
+          <p:nvPr/>
+        </p:nvSpPr>
+        <p:spPr>
+          <a:xfrm>
+            <a:off x="1803400" y="4203700"/>
+            <a:ext cx="279400" cy="279400"/>
+          </a:xfrm>
+          <a:prstGeom prst="ellipse">
+            <a:avLst/>
+          </a:prstGeom>
+          <a:ln>
+            <a:noFill/>
+          </a:ln>
+        </p:spPr>
+        <p:style>
+          <a:lnRef idx="1">
+            <a:schemeClr val="accent1"/>
+          </a:lnRef>
+          <a:fillRef idx="3">
+            <a:schemeClr val="accent1"/>
+          </a:fillRef>
+          <a:effectRef idx="2">
+            <a:schemeClr val="accent1"/>
+          </a:effectRef>
+          <a:fontRef idx="minor">
+            <a:schemeClr val="lt1"/>
+          </a:fontRef>
+        </p:style>
+        <p:txBody>
+          <a:bodyPr rtlCol="0" anchor="ctr"/>
+          <a:lstStyle/>
+          <a:p>
+            <a:pPr algn="ctr"/>
+            <a:endParaRPr lang="en-US"/>
+          </a:p>
+        </p:txBody>
+      </p:sp>
+      <p:sp>
+        <p:nvSpPr>
+          <p:cNvPr id="12" name="Oval 11"/>
+          <p:cNvSpPr/>
+          <p:nvPr/>
+        </p:nvSpPr>
+        <p:spPr>
+          <a:xfrm>
+            <a:off x="1460500" y="2171700"/>
+            <a:ext cx="279400" cy="279400"/>
+          </a:xfrm>
+          <a:prstGeom prst="ellipse">
+            <a:avLst/>
+          </a:prstGeom>
+          <a:solidFill>
+            <a:srgbClr val="C0504D"/>
+          </a:solidFill>
+          <a:ln>
+            <a:noFill/>
+          </a:ln>
+        </p:spPr>
+        <p:style>
+          <a:lnRef idx="1">
+            <a:schemeClr val="accent1"/>
+          </a:lnRef>
+          <a:fillRef idx="3">
+            <a:schemeClr val="accent1"/>
+          </a:fillRef>
+          <a:effectRef idx="2">
+            <a:schemeClr val="accent1"/>
+          </a:effectRef>
+          <a:fontRef idx="minor">
+            <a:schemeClr val="lt1"/>
+          </a:fontRef>
+        </p:style>
+        <p:txBody>
+          <a:bodyPr rtlCol="0" anchor="ctr"/>
+          <a:lstStyle/>
+          <a:p>
+            <a:pPr algn="ctr"/>
+            <a:endParaRPr lang="en-US"/>
+          </a:p>
+        </p:txBody>
+      </p:sp>
+      <p:sp>
+        <p:nvSpPr>
+          <p:cNvPr id="13" name="Oval 12"/>
+          <p:cNvSpPr/>
+          <p:nvPr/>
+        </p:nvSpPr>
+        <p:spPr>
+          <a:xfrm>
+            <a:off x="4419600" y="3327400"/>
+            <a:ext cx="279400" cy="279400"/>
+          </a:xfrm>
+          <a:prstGeom prst="ellipse">
+            <a:avLst/>
+          </a:prstGeom>
+          <a:solidFill>
+            <a:srgbClr val="C0504D"/>
+          </a:solidFill>
+          <a:ln>
+            <a:noFill/>
+          </a:ln>
+        </p:spPr>
+        <p:style>
+          <a:lnRef idx="1">
+            <a:schemeClr val="accent1"/>
+          </a:lnRef>
+          <a:fillRef idx="3">
+            <a:schemeClr val="accent1"/>
+          </a:fillRef>
+          <a:effectRef idx="2">
+            <a:schemeClr val="accent1"/>
+          </a:effectRef>
+          <a:fontRef idx="minor">
+            <a:schemeClr val="lt1"/>
+          </a:fontRef>
+        </p:style>
+        <p:txBody>
+          <a:bodyPr rtlCol="0" anchor="ctr"/>
+          <a:lstStyle/>
+          <a:p>
+            <a:pPr algn="ctr"/>
+            <a:endParaRPr lang="en-US"/>
+          </a:p>
+        </p:txBody>
+      </p:sp>
+      <p:sp>
+        <p:nvSpPr>
+          <p:cNvPr id="14" name="Oval 13"/>
+          <p:cNvSpPr/>
+          <p:nvPr/>
+        </p:nvSpPr>
+        <p:spPr>
+          <a:xfrm>
+            <a:off x="2082800" y="4686300"/>
+            <a:ext cx="279400" cy="279400"/>
+          </a:xfrm>
+          <a:prstGeom prst="ellipse">
+            <a:avLst/>
+          </a:prstGeom>
+          <a:solidFill>
+            <a:srgbClr val="C0504D"/>
+          </a:solidFill>
+          <a:ln>
+            <a:noFill/>
+          </a:ln>
+        </p:spPr>
+        <p:style>
+          <a:lnRef idx="1">
+            <a:schemeClr val="accent1"/>
+          </a:lnRef>
+          <a:fillRef idx="3">
+            <a:schemeClr val="accent1"/>
+          </a:fillRef>
+          <a:effectRef idx="2">
+            <a:schemeClr val="accent1"/>
+          </a:effectRef>
+          <a:fontRef idx="minor">
+            <a:schemeClr val="lt1"/>
+          </a:fontRef>
+        </p:style>
+        <p:txBody>
+          <a:bodyPr rtlCol="0" anchor="ctr"/>
+          <a:lstStyle/>
+          <a:p>
+            <a:pPr algn="ctr"/>
+            <a:endParaRPr lang="en-US"/>
+          </a:p>
+        </p:txBody>
+      </p:sp>
+      <p:sp>
+        <p:nvSpPr>
+          <p:cNvPr id="15" name="Oval 14"/>
+          <p:cNvSpPr/>
+          <p:nvPr/>
+        </p:nvSpPr>
+        <p:spPr>
+          <a:xfrm>
+            <a:off x="736600" y="3606800"/>
+            <a:ext cx="279400" cy="279400"/>
+          </a:xfrm>
+          <a:prstGeom prst="ellipse">
+            <a:avLst/>
+          </a:prstGeom>
+          <a:solidFill>
+            <a:srgbClr val="C0504D"/>
+          </a:solidFill>
+          <a:ln>
+            <a:noFill/>
+          </a:ln>
+        </p:spPr>
+        <p:style>
+          <a:lnRef idx="1">
+            <a:schemeClr val="accent1"/>
+          </a:lnRef>
+          <a:fillRef idx="3">
+            <a:schemeClr val="accent1"/>
+          </a:fillRef>
+          <a:effectRef idx="2">
+            <a:schemeClr val="accent1"/>
+          </a:effectRef>
+          <a:fontRef idx="minor">
+            <a:schemeClr val="lt1"/>
+          </a:fontRef>
+        </p:style>
+        <p:txBody>
+          <a:bodyPr rtlCol="0" anchor="ctr"/>
+          <a:lstStyle/>
+          <a:p>
+            <a:pPr algn="ctr"/>
+            <a:endParaRPr lang="en-US">
+              <a:solidFill>
+                <a:srgbClr val="FF0000"/>
+              </a:solidFill>
+            </a:endParaRPr>
+          </a:p>
+        </p:txBody>
+      </p:sp>
+      <p:sp>
+        <p:nvSpPr>
+          <p:cNvPr id="16" name="Oval 15"/>
+          <p:cNvSpPr/>
+          <p:nvPr/>
+        </p:nvSpPr>
+        <p:spPr>
+          <a:xfrm>
+            <a:off x="3365500" y="5753100"/>
+            <a:ext cx="279400" cy="279400"/>
+          </a:xfrm>
+          <a:prstGeom prst="ellipse">
+            <a:avLst/>
+          </a:prstGeom>
+          <a:solidFill>
+            <a:srgbClr val="C0504D"/>
+          </a:solidFill>
+          <a:ln>
+            <a:noFill/>
+          </a:ln>
+        </p:spPr>
+        <p:style>
+          <a:lnRef idx="1">
+            <a:schemeClr val="accent1"/>
+          </a:lnRef>
+          <a:fillRef idx="3">
+            <a:schemeClr val="accent1"/>
+          </a:fillRef>
+          <a:effectRef idx="2">
+            <a:schemeClr val="accent1"/>
+          </a:effectRef>
+          <a:fontRef idx="minor">
+            <a:schemeClr val="lt1"/>
+          </a:fontRef>
+        </p:style>
+        <p:txBody>
+          <a:bodyPr rtlCol="0" anchor="ctr"/>
+          <a:lstStyle/>
+          <a:p>
+            <a:pPr algn="ctr"/>
+            <a:endParaRPr lang="en-US"/>
+          </a:p>
+        </p:txBody>
+      </p:sp>
+      <p:sp>
+        <p:nvSpPr>
+          <p:cNvPr id="17" name="Oval 16"/>
+          <p:cNvSpPr/>
+          <p:nvPr/>
+        </p:nvSpPr>
+        <p:spPr>
+          <a:xfrm>
+            <a:off x="3644900" y="1727200"/>
+            <a:ext cx="279400" cy="279400"/>
+          </a:xfrm>
+          <a:prstGeom prst="ellipse">
+            <a:avLst/>
+          </a:prstGeom>
+          <a:solidFill>
+            <a:srgbClr val="C0504D"/>
+          </a:solidFill>
+          <a:ln>
+            <a:noFill/>
+          </a:ln>
+        </p:spPr>
+        <p:style>
+          <a:lnRef idx="1">
+            <a:schemeClr val="accent1"/>
+          </a:lnRef>
+          <a:fillRef idx="3">
+            <a:schemeClr val="accent1"/>
+          </a:fillRef>
+          <a:effectRef idx="2">
+            <a:schemeClr val="accent1"/>
+          </a:effectRef>
+          <a:fontRef idx="minor">
+            <a:schemeClr val="lt1"/>
+          </a:fontRef>
+        </p:style>
+        <p:txBody>
+          <a:bodyPr rtlCol="0" anchor="ctr"/>
+          <a:lstStyle/>
+          <a:p>
+            <a:pPr algn="ctr"/>
+            <a:endParaRPr lang="en-US"/>
+          </a:p>
+        </p:txBody>
+      </p:sp>
+      <p:sp>
+        <p:nvSpPr>
+          <p:cNvPr id="18" name="Oval 17"/>
+          <p:cNvSpPr/>
+          <p:nvPr/>
+        </p:nvSpPr>
+        <p:spPr>
+          <a:xfrm>
+            <a:off x="4902200" y="5892800"/>
+            <a:ext cx="279400" cy="279400"/>
+          </a:xfrm>
+          <a:prstGeom prst="ellipse">
+            <a:avLst/>
+          </a:prstGeom>
+          <a:solidFill>
+            <a:srgbClr val="C0504D"/>
+          </a:solidFill>
+          <a:ln>
+            <a:noFill/>
+          </a:ln>
+        </p:spPr>
+        <p:style>
+          <a:lnRef idx="1">
+            <a:schemeClr val="accent1"/>
+          </a:lnRef>
+          <a:fillRef idx="3">
+            <a:schemeClr val="accent1"/>
+          </a:fillRef>
+          <a:effectRef idx="2">
+            <a:schemeClr val="accent1"/>
+          </a:effectRef>
+          <a:fontRef idx="minor">
+            <a:schemeClr val="lt1"/>
+          </a:fontRef>
+        </p:style>
+        <p:txBody>
+          <a:bodyPr rtlCol="0" anchor="ctr"/>
+          <a:lstStyle/>
+          <a:p>
+            <a:pPr algn="ctr"/>
+            <a:endParaRPr lang="en-US"/>
+          </a:p>
+        </p:txBody>
+      </p:sp>
+      <p:sp>
+        <p:nvSpPr>
+          <p:cNvPr id="19" name="Oval 18"/>
+          <p:cNvSpPr/>
+          <p:nvPr/>
+        </p:nvSpPr>
+        <p:spPr>
+          <a:xfrm>
+            <a:off x="2670519" y="4546600"/>
+            <a:ext cx="279400" cy="279400"/>
+          </a:xfrm>
+          <a:prstGeom prst="ellipse">
+            <a:avLst/>
+          </a:prstGeom>
+          <a:solidFill>
+            <a:srgbClr val="008000"/>
+          </a:solidFill>
+          <a:ln>
+            <a:noFill/>
+          </a:ln>
+        </p:spPr>
+        <p:style>
+          <a:lnRef idx="1">
+            <a:schemeClr val="accent1"/>
+          </a:lnRef>
+          <a:fillRef idx="3">
+            <a:schemeClr val="accent1"/>
+          </a:fillRef>
+          <a:effectRef idx="2">
+            <a:schemeClr val="accent1"/>
+          </a:effectRef>
+          <a:fontRef idx="minor">
+            <a:schemeClr val="lt1"/>
+          </a:fontRef>
+        </p:style>
+        <p:txBody>
+          <a:bodyPr rtlCol="0" anchor="ctr"/>
+          <a:lstStyle/>
+          <a:p>
+            <a:pPr algn="ctr"/>
+            <a:endParaRPr lang="en-US"/>
+          </a:p>
+        </p:txBody>
+      </p:sp>
+      <p:sp>
+        <p:nvSpPr>
+          <p:cNvPr id="20" name="Oval 19"/>
+          <p:cNvSpPr/>
+          <p:nvPr/>
+        </p:nvSpPr>
+        <p:spPr>
+          <a:xfrm>
+            <a:off x="6755298" y="1447800"/>
+            <a:ext cx="279400" cy="279400"/>
+          </a:xfrm>
+          <a:prstGeom prst="ellipse">
+            <a:avLst/>
+          </a:prstGeom>
+          <a:solidFill>
+            <a:srgbClr val="008000"/>
+          </a:solidFill>
+          <a:ln>
+            <a:noFill/>
+          </a:ln>
+        </p:spPr>
+        <p:style>
+          <a:lnRef idx="1">
+            <a:schemeClr val="accent1"/>
+          </a:lnRef>
+          <a:fillRef idx="3">
+            <a:schemeClr val="accent1"/>
+          </a:fillRef>
+          <a:effectRef idx="2">
+            <a:schemeClr val="accent1"/>
+          </a:effectRef>
+          <a:fontRef idx="minor">
+            <a:schemeClr val="lt1"/>
+          </a:fontRef>
+        </p:style>
+        <p:txBody>
+          <a:bodyPr rtlCol="0" anchor="ctr"/>
+          <a:lstStyle/>
+          <a:p>
+            <a:pPr algn="ctr"/>
+            <a:endParaRPr lang="en-US"/>
+          </a:p>
+        </p:txBody>
+      </p:sp>
+      <p:sp>
+        <p:nvSpPr>
+          <p:cNvPr id="21" name="Oval 20"/>
+          <p:cNvSpPr/>
+          <p:nvPr/>
+        </p:nvSpPr>
+        <p:spPr>
+          <a:xfrm>
+            <a:off x="7274068" y="3327400"/>
+            <a:ext cx="279400" cy="279400"/>
+          </a:xfrm>
+          <a:prstGeom prst="ellipse">
+            <a:avLst/>
+          </a:prstGeom>
+          <a:solidFill>
+            <a:srgbClr val="008000"/>
+          </a:solidFill>
+          <a:ln>
+            <a:noFill/>
+          </a:ln>
+        </p:spPr>
+        <p:style>
+          <a:lnRef idx="1">
+            <a:schemeClr val="accent1"/>
+          </a:lnRef>
+          <a:fillRef idx="3">
+            <a:schemeClr val="accent1"/>
+          </a:fillRef>
+          <a:effectRef idx="2">
+            <a:schemeClr val="accent1"/>
+          </a:effectRef>
+          <a:fontRef idx="minor">
+            <a:schemeClr val="lt1"/>
+          </a:fontRef>
+        </p:style>
+        <p:txBody>
+          <a:bodyPr rtlCol="0" anchor="ctr"/>
+          <a:lstStyle/>
+          <a:p>
+            <a:pPr algn="ctr"/>
+            <a:endParaRPr lang="en-US"/>
+          </a:p>
+        </p:txBody>
+      </p:sp>
+      <p:sp>
+        <p:nvSpPr>
+          <p:cNvPr id="22" name="Oval 21"/>
+          <p:cNvSpPr/>
+          <p:nvPr/>
+        </p:nvSpPr>
+        <p:spPr>
+          <a:xfrm>
+            <a:off x="221180" y="5373008"/>
+            <a:ext cx="279400" cy="279400"/>
+          </a:xfrm>
+          <a:prstGeom prst="ellipse">
+            <a:avLst/>
+          </a:prstGeom>
+          <a:solidFill>
+            <a:srgbClr val="008000"/>
+          </a:solidFill>
+          <a:ln>
+            <a:noFill/>
+          </a:ln>
+        </p:spPr>
+        <p:style>
+          <a:lnRef idx="1">
+            <a:schemeClr val="accent1"/>
+          </a:lnRef>
+          <a:fillRef idx="3">
+            <a:schemeClr val="accent1"/>
+          </a:fillRef>
+          <a:effectRef idx="2">
+            <a:schemeClr val="accent1"/>
+          </a:effectRef>
+          <a:fontRef idx="minor">
+            <a:schemeClr val="lt1"/>
+          </a:fontRef>
+        </p:style>
+        <p:txBody>
+          <a:bodyPr rtlCol="0" anchor="ctr"/>
+          <a:lstStyle/>
+          <a:p>
+            <a:pPr algn="ctr"/>
+            <a:endParaRPr lang="en-US"/>
+          </a:p>
+        </p:txBody>
+      </p:sp>
+      <p:sp>
+        <p:nvSpPr>
+          <p:cNvPr id="23" name="Oval 22"/>
+          <p:cNvSpPr/>
+          <p:nvPr/>
+        </p:nvSpPr>
+        <p:spPr>
+          <a:xfrm>
+            <a:off x="5539405" y="2324100"/>
+            <a:ext cx="279400" cy="279400"/>
+          </a:xfrm>
+          <a:prstGeom prst="ellipse">
+            <a:avLst/>
+          </a:prstGeom>
+          <a:solidFill>
+            <a:srgbClr val="008000"/>
+          </a:solidFill>
+          <a:ln>
+            <a:noFill/>
+          </a:ln>
+        </p:spPr>
+        <p:style>
+          <a:lnRef idx="1">
+            <a:schemeClr val="accent1"/>
+          </a:lnRef>
+          <a:fillRef idx="3">
+            <a:schemeClr val="accent1"/>
+          </a:fillRef>
+          <a:effectRef idx="2">
+            <a:schemeClr val="accent1"/>
+          </a:effectRef>
+          <a:fontRef idx="minor">
+            <a:schemeClr val="lt1"/>
+          </a:fontRef>
+        </p:style>
+        <p:txBody>
+          <a:bodyPr rtlCol="0" anchor="ctr"/>
+          <a:lstStyle/>
+          <a:p>
+            <a:pPr algn="ctr"/>
+            <a:endParaRPr lang="en-US"/>
+          </a:p>
+        </p:txBody>
+      </p:sp>
+      <p:sp>
+        <p:nvSpPr>
+          <p:cNvPr id="24" name="Oval 23"/>
+          <p:cNvSpPr/>
+          <p:nvPr/>
+        </p:nvSpPr>
+        <p:spPr>
+          <a:xfrm>
+            <a:off x="5972689" y="4826000"/>
+            <a:ext cx="279400" cy="279400"/>
+          </a:xfrm>
+          <a:prstGeom prst="ellipse">
+            <a:avLst/>
+          </a:prstGeom>
+          <a:solidFill>
+            <a:srgbClr val="008000"/>
+          </a:solidFill>
+          <a:ln>
+            <a:noFill/>
+          </a:ln>
+        </p:spPr>
+        <p:style>
+          <a:lnRef idx="1">
+            <a:schemeClr val="accent1"/>
+          </a:lnRef>
+          <a:fillRef idx="3">
+            <a:schemeClr val="accent1"/>
+          </a:fillRef>
+          <a:effectRef idx="2">
+            <a:schemeClr val="accent1"/>
+          </a:effectRef>
+          <a:fontRef idx="minor">
+            <a:schemeClr val="lt1"/>
+          </a:fontRef>
+        </p:style>
+        <p:txBody>
+          <a:bodyPr rtlCol="0" anchor="ctr"/>
+          <a:lstStyle/>
+          <a:p>
+            <a:pPr algn="ctr"/>
+            <a:endParaRPr lang="en-US"/>
+          </a:p>
+        </p:txBody>
+      </p:sp>
+      <p:sp>
+        <p:nvSpPr>
+          <p:cNvPr id="25" name="Oval 24"/>
+          <p:cNvSpPr/>
+          <p:nvPr/>
+        </p:nvSpPr>
+        <p:spPr>
+          <a:xfrm>
+            <a:off x="2033315" y="2171700"/>
+            <a:ext cx="279400" cy="279400"/>
+          </a:xfrm>
+          <a:prstGeom prst="ellipse">
+            <a:avLst/>
+          </a:prstGeom>
+          <a:solidFill>
+            <a:srgbClr val="008000"/>
+          </a:solidFill>
+          <a:ln>
+            <a:noFill/>
+          </a:ln>
+        </p:spPr>
+        <p:style>
+          <a:lnRef idx="1">
+            <a:schemeClr val="accent1"/>
+          </a:lnRef>
+          <a:fillRef idx="3">
+            <a:schemeClr val="accent1"/>
+          </a:fillRef>
+          <a:effectRef idx="2">
+            <a:schemeClr val="accent1"/>
+          </a:effectRef>
+          <a:fontRef idx="minor">
+            <a:schemeClr val="lt1"/>
+          </a:fontRef>
+        </p:style>
+        <p:txBody>
+          <a:bodyPr rtlCol="0" anchor="ctr"/>
+          <a:lstStyle/>
+          <a:p>
+            <a:pPr algn="ctr"/>
+            <a:endParaRPr lang="en-US"/>
+          </a:p>
+        </p:txBody>
+      </p:sp>
+      <p:sp>
+        <p:nvSpPr>
+          <p:cNvPr id="26" name="Oval 25"/>
+          <p:cNvSpPr/>
+          <p:nvPr/>
+        </p:nvSpPr>
+        <p:spPr>
+          <a:xfrm>
+            <a:off x="2235200" y="5233308"/>
+            <a:ext cx="279400" cy="279400"/>
+          </a:xfrm>
+          <a:prstGeom prst="ellipse">
+            <a:avLst/>
+          </a:prstGeom>
+          <a:solidFill>
+            <a:srgbClr val="008000"/>
+          </a:solidFill>
+          <a:ln>
+            <a:noFill/>
+          </a:ln>
+        </p:spPr>
+        <p:style>
+          <a:lnRef idx="1">
+            <a:schemeClr val="accent1"/>
+          </a:lnRef>
+          <a:fillRef idx="3">
+            <a:schemeClr val="accent1"/>
+          </a:fillRef>
+          <a:effectRef idx="2">
+            <a:schemeClr val="accent1"/>
+          </a:effectRef>
+          <a:fontRef idx="minor">
+            <a:schemeClr val="lt1"/>
+          </a:fontRef>
+        </p:style>
+        <p:txBody>
+          <a:bodyPr rtlCol="0" anchor="ctr"/>
+          <a:lstStyle/>
+          <a:p>
+            <a:pPr algn="ctr"/>
+            <a:endParaRPr lang="en-US"/>
+          </a:p>
+        </p:txBody>
+      </p:sp>
+      <p:sp>
+        <p:nvSpPr>
+          <p:cNvPr id="27" name="Oval 26"/>
+          <p:cNvSpPr/>
+          <p:nvPr/>
+        </p:nvSpPr>
+        <p:spPr>
+          <a:xfrm>
+            <a:off x="2120900" y="5716176"/>
+            <a:ext cx="279400" cy="279400"/>
+          </a:xfrm>
+          <a:prstGeom prst="ellipse">
+            <a:avLst/>
+          </a:prstGeom>
+          <a:solidFill>
+            <a:srgbClr val="E46C0A"/>
+          </a:solidFill>
+          <a:ln w="28575" cmpd="sng">
+            <a:solidFill>
+              <a:schemeClr val="tx1"/>
+            </a:solidFill>
+          </a:ln>
+        </p:spPr>
+        <p:style>
+          <a:lnRef idx="1">
+            <a:schemeClr val="accent1"/>
+          </a:lnRef>
+          <a:fillRef idx="3">
+            <a:schemeClr val="accent1"/>
+          </a:fillRef>
+          <a:effectRef idx="2">
+            <a:schemeClr val="accent1"/>
+          </a:effectRef>
+          <a:fontRef idx="minor">
+            <a:schemeClr val="lt1"/>
+          </a:fontRef>
+        </p:style>
+        <p:txBody>
+          <a:bodyPr rtlCol="0" anchor="ctr"/>
+          <a:lstStyle/>
+          <a:p>
+            <a:pPr algn="ctr"/>
+            <a:endParaRPr lang="en-US"/>
+          </a:p>
+        </p:txBody>
+      </p:sp>
+      <p:sp>
+        <p:nvSpPr>
+          <p:cNvPr id="28" name="Oval 27"/>
+          <p:cNvSpPr/>
+          <p:nvPr/>
+        </p:nvSpPr>
+        <p:spPr>
+          <a:xfrm>
+            <a:off x="525344" y="1727200"/>
+            <a:ext cx="279400" cy="279400"/>
+          </a:xfrm>
+          <a:prstGeom prst="ellipse">
+            <a:avLst/>
+          </a:prstGeom>
+          <a:solidFill>
+            <a:srgbClr val="E46C0A"/>
+          </a:solidFill>
+          <a:ln w="28575" cmpd="sng">
+            <a:solidFill>
+              <a:srgbClr val="000000"/>
+            </a:solidFill>
+          </a:ln>
+        </p:spPr>
+        <p:style>
+          <a:lnRef idx="1">
+            <a:schemeClr val="accent1"/>
+          </a:lnRef>
+          <a:fillRef idx="3">
+            <a:schemeClr val="accent1"/>
+          </a:fillRef>
+          <a:effectRef idx="2">
+            <a:schemeClr val="accent1"/>
+          </a:effectRef>
+          <a:fontRef idx="minor">
+            <a:schemeClr val="lt1"/>
+          </a:fontRef>
+        </p:style>
+        <p:txBody>
+          <a:bodyPr rtlCol="0" anchor="ctr"/>
+          <a:lstStyle/>
+          <a:p>
+            <a:pPr algn="ctr"/>
+            <a:endParaRPr lang="en-US"/>
+          </a:p>
+        </p:txBody>
+      </p:sp>
+      <p:sp>
+        <p:nvSpPr>
+          <p:cNvPr id="29" name="Oval 28"/>
+          <p:cNvSpPr/>
+          <p:nvPr/>
+        </p:nvSpPr>
+        <p:spPr>
+          <a:xfrm>
+            <a:off x="596900" y="5995576"/>
+            <a:ext cx="279400" cy="279400"/>
+          </a:xfrm>
+          <a:prstGeom prst="ellipse">
+            <a:avLst/>
+          </a:prstGeom>
+          <a:solidFill>
+            <a:srgbClr val="E46C0A"/>
+          </a:solidFill>
+          <a:ln w="28575" cmpd="sng">
+            <a:solidFill>
+              <a:srgbClr val="000000"/>
+            </a:solidFill>
+          </a:ln>
+        </p:spPr>
+        <p:style>
+          <a:lnRef idx="1">
+            <a:schemeClr val="accent1"/>
+          </a:lnRef>
+          <a:fillRef idx="3">
+            <a:schemeClr val="accent1"/>
+          </a:fillRef>
+          <a:effectRef idx="2">
+            <a:schemeClr val="accent1"/>
+          </a:effectRef>
+          <a:fontRef idx="minor">
+            <a:schemeClr val="lt1"/>
+          </a:fontRef>
+        </p:style>
+        <p:txBody>
+          <a:bodyPr rtlCol="0" anchor="ctr"/>
+          <a:lstStyle/>
+          <a:p>
+            <a:pPr algn="ctr"/>
+            <a:endParaRPr lang="en-US"/>
+          </a:p>
+        </p:txBody>
+      </p:sp>
+      <p:sp>
+        <p:nvSpPr>
+          <p:cNvPr id="30" name="Oval 29"/>
+          <p:cNvSpPr/>
+          <p:nvPr/>
+        </p:nvSpPr>
+        <p:spPr>
+          <a:xfrm>
+            <a:off x="2530819" y="2006600"/>
+            <a:ext cx="279400" cy="279400"/>
+          </a:xfrm>
+          <a:prstGeom prst="ellipse">
+            <a:avLst/>
+          </a:prstGeom>
+          <a:solidFill>
+            <a:schemeClr val="accent6">
+              <a:lumMod val="75000"/>
+            </a:schemeClr>
+          </a:solidFill>
+          <a:ln w="28575" cmpd="sng">
+            <a:solidFill>
+              <a:srgbClr val="000000"/>
+            </a:solidFill>
+          </a:ln>
+        </p:spPr>
+        <p:style>
+          <a:lnRef idx="1">
+            <a:schemeClr val="accent1"/>
+          </a:lnRef>
+          <a:fillRef idx="3">
+            <a:schemeClr val="accent1"/>
+          </a:fillRef>
+          <a:effectRef idx="2">
+            <a:schemeClr val="accent1"/>
+          </a:effectRef>
+          <a:fontRef idx="minor">
+            <a:schemeClr val="lt1"/>
+          </a:fontRef>
+        </p:style>
+        <p:txBody>
+          <a:bodyPr rtlCol="0" anchor="ctr"/>
+          <a:lstStyle/>
+          <a:p>
+            <a:pPr algn="ctr"/>
+            <a:endParaRPr lang="en-US"/>
+          </a:p>
+        </p:txBody>
+      </p:sp>
+      <p:sp>
+        <p:nvSpPr>
+          <p:cNvPr id="31" name="Oval 30"/>
+          <p:cNvSpPr/>
+          <p:nvPr/>
+        </p:nvSpPr>
+        <p:spPr>
+          <a:xfrm>
+            <a:off x="5832989" y="3467100"/>
+            <a:ext cx="279400" cy="279400"/>
+          </a:xfrm>
+          <a:prstGeom prst="ellipse">
+            <a:avLst/>
+          </a:prstGeom>
+          <a:solidFill>
+            <a:srgbClr val="E46C0A"/>
+          </a:solidFill>
+          <a:ln w="28575" cmpd="sng">
+            <a:solidFill>
+              <a:schemeClr val="tx1"/>
+            </a:solidFill>
+          </a:ln>
+        </p:spPr>
+        <p:style>
+          <a:lnRef idx="1">
+            <a:schemeClr val="accent1"/>
+          </a:lnRef>
+          <a:fillRef idx="3">
+            <a:schemeClr val="accent1"/>
+          </a:fillRef>
+          <a:effectRef idx="2">
+            <a:schemeClr val="accent1"/>
+          </a:effectRef>
+          <a:fontRef idx="minor">
+            <a:schemeClr val="lt1"/>
+          </a:fontRef>
+        </p:style>
+        <p:txBody>
+          <a:bodyPr rtlCol="0" anchor="ctr"/>
+          <a:lstStyle/>
+          <a:p>
+            <a:pPr algn="ctr"/>
+            <a:endParaRPr lang="en-US"/>
+          </a:p>
+        </p:txBody>
+      </p:sp>
+      <p:sp>
+        <p:nvSpPr>
+          <p:cNvPr id="32" name="Oval 31"/>
+          <p:cNvSpPr/>
+          <p:nvPr/>
+        </p:nvSpPr>
+        <p:spPr>
+          <a:xfrm>
+            <a:off x="3410363" y="2900015"/>
+            <a:ext cx="279400" cy="279400"/>
+          </a:xfrm>
+          <a:prstGeom prst="ellipse">
+            <a:avLst/>
+          </a:prstGeom>
+          <a:solidFill>
+            <a:srgbClr val="E46C0A"/>
+          </a:solidFill>
+          <a:ln w="28575" cmpd="sng">
+            <a:solidFill>
+              <a:schemeClr val="tx1"/>
+            </a:solidFill>
+          </a:ln>
+        </p:spPr>
+        <p:style>
+          <a:lnRef idx="1">
+            <a:schemeClr val="accent1"/>
+          </a:lnRef>
+          <a:fillRef idx="3">
+            <a:schemeClr val="accent1"/>
+          </a:fillRef>
+          <a:effectRef idx="2">
+            <a:schemeClr val="accent1"/>
+          </a:effectRef>
+          <a:fontRef idx="minor">
+            <a:schemeClr val="lt1"/>
+          </a:fontRef>
+        </p:style>
+        <p:txBody>
+          <a:bodyPr rtlCol="0" anchor="ctr"/>
+          <a:lstStyle/>
+          <a:p>
+            <a:pPr algn="ctr"/>
+            <a:endParaRPr lang="en-US"/>
+          </a:p>
+        </p:txBody>
+      </p:sp>
+      <p:sp>
+        <p:nvSpPr>
+          <p:cNvPr id="33" name="Oval 32"/>
+          <p:cNvSpPr/>
+          <p:nvPr/>
+        </p:nvSpPr>
+        <p:spPr>
+          <a:xfrm>
+            <a:off x="6748259" y="6032500"/>
+            <a:ext cx="279400" cy="279400"/>
+          </a:xfrm>
+          <a:prstGeom prst="ellipse">
+            <a:avLst/>
+          </a:prstGeom>
+          <a:solidFill>
+            <a:srgbClr val="E46C0A"/>
+          </a:solidFill>
+          <a:ln w="28575" cmpd="sng">
+            <a:solidFill>
+              <a:schemeClr val="tx1"/>
+            </a:solidFill>
+          </a:ln>
+        </p:spPr>
+        <p:style>
+          <a:lnRef idx="1">
+            <a:schemeClr val="accent1"/>
+          </a:lnRef>
+          <a:fillRef idx="3">
+            <a:schemeClr val="accent1"/>
+          </a:fillRef>
+          <a:effectRef idx="2">
+            <a:schemeClr val="accent1"/>
+          </a:effectRef>
+          <a:fontRef idx="minor">
+            <a:schemeClr val="lt1"/>
+          </a:fontRef>
+        </p:style>
+        <p:txBody>
+          <a:bodyPr rtlCol="0" anchor="ctr"/>
+          <a:lstStyle/>
+          <a:p>
+            <a:pPr algn="ctr"/>
+            <a:endParaRPr lang="en-US"/>
+          </a:p>
+        </p:txBody>
+      </p:sp>
+      <p:sp>
+        <p:nvSpPr>
+          <p:cNvPr id="34" name="Oval 33"/>
+          <p:cNvSpPr/>
+          <p:nvPr/>
+        </p:nvSpPr>
+        <p:spPr>
+          <a:xfrm>
+            <a:off x="4418413" y="4630375"/>
+            <a:ext cx="279400" cy="279400"/>
+          </a:xfrm>
+          <a:prstGeom prst="ellipse">
+            <a:avLst/>
+          </a:prstGeom>
+          <a:solidFill>
+            <a:srgbClr val="E46C0A"/>
+          </a:solidFill>
+          <a:ln w="28575" cmpd="sng">
+            <a:solidFill>
+              <a:schemeClr val="tx1"/>
+            </a:solidFill>
+          </a:ln>
+        </p:spPr>
+        <p:style>
+          <a:lnRef idx="1">
+            <a:schemeClr val="accent1"/>
+          </a:lnRef>
+          <a:fillRef idx="3">
+            <a:schemeClr val="accent1"/>
+          </a:fillRef>
+          <a:effectRef idx="2">
+            <a:schemeClr val="accent1"/>
+          </a:effectRef>
+          <a:fontRef idx="minor">
+            <a:schemeClr val="lt1"/>
+          </a:fontRef>
+        </p:style>
+        <p:txBody>
+          <a:bodyPr rtlCol="0" anchor="ctr"/>
+          <a:lstStyle/>
+          <a:p>
+            <a:pPr algn="ctr"/>
+            <a:endParaRPr lang="en-US"/>
+          </a:p>
+        </p:txBody>
+      </p:sp>
+      <p:cxnSp>
+        <p:nvCxnSpPr>
+          <p:cNvPr id="35" name="Straight Connector 34"/>
+          <p:cNvCxnSpPr/>
+          <p:nvPr/>
+        </p:nvCxnSpPr>
+        <p:spPr>
+          <a:xfrm flipV="1">
+            <a:off x="1151748" y="2324100"/>
+            <a:ext cx="448070" cy="279400"/>
+          </a:xfrm>
+          <a:prstGeom prst="line">
+            <a:avLst/>
+          </a:prstGeom>
+        </p:spPr>
+        <p:style>
+          <a:lnRef idx="2">
+            <a:schemeClr val="accent1"/>
+          </a:lnRef>
+          <a:fillRef idx="0">
+            <a:schemeClr val="accent1"/>
+          </a:fillRef>
+          <a:effectRef idx="1">
+            <a:schemeClr val="accent1"/>
+          </a:effectRef>
+          <a:fontRef idx="minor">
+            <a:schemeClr val="tx1"/>
+          </a:fontRef>
+        </p:style>
+      </p:cxnSp>
+      <p:cxnSp>
+        <p:nvCxnSpPr>
+          <p:cNvPr id="36" name="Straight Connector 35"/>
+          <p:cNvCxnSpPr/>
+          <p:nvPr/>
+        </p:nvCxnSpPr>
+        <p:spPr>
+          <a:xfrm flipV="1">
+            <a:off x="1599818" y="2286000"/>
+            <a:ext cx="521082" cy="38100"/>
+          </a:xfrm>
+          <a:prstGeom prst="line">
+            <a:avLst/>
+          </a:prstGeom>
+        </p:spPr>
+        <p:style>
+          <a:lnRef idx="2">
+            <a:schemeClr val="accent1"/>
+          </a:lnRef>
+          <a:fillRef idx="0">
+            <a:schemeClr val="accent1"/>
+          </a:fillRef>
+          <a:effectRef idx="1">
+            <a:schemeClr val="accent1"/>
+          </a:effectRef>
+          <a:fontRef idx="minor">
+            <a:schemeClr val="tx1"/>
+          </a:fontRef>
+        </p:style>
+      </p:cxnSp>
+      <p:cxnSp>
+        <p:nvCxnSpPr>
+          <p:cNvPr id="37" name="Straight Connector 36"/>
+          <p:cNvCxnSpPr/>
+          <p:nvPr/>
+        </p:nvCxnSpPr>
+        <p:spPr>
+          <a:xfrm flipV="1">
+            <a:off x="2120900" y="2171700"/>
+            <a:ext cx="549619" cy="152400"/>
+          </a:xfrm>
+          <a:prstGeom prst="line">
+            <a:avLst/>
+          </a:prstGeom>
+        </p:spPr>
+        <p:style>
+          <a:lnRef idx="2">
+            <a:schemeClr val="accent1"/>
+          </a:lnRef>
+          <a:fillRef idx="0">
+            <a:schemeClr val="accent1"/>
+          </a:fillRef>
+          <a:effectRef idx="1">
+            <a:schemeClr val="accent1"/>
+          </a:effectRef>
+          <a:fontRef idx="minor">
+            <a:schemeClr val="tx1"/>
+          </a:fontRef>
+        </p:style>
+      </p:cxnSp>
+      <p:cxnSp>
+        <p:nvCxnSpPr>
+          <p:cNvPr id="38" name="Straight Connector 37"/>
+          <p:cNvCxnSpPr/>
+          <p:nvPr/>
+        </p:nvCxnSpPr>
+        <p:spPr>
+          <a:xfrm>
+            <a:off x="1941764" y="4359326"/>
+            <a:ext cx="293436" cy="466674"/>
+          </a:xfrm>
+          <a:prstGeom prst="line">
+            <a:avLst/>
+          </a:prstGeom>
+        </p:spPr>
+        <p:style>
+          <a:lnRef idx="2">
+            <a:schemeClr val="accent1"/>
+          </a:lnRef>
+          <a:fillRef idx="0">
+            <a:schemeClr val="accent1"/>
+          </a:fillRef>
+          <a:effectRef idx="1">
+            <a:schemeClr val="accent1"/>
+          </a:effectRef>
+          <a:fontRef idx="minor">
+            <a:schemeClr val="tx1"/>
+          </a:fontRef>
+        </p:style>
+      </p:cxnSp>
+      <p:cxnSp>
+        <p:nvCxnSpPr>
+          <p:cNvPr id="39" name="Straight Connector 38"/>
+          <p:cNvCxnSpPr/>
+          <p:nvPr/>
+        </p:nvCxnSpPr>
+        <p:spPr>
+          <a:xfrm>
+            <a:off x="2235200" y="4826000"/>
+            <a:ext cx="127000" cy="547008"/>
+          </a:xfrm>
+          <a:prstGeom prst="line">
+            <a:avLst/>
+          </a:prstGeom>
+        </p:spPr>
+        <p:style>
+          <a:lnRef idx="2">
+            <a:schemeClr val="accent1"/>
+          </a:lnRef>
+          <a:fillRef idx="0">
+            <a:schemeClr val="accent1"/>
+          </a:fillRef>
+          <a:effectRef idx="1">
+            <a:schemeClr val="accent1"/>
+          </a:effectRef>
+          <a:fontRef idx="minor">
+            <a:schemeClr val="tx1"/>
+          </a:fontRef>
+        </p:style>
+      </p:cxnSp>
+      <p:cxnSp>
+        <p:nvCxnSpPr>
+          <p:cNvPr id="40" name="Straight Connector 39"/>
+          <p:cNvCxnSpPr/>
+          <p:nvPr/>
+        </p:nvCxnSpPr>
+        <p:spPr>
+          <a:xfrm flipH="1">
+            <a:off x="2235200" y="5373008"/>
+            <a:ext cx="165100" cy="519792"/>
+          </a:xfrm>
+          <a:prstGeom prst="line">
+            <a:avLst/>
+          </a:prstGeom>
+        </p:spPr>
+        <p:style>
+          <a:lnRef idx="2">
+            <a:schemeClr val="accent1"/>
+          </a:lnRef>
+          <a:fillRef idx="0">
+            <a:schemeClr val="accent1"/>
+          </a:fillRef>
+          <a:effectRef idx="1">
+            <a:schemeClr val="accent1"/>
+          </a:effectRef>
+          <a:fontRef idx="minor">
+            <a:schemeClr val="tx1"/>
+          </a:fontRef>
+        </p:style>
+      </p:cxnSp>
+      <p:cxnSp>
+        <p:nvCxnSpPr>
+          <p:cNvPr id="42" name="Straight Connector 41"/>
+          <p:cNvCxnSpPr/>
+          <p:nvPr/>
+        </p:nvCxnSpPr>
+        <p:spPr>
+          <a:xfrm>
+            <a:off x="378583" y="5512708"/>
+            <a:ext cx="358017" cy="659492"/>
+          </a:xfrm>
+          <a:prstGeom prst="line">
+            <a:avLst/>
+          </a:prstGeom>
+        </p:spPr>
+        <p:style>
+          <a:lnRef idx="2">
+            <a:schemeClr val="accent1"/>
+          </a:lnRef>
+          <a:fillRef idx="0">
+            <a:schemeClr val="accent1"/>
+          </a:fillRef>
+          <a:effectRef idx="1">
+            <a:schemeClr val="accent1"/>
+          </a:effectRef>
+          <a:fontRef idx="minor">
+            <a:schemeClr val="tx1"/>
+          </a:fontRef>
+        </p:style>
+      </p:cxnSp>
+      <p:sp>
+        <p:nvSpPr>
+          <p:cNvPr id="53" name="TextBox 52"/>
+          <p:cNvSpPr txBox="1"/>
+          <p:nvPr/>
+        </p:nvSpPr>
+        <p:spPr>
+          <a:xfrm>
+            <a:off x="8487585" y="1111201"/>
+            <a:ext cx="378980" cy="369332"/>
+          </a:xfrm>
+          <a:prstGeom prst="rect">
+            <a:avLst/>
+          </a:prstGeom>
+          <a:noFill/>
+        </p:spPr>
+        <p:txBody>
+          <a:bodyPr wrap="none" rtlCol="0">
+            <a:spAutoFit/>
+          </a:bodyPr>
+          <a:lstStyle/>
+          <a:p>
+            <a:r>
+              <a:rPr lang="en-US" dirty="0" smtClean="0"/>
+              <a:t>t3</a:t>
+            </a:r>
+            <a:endParaRPr lang="en-US" dirty="0"/>
+          </a:p>
+        </p:txBody>
+      </p:sp>
+      <p:cxnSp>
+        <p:nvCxnSpPr>
+          <p:cNvPr id="56" name="Straight Connector 55"/>
+          <p:cNvCxnSpPr/>
+          <p:nvPr/>
+        </p:nvCxnSpPr>
+        <p:spPr>
+          <a:xfrm flipV="1">
+            <a:off x="2235200" y="4686300"/>
+            <a:ext cx="575019" cy="139700"/>
+          </a:xfrm>
+          <a:prstGeom prst="line">
+            <a:avLst/>
+          </a:prstGeom>
+          <a:ln>
+            <a:solidFill>
+              <a:srgbClr val="FF0000"/>
+            </a:solidFill>
+          </a:ln>
+        </p:spPr>
+        <p:style>
+          <a:lnRef idx="2">
+            <a:schemeClr val="accent1"/>
+          </a:lnRef>
+          <a:fillRef idx="0">
+            <a:schemeClr val="accent1"/>
+          </a:fillRef>
+          <a:effectRef idx="1">
+            <a:schemeClr val="accent1"/>
+          </a:effectRef>
+          <a:fontRef idx="minor">
+            <a:schemeClr val="tx1"/>
+          </a:fontRef>
+        </p:style>
+      </p:cxnSp>
+      <p:cxnSp>
+        <p:nvCxnSpPr>
+          <p:cNvPr id="60" name="Straight Arrow Connector 59"/>
+          <p:cNvCxnSpPr/>
+          <p:nvPr/>
+        </p:nvCxnSpPr>
+        <p:spPr>
+          <a:xfrm flipH="1">
+            <a:off x="2530819" y="1330998"/>
+            <a:ext cx="879544" cy="3355302"/>
+          </a:xfrm>
+          <a:prstGeom prst="straightConnector1">
+            <a:avLst/>
+          </a:prstGeom>
+          <a:ln>
+            <a:tailEnd type="arrow"/>
+          </a:ln>
+        </p:spPr>
+        <p:style>
+          <a:lnRef idx="2">
+            <a:schemeClr val="accent1"/>
+          </a:lnRef>
+          <a:fillRef idx="0">
+            <a:schemeClr val="accent1"/>
+          </a:fillRef>
+          <a:effectRef idx="1">
+            <a:schemeClr val="accent1"/>
+          </a:effectRef>
+          <a:fontRef idx="minor">
+            <a:schemeClr val="tx1"/>
+          </a:fontRef>
+        </p:style>
+      </p:cxnSp>
+      <p:sp>
+        <p:nvSpPr>
+          <p:cNvPr id="62" name="TextBox 61"/>
+          <p:cNvSpPr txBox="1"/>
+          <p:nvPr/>
+        </p:nvSpPr>
+        <p:spPr>
+          <a:xfrm>
+            <a:off x="3410363" y="961666"/>
+            <a:ext cx="4969705" cy="369332"/>
+          </a:xfrm>
+          <a:prstGeom prst="rect">
+            <a:avLst/>
+          </a:prstGeom>
+          <a:noFill/>
+        </p:spPr>
+        <p:txBody>
+          <a:bodyPr wrap="none" rtlCol="0">
+            <a:spAutoFit/>
+          </a:bodyPr>
+          <a:lstStyle/>
+          <a:p>
+            <a:r>
+              <a:rPr lang="en-US" dirty="0" smtClean="0"/>
+              <a:t>Track is terminated after no new correlated objects</a:t>
+            </a:r>
+            <a:endParaRPr lang="en-US" dirty="0"/>
+          </a:p>
+        </p:txBody>
+      </p:sp>
+    </p:spTree>
+    <p:extLst>
+      <p:ext uri="{BB962C8B-B14F-4D97-AF65-F5344CB8AC3E}">
+        <p14:creationId xmlns:p14="http://schemas.microsoft.com/office/powerpoint/2010/main" val="807140009"/>
+      </p:ext>
+    </p:extLst>
+  </p:cSld>
+  <p:clrMapOvr>
+    <a:masterClrMapping/>
+  </p:clrMapOvr>
+  <p:timing>
+    <p:tnLst>
+      <p:par>
+        <p:cTn xmlns:p14="http://schemas.microsoft.com/office/powerpoint/2010/main" id="1" dur="indefinite" restart="never" nodeType="tmRoot"/>
+      </p:par>
+    </p:tnLst>
+  </p:timing>
+</p:sld>
+</file>
+
+<file path=ppt/slides/slide19.xml><?xml version="1.0" encoding="utf-8"?>
+<p:sld xmlns:a="http://schemas.openxmlformats.org/drawingml/2006/main" xmlns:r="http://schemas.openxmlformats.org/officeDocument/2006/relationships" xmlns:p="http://schemas.openxmlformats.org/presentationml/2006/main">
+  <p:cSld>
+    <p:spTree>
+      <p:nvGrpSpPr>
+        <p:cNvPr id="1" name=""/>
+        <p:cNvGrpSpPr/>
+        <p:nvPr/>
+      </p:nvGrpSpPr>
+      <p:grpSpPr>
+        <a:xfrm>
+          <a:off x="0" y="0"/>
+          <a:ext cx="0" cy="0"/>
+          <a:chOff x="0" y="0"/>
+          <a:chExt cx="0" cy="0"/>
+        </a:xfrm>
+      </p:grpSpPr>
+      <p:grpSp>
+        <p:nvGrpSpPr>
+          <p:cNvPr id="4" name="Group 3"/>
+          <p:cNvGrpSpPr/>
+          <p:nvPr/>
+        </p:nvGrpSpPr>
+        <p:grpSpPr>
+          <a:xfrm>
+            <a:off x="0" y="1"/>
+            <a:ext cx="9144000" cy="844012"/>
+            <a:chOff x="0" y="1"/>
+            <a:chExt cx="9144000" cy="844012"/>
+          </a:xfrm>
+        </p:grpSpPr>
+        <p:cxnSp>
+          <p:nvCxnSpPr>
+            <p:cNvPr id="5" name="Straight Connector 4"/>
+            <p:cNvCxnSpPr/>
+            <p:nvPr/>
+          </p:nvCxnSpPr>
+          <p:spPr>
+            <a:xfrm>
+              <a:off x="0" y="844013"/>
+              <a:ext cx="9144000" cy="0"/>
+            </a:xfrm>
+            <a:prstGeom prst="line">
+              <a:avLst/>
+            </a:prstGeom>
+            <a:ln>
+              <a:solidFill>
+                <a:schemeClr val="tx1"/>
+              </a:solidFill>
+            </a:ln>
+            <a:effectLst/>
+          </p:spPr>
+          <p:style>
+            <a:lnRef idx="2">
+              <a:schemeClr val="accent1"/>
+            </a:lnRef>
+            <a:fillRef idx="0">
+              <a:schemeClr val="accent1"/>
+            </a:fillRef>
+            <a:effectRef idx="1">
+              <a:schemeClr val="accent1"/>
+            </a:effectRef>
+            <a:fontRef idx="minor">
+              <a:schemeClr val="tx1"/>
+            </a:fontRef>
+          </p:style>
+        </p:cxnSp>
+        <p:pic>
+          <p:nvPicPr>
+            <p:cNvPr id="6" name="Picture 5" descr="Screen Shot 2015-10-11 at 11.16.20 AM.png"/>
+            <p:cNvPicPr>
+              <a:picLocks noChangeAspect="1"/>
+            </p:cNvPicPr>
+            <p:nvPr/>
+          </p:nvPicPr>
+          <p:blipFill>
+            <a:blip r:embed="rId4">
+              <a:extLst>
+                <a:ext uri="{28A0092B-C50C-407E-A947-70E740481C1C}">
+                  <a14:useLocalDpi xmlns:a14="http://schemas.microsoft.com/office/drawing/2010/main" val="0"/>
+                </a:ext>
+              </a:extLst>
+            </a:blip>
+            <a:stretch>
+              <a:fillRect/>
+            </a:stretch>
+          </p:blipFill>
+          <p:spPr>
+            <a:xfrm>
+              <a:off x="0" y="1"/>
+              <a:ext cx="1151748" cy="844012"/>
+            </a:xfrm>
+            <a:prstGeom prst="rect">
+              <a:avLst/>
+            </a:prstGeom>
+          </p:spPr>
+        </p:pic>
+        <p:sp>
+          <p:nvSpPr>
+            <p:cNvPr id="7" name="Rectangle 6"/>
+            <p:cNvSpPr/>
+            <p:nvPr/>
+          </p:nvSpPr>
+          <p:spPr>
+            <a:xfrm>
+              <a:off x="1151748" y="2283"/>
+              <a:ext cx="7992252" cy="832104"/>
+            </a:xfrm>
+            <a:prstGeom prst="rect">
+              <a:avLst/>
+            </a:prstGeom>
+            <a:solidFill>
+              <a:schemeClr val="tx1"/>
+            </a:solidFill>
+            <a:ln>
+              <a:solidFill>
+                <a:schemeClr val="tx1"/>
+              </a:solidFill>
+            </a:ln>
+            <a:effectLst/>
+          </p:spPr>
+          <p:style>
+            <a:lnRef idx="1">
+              <a:schemeClr val="accent1"/>
+            </a:lnRef>
+            <a:fillRef idx="3">
+              <a:schemeClr val="accent1"/>
+            </a:fillRef>
+            <a:effectRef idx="2">
+              <a:schemeClr val="accent1"/>
+            </a:effectRef>
+            <a:fontRef idx="minor">
+              <a:schemeClr val="lt1"/>
+            </a:fontRef>
+          </p:style>
+          <p:txBody>
+            <a:bodyPr rtlCol="0" anchor="ctr"/>
+            <a:lstStyle/>
+            <a:p>
+              <a:pPr algn="ctr"/>
+              <a:endParaRPr lang="en-US"/>
+            </a:p>
+          </p:txBody>
+        </p:sp>
+        <p:pic>
+          <p:nvPicPr>
+            <p:cNvPr id="8" name="Picture 7"/>
+            <p:cNvPicPr>
+              <a:picLocks noChangeAspect="1"/>
+            </p:cNvPicPr>
+            <p:nvPr/>
+          </p:nvPicPr>
+          <p:blipFill>
+            <a:blip r:embed="rId5"/>
+            <a:stretch>
+              <a:fillRect/>
+            </a:stretch>
+          </p:blipFill>
+          <p:spPr>
+            <a:xfrm>
+              <a:off x="8311013" y="2283"/>
+              <a:ext cx="832987" cy="832987"/>
+            </a:xfrm>
+            <a:prstGeom prst="rect">
+              <a:avLst/>
+            </a:prstGeom>
+          </p:spPr>
+        </p:pic>
       </p:grpSp>
       <p:graphicFrame>
         <p:nvGraphicFramePr>
@@ -25506,12 +26744,12 @@
           <a:graphicData uri="http://schemas.openxmlformats.org/presentationml/2006/ole">
             <mc:AlternateContent xmlns:mc="http://schemas.openxmlformats.org/markup-compatibility/2006">
               <mc:Choice xmlns:v="urn:schemas-microsoft-com:vml" Requires="v">
-                <p:oleObj spid="_x0000_s1031" name="Equation" r:id="rId5" imgW="2425700" imgH="1651000" progId="Equation.3">
+                <p:oleObj spid="_x0000_s1037" name="Equation" r:id="rId6" imgW="2425700" imgH="1651000" progId="Equation.3">
                   <p:embed/>
                 </p:oleObj>
               </mc:Choice>
               <mc:Fallback>
-                <p:oleObj name="Equation" r:id="rId5" imgW="2425700" imgH="1651000" progId="Equation.3">
+                <p:oleObj name="Equation" r:id="rId6" imgW="2425700" imgH="1651000" progId="Equation.3">
                   <p:embed/>
                   <p:pic>
                     <p:nvPicPr>
@@ -25520,7 +26758,7 @@
                       <p:nvPr/>
                     </p:nvPicPr>
                     <p:blipFill>
-                      <a:blip r:embed="rId6"/>
+                      <a:blip r:embed="rId7"/>
                       <a:stretch>
                         <a:fillRect/>
                       </a:stretch>
@@ -25624,6 +26862,13 @@
   <p:clrMapOvr>
     <a:masterClrMapping/>
   </p:clrMapOvr>
+  <p:timing>
+    <p:tnLst>
+      <p:par>
+        <p:cTn xmlns:p14="http://schemas.microsoft.com/office/powerpoint/2010/main" id="1" dur="indefinite" restart="never" nodeType="tmRoot"/>
+      </p:par>
+    </p:tnLst>
+  </p:timing>
 </p:sld>
 </file>
 
@@ -25703,7 +26948,7 @@
             <p:nvPr/>
           </p:nvPicPr>
           <p:blipFill>
-            <a:blip r:embed="rId2">
+            <a:blip r:embed="rId3">
               <a:extLst>
                 <a:ext uri="{28A0092B-C50C-407E-A947-70E740481C1C}">
                   <a14:useLocalDpi xmlns:a14="http://schemas.microsoft.com/office/drawing/2010/main" val="0"/>
@@ -25780,7 +27025,7 @@
             <p:nvPr/>
           </p:nvPicPr>
           <p:blipFill>
-            <a:blip r:embed="rId3"/>
+            <a:blip r:embed="rId4"/>
             <a:stretch>
               <a:fillRect/>
             </a:stretch>
@@ -25848,7 +27093,7 @@
         <p:spPr>
           <a:xfrm>
             <a:off x="571500" y="1158438"/>
-            <a:ext cx="7930013" cy="2862323"/>
+            <a:ext cx="7930013" cy="3416320"/>
           </a:xfrm>
           <a:prstGeom prst="rect">
             <a:avLst/>
@@ -25867,7 +27112,19 @@
             </a:pPr>
             <a:r>
               <a:rPr lang="en-US" dirty="0" smtClean="0"/>
-              <a:t>Must process images at &gt;= 10 Hz (Req. 2.2.1)</a:t>
+              <a:t>Must process images at &gt;= </a:t>
+            </a:r>
+            <a:r>
+              <a:rPr lang="en-US" dirty="0"/>
+              <a:t>5</a:t>
+            </a:r>
+            <a:r>
+              <a:rPr lang="en-US" dirty="0" smtClean="0"/>
+              <a:t> </a:t>
+            </a:r>
+            <a:r>
+              <a:rPr lang="en-US" dirty="0" smtClean="0"/>
+              <a:t>Hz (Req. 2.2.1)</a:t>
             </a:r>
           </a:p>
           <a:p>
@@ -25961,13 +27218,41 @@
               <a:buChar char="•"/>
             </a:pPr>
             <a:r>
+              <a:rPr lang="en-US" dirty="0" smtClean="0"/>
+              <a:t>Provides </a:t>
+            </a:r>
+            <a:r>
               <a:rPr lang="en-US" dirty="0"/>
-              <a:t>	Provides contrast between human and </a:t>
+              <a:t>contrast between human and </a:t>
             </a:r>
             <a:r>
               <a:rPr lang="en-US" dirty="0" smtClean="0"/>
               <a:t>background</a:t>
             </a:r>
+          </a:p>
+          <a:p>
+            <a:pPr marL="742950" lvl="1" indent="-285750">
+              <a:buFont typeface="Arial"/>
+              <a:buChar char="•"/>
+            </a:pPr>
+            <a:r>
+              <a:rPr lang="en-US" dirty="0" smtClean="0"/>
+              <a:t>&lt;50 </a:t>
+            </a:r>
+            <a:r>
+              <a:rPr lang="en-US" dirty="0" err="1" smtClean="0"/>
+              <a:t>mK</a:t>
+            </a:r>
+            <a:r>
+              <a:rPr lang="en-US" dirty="0" smtClean="0"/>
+              <a:t> sensitivity</a:t>
+            </a:r>
+          </a:p>
+          <a:p>
+            <a:pPr marL="742950" lvl="1" indent="-285750">
+              <a:buFont typeface="Arial"/>
+              <a:buChar char="•"/>
+            </a:pPr>
             <a:endParaRPr lang="en-US" dirty="0"/>
           </a:p>
         </p:txBody>
@@ -25981,7 +27266,7 @@
           <p:nvPr/>
         </p:nvPicPr>
         <p:blipFill>
-          <a:blip r:embed="rId4"/>
+          <a:blip r:embed="rId5"/>
           <a:stretch>
             <a:fillRect/>
           </a:stretch>
@@ -26006,6 +27291,13 @@
   <p:clrMapOvr>
     <a:masterClrMapping/>
   </p:clrMapOvr>
+  <p:timing>
+    <p:tnLst>
+      <p:par>
+        <p:cTn xmlns:p14="http://schemas.microsoft.com/office/powerpoint/2010/main" id="1" dur="indefinite" restart="never" nodeType="tmRoot"/>
+      </p:par>
+    </p:tnLst>
+  </p:timing>
 </p:sld>
 </file>
 
@@ -26085,7 +27377,7 @@
             <p:nvPr/>
           </p:nvPicPr>
           <p:blipFill>
-            <a:blip r:embed="rId2">
+            <a:blip r:embed="rId3">
               <a:extLst>
                 <a:ext uri="{28A0092B-C50C-407E-A947-70E740481C1C}">
                   <a14:useLocalDpi xmlns:a14="http://schemas.microsoft.com/office/drawing/2010/main" val="0"/>
@@ -26162,7 +27454,7 @@
             <p:nvPr/>
           </p:nvPicPr>
           <p:blipFill>
-            <a:blip r:embed="rId3"/>
+            <a:blip r:embed="rId4"/>
             <a:stretch>
               <a:fillRect/>
             </a:stretch>
@@ -26241,6 +27533,13 @@
   <p:clrMapOvr>
     <a:masterClrMapping/>
   </p:clrMapOvr>
+  <p:timing>
+    <p:tnLst>
+      <p:par>
+        <p:cTn xmlns:p14="http://schemas.microsoft.com/office/powerpoint/2010/main" id="1" dur="indefinite" restart="never" nodeType="tmRoot"/>
+      </p:par>
+    </p:tnLst>
+  </p:timing>
 </p:sld>
 </file>
 
@@ -26591,6 +27890,13 @@
   <p:clrMapOvr>
     <a:masterClrMapping/>
   </p:clrMapOvr>
+  <p:timing>
+    <p:tnLst>
+      <p:par>
+        <p:cTn xmlns:p14="http://schemas.microsoft.com/office/powerpoint/2010/main" id="1" dur="indefinite" restart="never" nodeType="tmRoot"/>
+      </p:par>
+    </p:tnLst>
+  </p:timing>
 </p:sld>
 </file>
 
@@ -27375,6 +28681,13 @@
   <p:clrMapOvr>
     <a:masterClrMapping/>
   </p:clrMapOvr>
+  <p:timing>
+    <p:tnLst>
+      <p:par>
+        <p:cTn xmlns:p14="http://schemas.microsoft.com/office/powerpoint/2010/main" id="1" dur="indefinite" restart="never" nodeType="tmRoot"/>
+      </p:par>
+    </p:tnLst>
+  </p:timing>
 </p:sld>
 </file>
 
@@ -27725,6 +29038,13 @@
   <p:clrMapOvr>
     <a:masterClrMapping/>
   </p:clrMapOvr>
+  <p:timing>
+    <p:tnLst>
+      <p:par>
+        <p:cTn xmlns:p14="http://schemas.microsoft.com/office/powerpoint/2010/main" id="1" dur="indefinite" restart="never" nodeType="tmRoot"/>
+      </p:par>
+    </p:tnLst>
+  </p:timing>
 </p:sld>
 </file>
 
@@ -28092,6 +29412,13 @@
   <p:clrMapOvr>
     <a:masterClrMapping/>
   </p:clrMapOvr>
+  <p:timing>
+    <p:tnLst>
+      <p:par>
+        <p:cTn xmlns:p14="http://schemas.microsoft.com/office/powerpoint/2010/main" id="1" dur="indefinite" restart="never" nodeType="tmRoot"/>
+      </p:par>
+    </p:tnLst>
+  </p:timing>
 </p:sld>
 </file>
 
@@ -28296,13 +29623,6 @@
                 </a:rPr>
                 <a:t>Generating Hypotheses</a:t>
               </a:r>
-              <a:endParaRPr lang="en-US" sz="2400" dirty="0">
-                <a:solidFill>
-                  <a:srgbClr val="FFFFFF"/>
-                </a:solidFill>
-                <a:latin typeface="Candara"/>
-                <a:cs typeface="Candara"/>
-              </a:endParaRPr>
             </a:p>
           </p:txBody>
         </p:sp>
@@ -28771,6 +30091,13 @@
   <p:clrMapOvr>
     <a:masterClrMapping/>
   </p:clrMapOvr>
+  <p:timing>
+    <p:tnLst>
+      <p:par>
+        <p:cTn xmlns:p14="http://schemas.microsoft.com/office/powerpoint/2010/main" id="1" dur="indefinite" restart="never" nodeType="tmRoot"/>
+      </p:par>
+    </p:tnLst>
+  </p:timing>
 </p:sld>
 </file>
 
@@ -28975,13 +30302,6 @@
                 </a:rPr>
                 <a:t>Generating Hypotheses</a:t>
               </a:r>
-              <a:endParaRPr lang="en-US" sz="2400" dirty="0">
-                <a:solidFill>
-                  <a:srgbClr val="FFFFFF"/>
-                </a:solidFill>
-                <a:latin typeface="Candara"/>
-                <a:cs typeface="Candara"/>
-              </a:endParaRPr>
             </a:p>
           </p:txBody>
         </p:sp>
@@ -29874,6 +31194,13 @@
   <p:clrMapOvr>
     <a:masterClrMapping/>
   </p:clrMapOvr>
+  <p:timing>
+    <p:tnLst>
+      <p:par>
+        <p:cTn xmlns:p14="http://schemas.microsoft.com/office/powerpoint/2010/main" id="1" dur="indefinite" restart="never" nodeType="tmRoot"/>
+      </p:par>
+    </p:tnLst>
+  </p:timing>
 </p:sld>
 </file>
 
@@ -30224,6 +31551,13 @@
   <p:clrMapOvr>
     <a:masterClrMapping/>
   </p:clrMapOvr>
+  <p:timing>
+    <p:tnLst>
+      <p:par>
+        <p:cTn xmlns:p14="http://schemas.microsoft.com/office/powerpoint/2010/main" id="1" dur="indefinite" restart="never" nodeType="tmRoot"/>
+      </p:par>
+    </p:tnLst>
+  </p:timing>
 </p:sld>
 </file>
 
@@ -30545,4 +31879,324 @@
   </a:objectDefaults>
   <a:extraClrSchemeLst/>
 </a:theme>
+</file>
+
+<file path=ppt/theme/theme2.xml><?xml version="1.0" encoding="utf-8"?>
+<a:theme xmlns:a="http://schemas.openxmlformats.org/drawingml/2006/main" name="Office Theme">
+  <a:themeElements>
+    <a:clrScheme name="Office">
+      <a:dk1>
+        <a:sysClr val="windowText" lastClr="000000"/>
+      </a:dk1>
+      <a:lt1>
+        <a:sysClr val="window" lastClr="FFFFFF"/>
+      </a:lt1>
+      <a:dk2>
+        <a:srgbClr val="1F497D"/>
+      </a:dk2>
+      <a:lt2>
+        <a:srgbClr val="EEECE1"/>
+      </a:lt2>
+      <a:accent1>
+        <a:srgbClr val="4F81BD"/>
+      </a:accent1>
+      <a:accent2>
+        <a:srgbClr val="C0504D"/>
+      </a:accent2>
+      <a:accent3>
+        <a:srgbClr val="9BBB59"/>
+      </a:accent3>
+      <a:accent4>
+        <a:srgbClr val="8064A2"/>
+      </a:accent4>
+      <a:accent5>
+        <a:srgbClr val="4BACC6"/>
+      </a:accent5>
+      <a:accent6>
+        <a:srgbClr val="F79646"/>
+      </a:accent6>
+      <a:hlink>
+        <a:srgbClr val="0000FF"/>
+      </a:hlink>
+      <a:folHlink>
+        <a:srgbClr val="800080"/>
+      </a:folHlink>
+    </a:clrScheme>
+    <a:fontScheme name="Office">
+      <a:majorFont>
+        <a:latin typeface="Calibri"/>
+        <a:ea typeface=""/>
+        <a:cs typeface=""/>
+        <a:font script="Jpan" typeface="ＭＳ Ｐゴシック"/>
+        <a:font script="Hang" typeface="맑은 고딕"/>
+        <a:font script="Hans" typeface="宋体"/>
+        <a:font script="Hant" typeface="新細明體"/>
+        <a:font script="Arab" typeface="Times New Roman"/>
+        <a:font script="Hebr" typeface="Times New Roman"/>
+        <a:font script="Thai" typeface="Angsana New"/>
+        <a:font script="Ethi" typeface="Nyala"/>
+        <a:font script="Beng" typeface="Vrinda"/>
+        <a:font script="Gujr" typeface="Shruti"/>
+        <a:font script="Khmr" typeface="MoolBoran"/>
+        <a:font script="Knda" typeface="Tunga"/>
+        <a:font script="Guru" typeface="Raavi"/>
+        <a:font script="Cans" typeface="Euphemia"/>
+        <a:font script="Cher" typeface="Plantagenet Cherokee"/>
+        <a:font script="Yiii" typeface="Microsoft Yi Baiti"/>
+        <a:font script="Tibt" typeface="Microsoft Himalaya"/>
+        <a:font script="Thaa" typeface="MV Boli"/>
+        <a:font script="Deva" typeface="Mangal"/>
+        <a:font script="Telu" typeface="Gautami"/>
+        <a:font script="Taml" typeface="Latha"/>
+        <a:font script="Syrc" typeface="Estrangelo Edessa"/>
+        <a:font script="Orya" typeface="Kalinga"/>
+        <a:font script="Mlym" typeface="Kartika"/>
+        <a:font script="Laoo" typeface="DokChampa"/>
+        <a:font script="Sinh" typeface="Iskoola Pota"/>
+        <a:font script="Mong" typeface="Mongolian Baiti"/>
+        <a:font script="Viet" typeface="Times New Roman"/>
+        <a:font script="Uigh" typeface="Microsoft Uighur"/>
+        <a:font script="Geor" typeface="Sylfaen"/>
+      </a:majorFont>
+      <a:minorFont>
+        <a:latin typeface="Calibri"/>
+        <a:ea typeface=""/>
+        <a:cs typeface=""/>
+        <a:font script="Jpan" typeface="ＭＳ Ｐゴシック"/>
+        <a:font script="Hang" typeface="맑은 고딕"/>
+        <a:font script="Hans" typeface="宋体"/>
+        <a:font script="Hant" typeface="新細明體"/>
+        <a:font script="Arab" typeface="Arial"/>
+        <a:font script="Hebr" typeface="Arial"/>
+        <a:font script="Thai" typeface="Cordia New"/>
+        <a:font script="Ethi" typeface="Nyala"/>
+        <a:font script="Beng" typeface="Vrinda"/>
+        <a:font script="Gujr" typeface="Shruti"/>
+        <a:font script="Khmr" typeface="DaunPenh"/>
+        <a:font script="Knda" typeface="Tunga"/>
+        <a:font script="Guru" typeface="Raavi"/>
+        <a:font script="Cans" typeface="Euphemia"/>
+        <a:font script="Cher" typeface="Plantagenet Cherokee"/>
+        <a:font script="Yiii" typeface="Microsoft Yi Baiti"/>
+        <a:font script="Tibt" typeface="Microsoft Himalaya"/>
+        <a:font script="Thaa" typeface="MV Boli"/>
+        <a:font script="Deva" typeface="Mangal"/>
+        <a:font script="Telu" typeface="Gautami"/>
+        <a:font script="Taml" typeface="Latha"/>
+        <a:font script="Syrc" typeface="Estrangelo Edessa"/>
+        <a:font script="Orya" typeface="Kalinga"/>
+        <a:font script="Mlym" typeface="Kartika"/>
+        <a:font script="Laoo" typeface="DokChampa"/>
+        <a:font script="Sinh" typeface="Iskoola Pota"/>
+        <a:font script="Mong" typeface="Mongolian Baiti"/>
+        <a:font script="Viet" typeface="Arial"/>
+        <a:font script="Uigh" typeface="Microsoft Uighur"/>
+        <a:font script="Geor" typeface="Sylfaen"/>
+      </a:minorFont>
+    </a:fontScheme>
+    <a:fmtScheme name="Office">
+      <a:fillStyleLst>
+        <a:solidFill>
+          <a:schemeClr val="phClr"/>
+        </a:solidFill>
+        <a:gradFill rotWithShape="1">
+          <a:gsLst>
+            <a:gs pos="0">
+              <a:schemeClr val="phClr">
+                <a:tint val="50000"/>
+                <a:satMod val="300000"/>
+              </a:schemeClr>
+            </a:gs>
+            <a:gs pos="35000">
+              <a:schemeClr val="phClr">
+                <a:tint val="37000"/>
+                <a:satMod val="300000"/>
+              </a:schemeClr>
+            </a:gs>
+            <a:gs pos="100000">
+              <a:schemeClr val="phClr">
+                <a:tint val="15000"/>
+                <a:satMod val="350000"/>
+              </a:schemeClr>
+            </a:gs>
+          </a:gsLst>
+          <a:lin ang="16200000" scaled="1"/>
+        </a:gradFill>
+        <a:gradFill rotWithShape="1">
+          <a:gsLst>
+            <a:gs pos="0">
+              <a:schemeClr val="phClr">
+                <a:tint val="100000"/>
+                <a:shade val="100000"/>
+                <a:satMod val="130000"/>
+              </a:schemeClr>
+            </a:gs>
+            <a:gs pos="100000">
+              <a:schemeClr val="phClr">
+                <a:tint val="50000"/>
+                <a:shade val="100000"/>
+                <a:satMod val="350000"/>
+              </a:schemeClr>
+            </a:gs>
+          </a:gsLst>
+          <a:lin ang="16200000" scaled="0"/>
+        </a:gradFill>
+      </a:fillStyleLst>
+      <a:lnStyleLst>
+        <a:ln w="9525" cap="flat" cmpd="sng" algn="ctr">
+          <a:solidFill>
+            <a:schemeClr val="phClr">
+              <a:shade val="95000"/>
+              <a:satMod val="105000"/>
+            </a:schemeClr>
+          </a:solidFill>
+          <a:prstDash val="solid"/>
+        </a:ln>
+        <a:ln w="25400" cap="flat" cmpd="sng" algn="ctr">
+          <a:solidFill>
+            <a:schemeClr val="phClr"/>
+          </a:solidFill>
+          <a:prstDash val="solid"/>
+        </a:ln>
+        <a:ln w="38100" cap="flat" cmpd="sng" algn="ctr">
+          <a:solidFill>
+            <a:schemeClr val="phClr"/>
+          </a:solidFill>
+          <a:prstDash val="solid"/>
+        </a:ln>
+      </a:lnStyleLst>
+      <a:effectStyleLst>
+        <a:effectStyle>
+          <a:effectLst>
+            <a:outerShdw blurRad="40000" dist="20000" dir="5400000" rotWithShape="0">
+              <a:srgbClr val="000000">
+                <a:alpha val="38000"/>
+              </a:srgbClr>
+            </a:outerShdw>
+          </a:effectLst>
+        </a:effectStyle>
+        <a:effectStyle>
+          <a:effectLst>
+            <a:outerShdw blurRad="40000" dist="23000" dir="5400000" rotWithShape="0">
+              <a:srgbClr val="000000">
+                <a:alpha val="35000"/>
+              </a:srgbClr>
+            </a:outerShdw>
+          </a:effectLst>
+        </a:effectStyle>
+        <a:effectStyle>
+          <a:effectLst>
+            <a:outerShdw blurRad="40000" dist="23000" dir="5400000" rotWithShape="0">
+              <a:srgbClr val="000000">
+                <a:alpha val="35000"/>
+              </a:srgbClr>
+            </a:outerShdw>
+          </a:effectLst>
+          <a:scene3d>
+            <a:camera prst="orthographicFront">
+              <a:rot lat="0" lon="0" rev="0"/>
+            </a:camera>
+            <a:lightRig rig="threePt" dir="t">
+              <a:rot lat="0" lon="0" rev="1200000"/>
+            </a:lightRig>
+          </a:scene3d>
+          <a:sp3d>
+            <a:bevelT w="63500" h="25400"/>
+          </a:sp3d>
+        </a:effectStyle>
+      </a:effectStyleLst>
+      <a:bgFillStyleLst>
+        <a:solidFill>
+          <a:schemeClr val="phClr"/>
+        </a:solidFill>
+        <a:gradFill rotWithShape="1">
+          <a:gsLst>
+            <a:gs pos="0">
+              <a:schemeClr val="phClr">
+                <a:tint val="40000"/>
+                <a:satMod val="350000"/>
+              </a:schemeClr>
+            </a:gs>
+            <a:gs pos="40000">
+              <a:schemeClr val="phClr">
+                <a:tint val="45000"/>
+                <a:shade val="99000"/>
+                <a:satMod val="350000"/>
+              </a:schemeClr>
+            </a:gs>
+            <a:gs pos="100000">
+              <a:schemeClr val="phClr">
+                <a:shade val="20000"/>
+                <a:satMod val="255000"/>
+              </a:schemeClr>
+            </a:gs>
+          </a:gsLst>
+          <a:path path="circle">
+            <a:fillToRect l="50000" t="-80000" r="50000" b="180000"/>
+          </a:path>
+        </a:gradFill>
+        <a:gradFill rotWithShape="1">
+          <a:gsLst>
+            <a:gs pos="0">
+              <a:schemeClr val="phClr">
+                <a:tint val="80000"/>
+                <a:satMod val="300000"/>
+              </a:schemeClr>
+            </a:gs>
+            <a:gs pos="100000">
+              <a:schemeClr val="phClr">
+                <a:shade val="30000"/>
+                <a:satMod val="200000"/>
+              </a:schemeClr>
+            </a:gs>
+          </a:gsLst>
+          <a:path path="circle">
+            <a:fillToRect l="50000" t="50000" r="50000" b="50000"/>
+          </a:path>
+        </a:gradFill>
+      </a:bgFillStyleLst>
+    </a:fmtScheme>
+  </a:themeElements>
+  <a:objectDefaults>
+    <a:spDef>
+      <a:spPr/>
+      <a:bodyPr/>
+      <a:lstStyle/>
+      <a:style>
+        <a:lnRef idx="1">
+          <a:schemeClr val="accent1"/>
+        </a:lnRef>
+        <a:fillRef idx="3">
+          <a:schemeClr val="accent1"/>
+        </a:fillRef>
+        <a:effectRef idx="2">
+          <a:schemeClr val="accent1"/>
+        </a:effectRef>
+        <a:fontRef idx="minor">
+          <a:schemeClr val="lt1"/>
+        </a:fontRef>
+      </a:style>
+    </a:spDef>
+    <a:lnDef>
+      <a:spPr/>
+      <a:bodyPr/>
+      <a:lstStyle/>
+      <a:style>
+        <a:lnRef idx="2">
+          <a:schemeClr val="accent1"/>
+        </a:lnRef>
+        <a:fillRef idx="0">
+          <a:schemeClr val="accent1"/>
+        </a:fillRef>
+        <a:effectRef idx="1">
+          <a:schemeClr val="accent1"/>
+        </a:effectRef>
+        <a:fontRef idx="minor">
+          <a:schemeClr val="tx1"/>
+        </a:fontRef>
+      </a:style>
+    </a:lnDef>
+  </a:objectDefaults>
+  <a:extraClrSchemeLst/>
+</a:theme>
 </file>